--- a/2025_М_ПІ_ІПЗм-23-2_Ягнюков_А_Ю.pptx
+++ b/2025_М_ПІ_ІПЗм-23-2_Ягнюков_А_Ю.pptx
@@ -832,7 +832,18 @@
               </a:spcAft>
               <a:buNone/>
             </a:pPr>
-            <a:endParaRPr/>
+            <a:r>
+              <a:rPr lang="uk-UA" noProof="0" dirty="0"/>
+              <a:t>Добрий день! Я, Ягнюков Андрій Юрійович, студент групи ІПЗм-23-2, хочу представити до вашої уваги свою кваліфікаційну роботу на тему «Дослідження ефективності застосування ORM та SQL підходів для доступу до баз даних у </a:t>
+            </a:r>
+            <a:r>
+              <a:rPr lang="uk-UA" noProof="0" dirty="0" err="1"/>
+              <a:t>Go</a:t>
+            </a:r>
+            <a:r>
+              <a:rPr lang="uk-UA" noProof="0" dirty="0"/>
+              <a:t>-додатках».</a:t>
+            </a:r>
           </a:p>
         </p:txBody>
       </p:sp>
@@ -927,16 +938,199 @@
           </a:bodyPr>
           <a:lstStyle/>
           <a:p>
-            <a:pPr marL="0" lvl="0" indent="0" algn="l" rtl="0">
-              <a:spcBef>
-                <a:spcPts val="0"/>
-              </a:spcBef>
-              <a:spcAft>
-                <a:spcPts val="0"/>
-              </a:spcAft>
+            <a:pPr marL="158750" indent="0" algn="l">
               <a:buNone/>
             </a:pPr>
-            <a:endParaRPr/>
+            <a:r>
+              <a:rPr lang="uk-UA" sz="1100" b="0" i="0" u="none" strike="noStrike" cap="none" dirty="0">
+                <a:solidFill>
+                  <a:srgbClr val="000000"/>
+                </a:solidFill>
+                <a:effectLst/>
+                <a:latin typeface="Arial"/>
+                <a:ea typeface="Arial"/>
+                <a:cs typeface="Arial"/>
+                <a:sym typeface="Arial"/>
+              </a:rPr>
+              <a:t>Прототипом є </a:t>
+            </a:r>
+            <a:r>
+              <a:rPr lang="uk-UA" sz="1100" b="0" i="0" u="none" strike="noStrike" cap="none" dirty="0" err="1">
+                <a:solidFill>
+                  <a:srgbClr val="000000"/>
+                </a:solidFill>
+                <a:effectLst/>
+                <a:latin typeface="Arial"/>
+                <a:ea typeface="Arial"/>
+                <a:cs typeface="Arial"/>
+                <a:sym typeface="Arial"/>
+              </a:rPr>
+              <a:t>Go</a:t>
+            </a:r>
+            <a:r>
+              <a:rPr lang="uk-UA" sz="1100" b="0" i="0" u="none" strike="noStrike" cap="none" dirty="0">
+                <a:solidFill>
+                  <a:srgbClr val="000000"/>
+                </a:solidFill>
+                <a:effectLst/>
+                <a:latin typeface="Arial"/>
+                <a:ea typeface="Arial"/>
+                <a:cs typeface="Arial"/>
+                <a:sym typeface="Arial"/>
+              </a:rPr>
+              <a:t>-додаток, що імітує предметну область електронної комерції, та складається з трьох основних модулів, де один використовує GORM, другий – </a:t>
+            </a:r>
+            <a:r>
+              <a:rPr lang="uk-UA" sz="1100" b="0" i="0" u="none" strike="noStrike" cap="none" dirty="0" err="1">
+                <a:solidFill>
+                  <a:srgbClr val="000000"/>
+                </a:solidFill>
+                <a:effectLst/>
+                <a:latin typeface="Arial"/>
+                <a:ea typeface="Arial"/>
+                <a:cs typeface="Arial"/>
+                <a:sym typeface="Arial"/>
+              </a:rPr>
+              <a:t>Ent</a:t>
+            </a:r>
+            <a:r>
+              <a:rPr lang="uk-UA" sz="1100" b="0" i="0" u="none" strike="noStrike" cap="none" dirty="0">
+                <a:solidFill>
+                  <a:srgbClr val="000000"/>
+                </a:solidFill>
+                <a:effectLst/>
+                <a:latin typeface="Arial"/>
+                <a:ea typeface="Arial"/>
+                <a:cs typeface="Arial"/>
+                <a:sym typeface="Arial"/>
+              </a:rPr>
+              <a:t>, а третій – стандартний пакет </a:t>
+            </a:r>
+            <a:r>
+              <a:rPr lang="uk-UA" sz="1100" b="0" i="0" u="none" strike="noStrike" cap="none" dirty="0" err="1">
+                <a:solidFill>
+                  <a:srgbClr val="000000"/>
+                </a:solidFill>
+                <a:effectLst/>
+                <a:latin typeface="Arial"/>
+                <a:ea typeface="Arial"/>
+                <a:cs typeface="Arial"/>
+                <a:sym typeface="Arial"/>
+              </a:rPr>
+              <a:t>database</a:t>
+            </a:r>
+            <a:r>
+              <a:rPr lang="uk-UA" sz="1100" b="0" i="0" u="none" strike="noStrike" cap="none" dirty="0">
+                <a:solidFill>
+                  <a:srgbClr val="000000"/>
+                </a:solidFill>
+                <a:effectLst/>
+                <a:latin typeface="Arial"/>
+                <a:ea typeface="Arial"/>
+                <a:cs typeface="Arial"/>
+                <a:sym typeface="Arial"/>
+              </a:rPr>
+              <a:t>/</a:t>
+            </a:r>
+            <a:r>
+              <a:rPr lang="uk-UA" sz="1100" b="0" i="0" u="none" strike="noStrike" cap="none" dirty="0" err="1">
+                <a:solidFill>
+                  <a:srgbClr val="000000"/>
+                </a:solidFill>
+                <a:effectLst/>
+                <a:latin typeface="Arial"/>
+                <a:ea typeface="Arial"/>
+                <a:cs typeface="Arial"/>
+                <a:sym typeface="Arial"/>
+              </a:rPr>
+              <a:t>sq</a:t>
+            </a:r>
+            <a:r>
+              <a:rPr lang="en-US" sz="1100" b="0" i="0" u="none" strike="noStrike" cap="none" dirty="0">
+                <a:solidFill>
+                  <a:srgbClr val="000000"/>
+                </a:solidFill>
+                <a:effectLst/>
+                <a:latin typeface="Arial"/>
+                <a:ea typeface="Arial"/>
+                <a:cs typeface="Arial"/>
+                <a:sym typeface="Arial"/>
+              </a:rPr>
+              <a:t>l</a:t>
+            </a:r>
+            <a:r>
+              <a:rPr lang="uk-UA" sz="1100" b="0" i="0" u="none" strike="noStrike" cap="none" dirty="0">
+                <a:solidFill>
+                  <a:srgbClr val="000000"/>
+                </a:solidFill>
+                <a:effectLst/>
+                <a:latin typeface="Arial"/>
+                <a:ea typeface="Arial"/>
+                <a:cs typeface="Arial"/>
+                <a:sym typeface="Arial"/>
+              </a:rPr>
+              <a:t>.</a:t>
+            </a:r>
+          </a:p>
+          <a:p>
+            <a:pPr marL="158750" indent="0" algn="l">
+              <a:buNone/>
+            </a:pPr>
+            <a:endParaRPr lang="ru-RU" sz="1100" b="0" i="0" u="none" strike="noStrike" cap="none" dirty="0">
+              <a:solidFill>
+                <a:srgbClr val="000000"/>
+              </a:solidFill>
+              <a:effectLst/>
+              <a:latin typeface="Arial"/>
+              <a:ea typeface="Arial"/>
+              <a:cs typeface="Arial"/>
+              <a:sym typeface="Arial"/>
+            </a:endParaRPr>
+          </a:p>
+          <a:p>
+            <a:pPr marL="158750" indent="0" algn="l">
+              <a:buNone/>
+            </a:pPr>
+            <a:r>
+              <a:rPr lang="uk-UA" sz="1100" b="0" i="0" u="none" strike="noStrike" cap="none" dirty="0">
+                <a:solidFill>
+                  <a:srgbClr val="000000"/>
+                </a:solidFill>
+                <a:effectLst/>
+                <a:latin typeface="Arial"/>
+                <a:ea typeface="Arial"/>
+                <a:cs typeface="Arial"/>
+                <a:sym typeface="Arial"/>
+              </a:rPr>
+              <a:t>Усі модулі працюють з єдиною базою даних </a:t>
+            </a:r>
+            <a:r>
+              <a:rPr lang="uk-UA" sz="1100" b="0" i="0" u="none" strike="noStrike" cap="none" dirty="0" err="1">
+                <a:solidFill>
+                  <a:srgbClr val="000000"/>
+                </a:solidFill>
+                <a:effectLst/>
+                <a:latin typeface="Arial"/>
+                <a:ea typeface="Arial"/>
+                <a:cs typeface="Arial"/>
+                <a:sym typeface="Arial"/>
+              </a:rPr>
+              <a:t>PostgreSQL</a:t>
+            </a:r>
+            <a:r>
+              <a:rPr lang="uk-UA" sz="1100" b="0" i="0" u="none" strike="noStrike" cap="none" dirty="0">
+                <a:solidFill>
+                  <a:srgbClr val="000000"/>
+                </a:solidFill>
+                <a:effectLst/>
+                <a:latin typeface="Arial"/>
+                <a:ea typeface="Arial"/>
+                <a:cs typeface="Arial"/>
+                <a:sym typeface="Arial"/>
+              </a:rPr>
+              <a:t>, що забезпечує однакові умови для тестування.</a:t>
+            </a:r>
+            <a:endParaRPr dirty="0"/>
           </a:p>
         </p:txBody>
       </p:sp>
@@ -1049,16 +1243,66 @@
           </a:bodyPr>
           <a:lstStyle/>
           <a:p>
-            <a:pPr marL="0" lvl="0" indent="0" algn="l" rtl="0">
-              <a:spcBef>
-                <a:spcPts val="0"/>
-              </a:spcBef>
-              <a:spcAft>
-                <a:spcPts val="0"/>
-              </a:spcAft>
+            <a:pPr marL="158750" indent="0">
               <a:buNone/>
             </a:pPr>
-            <a:endParaRPr/>
+            <a:r>
+              <a:rPr lang="uk-UA" sz="1100" b="0" i="0" u="none" strike="noStrike" cap="none" dirty="0">
+                <a:solidFill>
+                  <a:srgbClr val="000000"/>
+                </a:solidFill>
+                <a:effectLst/>
+                <a:latin typeface="Arial"/>
+                <a:ea typeface="Arial"/>
+                <a:cs typeface="Arial"/>
+                <a:sym typeface="Arial"/>
+              </a:rPr>
+              <a:t>Важливим є структура бази даних.</a:t>
+            </a:r>
+            <a:endParaRPr lang="ru-RU" sz="1100" b="0" i="0" u="none" strike="noStrike" cap="none" dirty="0">
+              <a:solidFill>
+                <a:srgbClr val="000000"/>
+              </a:solidFill>
+              <a:effectLst/>
+              <a:latin typeface="Arial"/>
+              <a:ea typeface="Arial"/>
+              <a:cs typeface="Arial"/>
+              <a:sym typeface="Arial"/>
+            </a:endParaRPr>
+          </a:p>
+          <a:p>
+            <a:pPr marL="158750" indent="0">
+              <a:buNone/>
+            </a:pPr>
+            <a:endParaRPr lang="uk-UA" sz="1100" b="0" i="0" u="none" strike="noStrike" cap="none" dirty="0">
+              <a:solidFill>
+                <a:srgbClr val="000000"/>
+              </a:solidFill>
+              <a:effectLst/>
+              <a:latin typeface="Arial"/>
+              <a:ea typeface="Arial"/>
+              <a:cs typeface="Arial"/>
+              <a:sym typeface="Arial"/>
+            </a:endParaRPr>
+          </a:p>
+          <a:p>
+            <a:pPr marL="158750" indent="0">
+              <a:buNone/>
+            </a:pPr>
+            <a:r>
+              <a:rPr lang="uk-UA" sz="1100" b="0" i="0" u="none" strike="noStrike" cap="none" dirty="0">
+                <a:solidFill>
+                  <a:srgbClr val="000000"/>
+                </a:solidFill>
+                <a:effectLst/>
+                <a:latin typeface="Arial"/>
+                <a:ea typeface="Arial"/>
+                <a:cs typeface="Arial"/>
+                <a:sym typeface="Arial"/>
+              </a:rPr>
+              <a:t>ER-діаграма візуалізує реляційну модель даних для електронної комерції, яка використовувалася для всіх експериментів.</a:t>
+            </a:r>
+            <a:endParaRPr dirty="0"/>
           </a:p>
         </p:txBody>
       </p:sp>
@@ -1167,7 +1411,35 @@
               </a:spcAft>
               <a:buNone/>
             </a:pPr>
-            <a:endParaRPr/>
+            <a:r>
+              <a:rPr lang="uk-UA" noProof="0" dirty="0"/>
+              <a:t>Розробка додатка проводилася поетапно на основі теоретичного дослідження</a:t>
+            </a:r>
+            <a:r>
+              <a:rPr lang="ru-RU" dirty="0"/>
+              <a:t> </a:t>
+            </a:r>
+            <a:r>
+              <a:rPr lang="en-US" dirty="0"/>
+              <a:t>ORM-</a:t>
+            </a:r>
+            <a:r>
+              <a:rPr lang="uk-UA" noProof="0" dirty="0"/>
+              <a:t>бібліотек: від </a:t>
+            </a:r>
+            <a:r>
+              <a:rPr lang="uk-UA" noProof="0" dirty="0" err="1"/>
+              <a:t>проєктування</a:t>
+            </a:r>
+            <a:r>
+              <a:rPr lang="uk-UA" noProof="0" dirty="0"/>
+              <a:t> бази даних до реалізації зазначених модулів</a:t>
+            </a:r>
+            <a:r>
+              <a:rPr lang="en-US" dirty="0"/>
+              <a:t>.</a:t>
+            </a:r>
+            <a:endParaRPr dirty="0"/>
           </a:p>
         </p:txBody>
       </p:sp>
@@ -1280,16 +1552,408 @@
           </a:bodyPr>
           <a:lstStyle/>
           <a:p>
-            <a:pPr marL="0" lvl="0" indent="0" algn="l" rtl="0">
-              <a:spcBef>
-                <a:spcPts val="0"/>
-              </a:spcBef>
-              <a:spcAft>
-                <a:spcPts val="0"/>
-              </a:spcAft>
+            <a:pPr marL="158750" indent="0">
               <a:buNone/>
             </a:pPr>
-            <a:endParaRPr/>
+            <a:r>
+              <a:rPr lang="uk-UA" sz="1100" b="0" i="0" u="none" strike="noStrike" cap="none" dirty="0">
+                <a:solidFill>
+                  <a:srgbClr val="000000"/>
+                </a:solidFill>
+                <a:effectLst/>
+                <a:latin typeface="Arial"/>
+                <a:ea typeface="Arial"/>
+                <a:cs typeface="Arial"/>
+                <a:sym typeface="Arial"/>
+              </a:rPr>
+              <a:t>Було використано 5 важливих метрик:</a:t>
+            </a:r>
+            <a:endParaRPr lang="ru-RU" sz="1100" b="0" i="0" u="none" strike="noStrike" cap="none" dirty="0">
+              <a:solidFill>
+                <a:srgbClr val="000000"/>
+              </a:solidFill>
+              <a:effectLst/>
+              <a:latin typeface="Arial"/>
+              <a:ea typeface="Arial"/>
+              <a:cs typeface="Arial"/>
+              <a:sym typeface="Arial"/>
+            </a:endParaRPr>
+          </a:p>
+          <a:p>
+            <a:pPr marL="457200" lvl="0" indent="-298450">
+              <a:buFont typeface="Arial" panose="020B0604020202020204" pitchFamily="34" charset="0"/>
+              <a:buChar char="−"/>
+            </a:pPr>
+            <a:r>
+              <a:rPr lang="uk-UA" sz="1100" b="1" i="0" u="none" strike="noStrike" cap="none" dirty="0">
+                <a:solidFill>
+                  <a:srgbClr val="000000"/>
+                </a:solidFill>
+                <a:effectLst/>
+                <a:latin typeface="Arial"/>
+                <a:ea typeface="Arial"/>
+                <a:cs typeface="Arial"/>
+                <a:sym typeface="Arial"/>
+              </a:rPr>
+              <a:t>середня затримка</a:t>
+            </a:r>
+            <a:r>
+              <a:rPr lang="uk-UA" sz="1100" b="0" i="0" u="none" strike="noStrike" cap="none" dirty="0">
+                <a:solidFill>
+                  <a:srgbClr val="000000"/>
+                </a:solidFill>
+                <a:effectLst/>
+                <a:latin typeface="Arial"/>
+                <a:ea typeface="Arial"/>
+                <a:cs typeface="Arial"/>
+                <a:sym typeface="Arial"/>
+              </a:rPr>
+              <a:t> – </a:t>
+            </a:r>
+            <a:r>
+              <a:rPr lang="uk-UA" sz="1100" b="0" i="0" u="none" strike="noStrike" cap="none" noProof="0" dirty="0">
+                <a:solidFill>
+                  <a:srgbClr val="000000"/>
+                </a:solidFill>
+                <a:effectLst/>
+                <a:latin typeface="Arial"/>
+                <a:ea typeface="Arial"/>
+                <a:cs typeface="Arial"/>
+                <a:sym typeface="Arial"/>
+              </a:rPr>
+              <a:t>середній час відповіді системи на запит, що характеризує типову продуктивність взаємодії з БД</a:t>
+            </a:r>
+            <a:r>
+              <a:rPr lang="ru-RU" sz="1100" b="0" i="0" u="none" strike="noStrike" cap="none" dirty="0">
+                <a:solidFill>
+                  <a:srgbClr val="000000"/>
+                </a:solidFill>
+                <a:effectLst/>
+                <a:latin typeface="Arial"/>
+                <a:ea typeface="Arial"/>
+                <a:cs typeface="Arial"/>
+                <a:sym typeface="Arial"/>
+              </a:rPr>
+              <a:t>;</a:t>
+            </a:r>
+            <a:endParaRPr lang="uk-UA" sz="1100" b="0" i="0" u="none" strike="noStrike" cap="none" dirty="0">
+              <a:solidFill>
+                <a:srgbClr val="000000"/>
+              </a:solidFill>
+              <a:effectLst/>
+              <a:latin typeface="Arial"/>
+              <a:ea typeface="Arial"/>
+              <a:cs typeface="Arial"/>
+              <a:sym typeface="Arial"/>
+            </a:endParaRPr>
+          </a:p>
+          <a:p>
+            <a:pPr marL="457200" lvl="0" indent="-298450">
+              <a:buFont typeface="Arial" panose="020B0604020202020204" pitchFamily="34" charset="0"/>
+              <a:buChar char="−"/>
+            </a:pPr>
+            <a:r>
+              <a:rPr lang="uk-UA" sz="1100" b="1" i="0" u="none" strike="noStrike" cap="none" dirty="0">
+                <a:solidFill>
+                  <a:srgbClr val="000000"/>
+                </a:solidFill>
+                <a:effectLst/>
+                <a:latin typeface="Arial"/>
+                <a:ea typeface="Arial"/>
+                <a:cs typeface="Arial"/>
+                <a:sym typeface="Arial"/>
+              </a:rPr>
+              <a:t>95-й </a:t>
+            </a:r>
+            <a:r>
+              <a:rPr lang="uk-UA" sz="1100" b="1" i="0" u="none" strike="noStrike" cap="none" dirty="0" err="1">
+                <a:solidFill>
+                  <a:srgbClr val="000000"/>
+                </a:solidFill>
+                <a:effectLst/>
+                <a:latin typeface="Arial"/>
+                <a:ea typeface="Arial"/>
+                <a:cs typeface="Arial"/>
+                <a:sym typeface="Arial"/>
+              </a:rPr>
+              <a:t>перцентиль</a:t>
+            </a:r>
+            <a:r>
+              <a:rPr lang="uk-UA" sz="1100" b="1" i="0" u="none" strike="noStrike" cap="none" dirty="0">
+                <a:solidFill>
+                  <a:srgbClr val="000000"/>
+                </a:solidFill>
+                <a:effectLst/>
+                <a:latin typeface="Arial"/>
+                <a:ea typeface="Arial"/>
+                <a:cs typeface="Arial"/>
+                <a:sym typeface="Arial"/>
+              </a:rPr>
+              <a:t> затримки</a:t>
+            </a:r>
+            <a:r>
+              <a:rPr lang="uk-UA" sz="1100" b="0" i="0" u="none" strike="noStrike" cap="none" dirty="0">
+                <a:solidFill>
+                  <a:srgbClr val="000000"/>
+                </a:solidFill>
+                <a:effectLst/>
+                <a:latin typeface="Arial"/>
+                <a:ea typeface="Arial"/>
+                <a:cs typeface="Arial"/>
+                <a:sym typeface="Arial"/>
+              </a:rPr>
+              <a:t> – </a:t>
+            </a:r>
+            <a:r>
+              <a:rPr lang="uk-UA" sz="1100" b="0" i="0" u="none" strike="noStrike" cap="none" noProof="0" dirty="0">
+                <a:solidFill>
+                  <a:srgbClr val="000000"/>
+                </a:solidFill>
+                <a:effectLst/>
+                <a:latin typeface="Arial"/>
+                <a:ea typeface="Arial"/>
+                <a:cs typeface="Arial"/>
+                <a:sym typeface="Arial"/>
+              </a:rPr>
+              <a:t>порогове значення затримки, нижче якого лежить 95% вимірювань, що виявляє критичні просадки швидкості під навантаженням</a:t>
+            </a:r>
+            <a:r>
+              <a:rPr lang="uk-UA" sz="1100" b="0" i="0" u="none" strike="noStrike" cap="none" dirty="0">
+                <a:solidFill>
+                  <a:srgbClr val="000000"/>
+                </a:solidFill>
+                <a:effectLst/>
+                <a:latin typeface="Arial"/>
+                <a:ea typeface="Arial"/>
+                <a:cs typeface="Arial"/>
+                <a:sym typeface="Arial"/>
+              </a:rPr>
+              <a:t>;</a:t>
+            </a:r>
+          </a:p>
+          <a:p>
+            <a:pPr marL="457200" lvl="0" indent="-298450">
+              <a:buFont typeface="Arial" panose="020B0604020202020204" pitchFamily="34" charset="0"/>
+              <a:buChar char="−"/>
+            </a:pPr>
+            <a:r>
+              <a:rPr lang="uk-UA" sz="1100" b="1" i="0" u="none" strike="noStrike" cap="none" dirty="0">
+                <a:solidFill>
+                  <a:srgbClr val="000000"/>
+                </a:solidFill>
+                <a:effectLst/>
+                <a:latin typeface="Arial"/>
+                <a:ea typeface="Arial"/>
+                <a:cs typeface="Arial"/>
+                <a:sym typeface="Arial"/>
+              </a:rPr>
+              <a:t>пропускна здатність</a:t>
+            </a:r>
+            <a:r>
+              <a:rPr lang="uk-UA" sz="1100" b="0" i="0" u="none" strike="noStrike" cap="none" dirty="0">
+                <a:solidFill>
+                  <a:srgbClr val="000000"/>
+                </a:solidFill>
+                <a:effectLst/>
+                <a:latin typeface="Arial"/>
+                <a:ea typeface="Arial"/>
+                <a:cs typeface="Arial"/>
+                <a:sym typeface="Arial"/>
+              </a:rPr>
+              <a:t> – </a:t>
+            </a:r>
+            <a:r>
+              <a:rPr lang="uk-UA" sz="1100" b="0" i="0" u="none" strike="noStrike" cap="none" noProof="0" dirty="0">
+                <a:solidFill>
+                  <a:srgbClr val="000000"/>
+                </a:solidFill>
+                <a:effectLst/>
+                <a:latin typeface="Arial"/>
+                <a:ea typeface="Arial"/>
+                <a:cs typeface="Arial"/>
+                <a:sym typeface="Arial"/>
+              </a:rPr>
+              <a:t>кількість операцій з БД за секунду, що вимірює здатність системи масштабуватись</a:t>
+            </a:r>
+            <a:r>
+              <a:rPr lang="uk-UA" sz="1100" b="0" i="0" u="none" strike="noStrike" cap="none" dirty="0">
+                <a:solidFill>
+                  <a:srgbClr val="000000"/>
+                </a:solidFill>
+                <a:effectLst/>
+                <a:latin typeface="Arial"/>
+                <a:ea typeface="Arial"/>
+                <a:cs typeface="Arial"/>
+                <a:sym typeface="Arial"/>
+              </a:rPr>
+              <a:t>;</a:t>
+            </a:r>
+            <a:endParaRPr lang="ru-RU" sz="1100" b="0" i="0" u="none" strike="noStrike" cap="none" dirty="0">
+              <a:solidFill>
+                <a:srgbClr val="000000"/>
+              </a:solidFill>
+              <a:effectLst/>
+              <a:latin typeface="Arial"/>
+              <a:ea typeface="Arial"/>
+              <a:cs typeface="Arial"/>
+              <a:sym typeface="Arial"/>
+            </a:endParaRPr>
+          </a:p>
+          <a:p>
+            <a:pPr marL="457200" indent="-298450">
+              <a:buFont typeface="Arial" panose="020B0604020202020204" pitchFamily="34" charset="0"/>
+              <a:buChar char="−"/>
+            </a:pPr>
+            <a:r>
+              <a:rPr lang="uk-UA" sz="1100" b="1" i="0" u="none" strike="noStrike" cap="none" dirty="0">
+                <a:solidFill>
+                  <a:srgbClr val="000000"/>
+                </a:solidFill>
+                <a:effectLst/>
+                <a:latin typeface="Arial"/>
+                <a:ea typeface="Arial"/>
+                <a:cs typeface="Arial"/>
+                <a:sym typeface="Arial"/>
+              </a:rPr>
+              <a:t>споживання оперативної пам’яті</a:t>
+            </a:r>
+            <a:r>
+              <a:rPr lang="uk-UA" sz="1100" b="0" i="0" u="none" strike="noStrike" cap="none" dirty="0">
+                <a:solidFill>
+                  <a:srgbClr val="000000"/>
+                </a:solidFill>
+                <a:effectLst/>
+                <a:latin typeface="Arial"/>
+                <a:ea typeface="Arial"/>
+                <a:cs typeface="Arial"/>
+                <a:sym typeface="Arial"/>
+              </a:rPr>
+              <a:t> – </a:t>
+            </a:r>
+            <a:r>
+              <a:rPr lang="uk-UA" sz="1100" b="0" i="0" u="none" strike="noStrike" cap="none" noProof="0" dirty="0">
+                <a:solidFill>
+                  <a:srgbClr val="000000"/>
+                </a:solidFill>
+                <a:effectLst/>
+                <a:latin typeface="Arial"/>
+                <a:ea typeface="Arial"/>
+                <a:cs typeface="Arial"/>
+                <a:sym typeface="Arial"/>
+              </a:rPr>
+              <a:t>середній </a:t>
+            </a:r>
+            <a:r>
+              <a:rPr lang="uk-UA" sz="1100" b="0" i="0" u="none" strike="noStrike" cap="none" noProof="0" dirty="0" err="1">
+                <a:solidFill>
+                  <a:srgbClr val="000000"/>
+                </a:solidFill>
+                <a:effectLst/>
+                <a:latin typeface="Arial"/>
+                <a:ea typeface="Arial"/>
+                <a:cs typeface="Arial"/>
+                <a:sym typeface="Arial"/>
+              </a:rPr>
+              <a:t>обсгям</a:t>
+            </a:r>
+            <a:r>
+              <a:rPr lang="uk-UA" sz="1100" b="0" i="0" u="none" strike="noStrike" cap="none" noProof="0" dirty="0">
+                <a:solidFill>
+                  <a:srgbClr val="000000"/>
+                </a:solidFill>
+                <a:effectLst/>
+                <a:latin typeface="Arial"/>
+                <a:ea typeface="Arial"/>
+                <a:cs typeface="Arial"/>
+                <a:sym typeface="Arial"/>
+              </a:rPr>
+              <a:t> пам'яті, використаний під час роботи з БД, що відображає ресурсну ефективність підходу</a:t>
+            </a:r>
+            <a:r>
+              <a:rPr lang="uk-UA" sz="1100" b="0" i="0" u="none" strike="noStrike" cap="none" dirty="0">
+                <a:solidFill>
+                  <a:srgbClr val="000000"/>
+                </a:solidFill>
+                <a:effectLst/>
+                <a:latin typeface="Arial"/>
+                <a:ea typeface="Arial"/>
+                <a:cs typeface="Arial"/>
+                <a:sym typeface="Arial"/>
+              </a:rPr>
+              <a:t>;</a:t>
+            </a:r>
+          </a:p>
+          <a:p>
+            <a:pPr marL="457200" indent="-298450">
+              <a:buFont typeface="Arial" panose="020B0604020202020204" pitchFamily="34" charset="0"/>
+              <a:buChar char="−"/>
+            </a:pPr>
+            <a:r>
+              <a:rPr lang="uk-UA" sz="1100" b="1" i="0" u="none" strike="noStrike" cap="none" dirty="0">
+                <a:solidFill>
+                  <a:srgbClr val="000000"/>
+                </a:solidFill>
+                <a:effectLst/>
+                <a:latin typeface="Arial"/>
+                <a:ea typeface="Arial"/>
+                <a:cs typeface="Arial"/>
+                <a:sym typeface="Arial"/>
+              </a:rPr>
+              <a:t>час пауз </a:t>
+            </a:r>
+            <a:r>
+              <a:rPr lang="en-US" sz="1100" b="1" i="0" u="none" strike="noStrike" cap="none" dirty="0">
+                <a:solidFill>
+                  <a:srgbClr val="000000"/>
+                </a:solidFill>
+                <a:effectLst/>
+                <a:latin typeface="Arial"/>
+                <a:ea typeface="Arial"/>
+                <a:cs typeface="Arial"/>
+                <a:sym typeface="Arial"/>
+              </a:rPr>
+              <a:t>Garbage Collection</a:t>
+            </a:r>
+            <a:r>
+              <a:rPr lang="ru-RU" sz="1100" b="0" i="0" u="none" strike="noStrike" cap="none" dirty="0">
+                <a:solidFill>
+                  <a:srgbClr val="000000"/>
+                </a:solidFill>
+                <a:effectLst/>
+                <a:latin typeface="Arial"/>
+                <a:ea typeface="Arial"/>
+                <a:cs typeface="Arial"/>
+                <a:sym typeface="Arial"/>
+              </a:rPr>
+              <a:t> – </a:t>
+            </a:r>
+            <a:r>
+              <a:rPr lang="uk-UA" sz="1100" b="0" i="0" u="none" strike="noStrike" cap="none" noProof="0" dirty="0">
+                <a:solidFill>
+                  <a:srgbClr val="000000"/>
+                </a:solidFill>
+                <a:effectLst/>
+                <a:latin typeface="Arial"/>
+                <a:ea typeface="Arial"/>
+                <a:cs typeface="Arial"/>
+                <a:sym typeface="Arial"/>
+              </a:rPr>
+              <a:t>сумарний час зупинки додатку для очищення пам'яті, що впливає на плавність роботи системи</a:t>
+            </a:r>
+            <a:r>
+              <a:rPr lang="ru-RU" sz="1100" b="0" i="0" u="none" strike="noStrike" cap="none" dirty="0">
+                <a:solidFill>
+                  <a:srgbClr val="000000"/>
+                </a:solidFill>
+                <a:effectLst/>
+                <a:latin typeface="Arial"/>
+                <a:ea typeface="Arial"/>
+                <a:cs typeface="Arial"/>
+                <a:sym typeface="Arial"/>
+              </a:rPr>
+              <a:t>.</a:t>
+            </a:r>
+            <a:endParaRPr dirty="0"/>
           </a:p>
         </p:txBody>
       </p:sp>
@@ -1398,7 +2062,124 @@
               </a:spcAft>
               <a:buNone/>
             </a:pPr>
-            <a:endParaRPr/>
+            <a:r>
+              <a:rPr lang="uk-UA" noProof="0" dirty="0"/>
+              <a:t>Перейдемо до результатів експериментального дослідження.</a:t>
+            </a:r>
+          </a:p>
+          <a:p>
+            <a:pPr marL="0" lvl="0" indent="0" algn="l" rtl="0">
+              <a:spcBef>
+                <a:spcPts val="0"/>
+              </a:spcBef>
+              <a:spcAft>
+                <a:spcPts val="0"/>
+              </a:spcAft>
+              <a:buNone/>
+            </a:pPr>
+            <a:endParaRPr lang="uk-UA" noProof="0" dirty="0"/>
+          </a:p>
+          <a:p>
+            <a:pPr marL="0" lvl="0" indent="0" algn="l" rtl="0">
+              <a:spcBef>
+                <a:spcPts val="0"/>
+              </a:spcBef>
+              <a:spcAft>
+                <a:spcPts val="0"/>
+              </a:spcAft>
+              <a:buNone/>
+            </a:pPr>
+            <a:r>
+              <a:rPr lang="uk-UA" noProof="0" dirty="0"/>
+              <a:t>Першим запитом було створення, де </a:t>
+            </a:r>
+            <a:r>
+              <a:rPr lang="uk-UA" noProof="0" dirty="0" err="1"/>
+              <a:t>Ent</a:t>
+            </a:r>
+            <a:r>
+              <a:rPr lang="uk-UA" noProof="0" dirty="0"/>
+              <a:t> показав найкращі результати майже за всіма метриками, окрім споживання оперативної пам’яті та часу пауз G</a:t>
+            </a:r>
+            <a:r>
+              <a:rPr lang="en-US" noProof="0" dirty="0" err="1"/>
+              <a:t>arbage</a:t>
+            </a:r>
+            <a:r>
+              <a:rPr lang="en-US" noProof="0" dirty="0"/>
+              <a:t> </a:t>
+            </a:r>
+            <a:r>
+              <a:rPr lang="uk-UA" noProof="0" dirty="0"/>
+              <a:t>C</a:t>
+            </a:r>
+            <a:r>
+              <a:rPr lang="en-US" noProof="0" dirty="0" err="1"/>
+              <a:t>ollection</a:t>
+            </a:r>
+            <a:r>
+              <a:rPr lang="uk-UA" noProof="0" dirty="0"/>
+              <a:t>, в яких </a:t>
+            </a:r>
+            <a:r>
+              <a:rPr lang="uk-UA" noProof="0" dirty="0" err="1"/>
+              <a:t>database</a:t>
+            </a:r>
+            <a:r>
+              <a:rPr lang="uk-UA" noProof="0" dirty="0"/>
+              <a:t>/</a:t>
+            </a:r>
+            <a:r>
+              <a:rPr lang="uk-UA" noProof="0" dirty="0" err="1"/>
+              <a:t>sql</a:t>
+            </a:r>
+            <a:r>
+              <a:rPr lang="uk-UA" noProof="0" dirty="0"/>
+              <a:t> виявився кращим.</a:t>
+            </a:r>
+          </a:p>
+          <a:p>
+            <a:pPr marL="0" lvl="0" indent="0" algn="l" rtl="0">
+              <a:spcBef>
+                <a:spcPts val="0"/>
+              </a:spcBef>
+              <a:spcAft>
+                <a:spcPts val="0"/>
+              </a:spcAft>
+              <a:buNone/>
+            </a:pPr>
+            <a:endParaRPr lang="uk-UA" noProof="0" dirty="0"/>
+          </a:p>
+          <a:p>
+            <a:pPr marL="0" lvl="0" indent="0" algn="l" rtl="0">
+              <a:spcBef>
+                <a:spcPts val="0"/>
+              </a:spcBef>
+              <a:spcAft>
+                <a:spcPts val="0"/>
+              </a:spcAft>
+              <a:buNone/>
+            </a:pPr>
+            <a:r>
+              <a:rPr lang="uk-UA" noProof="0" dirty="0"/>
+              <a:t>Другим запитом було отримання, де GORM показав найкращі результати майже за всіма метриками, окрім споживання оперативної пам’яті, в якому </a:t>
+            </a:r>
+            <a:r>
+              <a:rPr lang="uk-UA" noProof="0" dirty="0" err="1"/>
+              <a:t>database</a:t>
+            </a:r>
+            <a:r>
+              <a:rPr lang="uk-UA" noProof="0" dirty="0"/>
+              <a:t>/</a:t>
+            </a:r>
+            <a:r>
+              <a:rPr lang="uk-UA" noProof="0" dirty="0" err="1"/>
+              <a:t>sql</a:t>
+            </a:r>
+            <a:r>
+              <a:rPr lang="uk-UA" noProof="0" dirty="0"/>
+              <a:t> виявився кращим.</a:t>
+            </a:r>
           </a:p>
         </p:txBody>
       </p:sp>
@@ -1520,7 +2301,85 @@
               </a:spcAft>
               <a:buNone/>
             </a:pPr>
-            <a:endParaRPr/>
+            <a:r>
+              <a:rPr lang="uk-UA" noProof="0" dirty="0"/>
+              <a:t>Третім запитом було оновлення, де </a:t>
+            </a:r>
+            <a:r>
+              <a:rPr lang="uk-UA" noProof="0" dirty="0" err="1"/>
+              <a:t>database</a:t>
+            </a:r>
+            <a:r>
+              <a:rPr lang="uk-UA" noProof="0" dirty="0"/>
+              <a:t>/</a:t>
+            </a:r>
+            <a:r>
+              <a:rPr lang="uk-UA" noProof="0" dirty="0" err="1"/>
+              <a:t>sql</a:t>
+            </a:r>
+            <a:r>
+              <a:rPr lang="uk-UA" noProof="0" dirty="0"/>
+              <a:t> показав найкращі результати за всіма метриками.</a:t>
+            </a:r>
+          </a:p>
+          <a:p>
+            <a:pPr marL="0" lvl="0" indent="0" algn="l" rtl="0">
+              <a:spcBef>
+                <a:spcPts val="0"/>
+              </a:spcBef>
+              <a:spcAft>
+                <a:spcPts val="0"/>
+              </a:spcAft>
+              <a:buNone/>
+            </a:pPr>
+            <a:endParaRPr lang="uk-UA" noProof="0" dirty="0"/>
+          </a:p>
+          <a:p>
+            <a:pPr marL="0" lvl="0" indent="0" algn="l" rtl="0">
+              <a:spcBef>
+                <a:spcPts val="0"/>
+              </a:spcBef>
+              <a:spcAft>
+                <a:spcPts val="0"/>
+              </a:spcAft>
+              <a:buNone/>
+            </a:pPr>
+            <a:r>
+              <a:rPr lang="uk-UA" noProof="0" dirty="0"/>
+              <a:t>Четвертим запитом було видалення, де </a:t>
+            </a:r>
+            <a:r>
+              <a:rPr lang="uk-UA" noProof="0" dirty="0" err="1"/>
+              <a:t>database</a:t>
+            </a:r>
+            <a:r>
+              <a:rPr lang="uk-UA" noProof="0" dirty="0"/>
+              <a:t>/</a:t>
+            </a:r>
+            <a:r>
+              <a:rPr lang="uk-UA" noProof="0" dirty="0" err="1"/>
+              <a:t>sql</a:t>
+            </a:r>
+            <a:r>
+              <a:rPr lang="uk-UA" noProof="0" dirty="0"/>
+              <a:t> показав найкращі результати майже за всіма метриками, окрім 95-го </a:t>
+            </a:r>
+            <a:r>
+              <a:rPr lang="uk-UA" noProof="0" dirty="0" err="1"/>
+              <a:t>перцентиля</a:t>
+            </a:r>
+            <a:r>
+              <a:rPr lang="uk-UA" noProof="0" dirty="0"/>
+              <a:t> затримки, в якому </a:t>
+            </a:r>
+            <a:r>
+              <a:rPr lang="uk-UA" noProof="0" dirty="0" err="1"/>
+              <a:t>Ent</a:t>
+            </a:r>
+            <a:r>
+              <a:rPr lang="uk-UA" noProof="0" dirty="0"/>
+              <a:t> виявився кращим.</a:t>
+            </a:r>
           </a:p>
         </p:txBody>
       </p:sp>
@@ -1647,7 +2506,138 @@
               </a:spcAft>
               <a:buNone/>
             </a:pPr>
-            <a:endParaRPr/>
+            <a:r>
+              <a:rPr lang="uk-UA" noProof="0" dirty="0"/>
+              <a:t>П’ятим запитом була транзакція, де </a:t>
+            </a:r>
+            <a:r>
+              <a:rPr lang="en-US" dirty="0"/>
+              <a:t>GORM </a:t>
+            </a:r>
+            <a:r>
+              <a:rPr lang="uk-UA" noProof="0" dirty="0"/>
+              <a:t>показав найкращі результати майже за всіма метриками, окрім споживання оперативної пам’яті та часу пауз </a:t>
+            </a:r>
+            <a:r>
+              <a:rPr lang="en-US" dirty="0"/>
+              <a:t>Garbage Collection, </a:t>
+            </a:r>
+            <a:r>
+              <a:rPr lang="uk-UA" noProof="0" dirty="0"/>
+              <a:t>в яких </a:t>
+            </a:r>
+            <a:r>
+              <a:rPr lang="en-US" dirty="0"/>
+              <a:t>database/</a:t>
+            </a:r>
+            <a:r>
+              <a:rPr lang="en-US" dirty="0" err="1"/>
+              <a:t>sql</a:t>
+            </a:r>
+            <a:r>
+              <a:rPr lang="en-US" dirty="0"/>
+              <a:t> </a:t>
+            </a:r>
+            <a:r>
+              <a:rPr lang="uk-UA" noProof="0" dirty="0"/>
+              <a:t>виявився кращим.</a:t>
+            </a:r>
+          </a:p>
+          <a:p>
+            <a:pPr marL="0" lvl="0" indent="0" algn="l" rtl="0">
+              <a:spcBef>
+                <a:spcPts val="0"/>
+              </a:spcBef>
+              <a:spcAft>
+                <a:spcPts val="0"/>
+              </a:spcAft>
+              <a:buNone/>
+            </a:pPr>
+            <a:endParaRPr lang="uk-UA" noProof="0" dirty="0"/>
+          </a:p>
+          <a:p>
+            <a:pPr marL="0" lvl="0" indent="0" algn="l" rtl="0">
+              <a:spcBef>
+                <a:spcPts val="0"/>
+              </a:spcBef>
+              <a:spcAft>
+                <a:spcPts val="0"/>
+              </a:spcAft>
+              <a:buNone/>
+            </a:pPr>
+            <a:r>
+              <a:rPr lang="uk-UA" noProof="0" dirty="0"/>
+              <a:t>Шостим запитом була агрегація, </a:t>
+            </a:r>
+            <a:r>
+              <a:rPr lang="ru-RU" dirty="0"/>
+              <a:t>де </a:t>
+            </a:r>
+            <a:r>
+              <a:rPr lang="en-US" dirty="0"/>
+              <a:t>GORM </a:t>
+            </a:r>
+            <a:r>
+              <a:rPr lang="ru-RU" dirty="0"/>
+              <a:t>показав </a:t>
+            </a:r>
+            <a:r>
+              <a:rPr lang="uk-UA" noProof="0" dirty="0"/>
+              <a:t>найкращі результати майже за всіма метриками, окрім часу пауз </a:t>
+            </a:r>
+            <a:r>
+              <a:rPr lang="en-US" dirty="0"/>
+              <a:t>Garbage Collection, </a:t>
+            </a:r>
+            <a:r>
+              <a:rPr lang="uk-UA" noProof="0" dirty="0"/>
+              <a:t>в якому </a:t>
+            </a:r>
+            <a:r>
+              <a:rPr lang="en-US" dirty="0"/>
+              <a:t>database/</a:t>
+            </a:r>
+            <a:r>
+              <a:rPr lang="en-US" dirty="0" err="1"/>
+              <a:t>sql</a:t>
+            </a:r>
+            <a:r>
+              <a:rPr lang="en-US" dirty="0"/>
+              <a:t> </a:t>
+            </a:r>
+            <a:r>
+              <a:rPr lang="uk-UA" noProof="0" dirty="0"/>
+              <a:t>виявився кращим</a:t>
+            </a:r>
+            <a:r>
+              <a:rPr lang="en-US" noProof="0" dirty="0"/>
+              <a:t> </a:t>
+            </a:r>
+            <a:r>
+              <a:rPr lang="uk-UA" noProof="0" dirty="0"/>
+              <a:t>та споживання оперативної пам’яті було однаковим для </a:t>
+            </a:r>
+            <a:r>
+              <a:rPr lang="en-US" dirty="0"/>
+              <a:t>Ent </a:t>
+            </a:r>
+            <a:r>
+              <a:rPr lang="ru-RU" dirty="0"/>
+              <a:t>та </a:t>
+            </a:r>
+            <a:r>
+              <a:rPr lang="en-US" dirty="0"/>
+              <a:t>database/</a:t>
+            </a:r>
+            <a:r>
+              <a:rPr lang="en-US" dirty="0" err="1"/>
+              <a:t>sql</a:t>
+            </a:r>
+            <a:r>
+              <a:rPr lang="ru-RU" dirty="0"/>
+              <a:t>.</a:t>
+            </a:r>
+            <a:endParaRPr dirty="0"/>
           </a:p>
         </p:txBody>
       </p:sp>
@@ -1774,7 +2764,115 @@
               </a:spcAft>
               <a:buNone/>
             </a:pPr>
-            <a:endParaRPr/>
+            <a:r>
+              <a:rPr lang="uk-UA" noProof="0" dirty="0"/>
+              <a:t>Останнім сьомим запитом було складне </a:t>
+            </a:r>
+            <a:r>
+              <a:rPr lang="uk-UA" dirty="0"/>
+              <a:t>з’єднання таблиць</a:t>
+            </a:r>
+            <a:r>
+              <a:rPr lang="en-US" dirty="0"/>
+              <a:t>, </a:t>
+            </a:r>
+            <a:r>
+              <a:rPr lang="ru-RU" dirty="0"/>
+              <a:t>де </a:t>
+            </a:r>
+            <a:r>
+              <a:rPr lang="en-US" dirty="0"/>
+              <a:t>GORM </a:t>
+            </a:r>
+            <a:r>
+              <a:rPr lang="ru-RU" dirty="0"/>
+              <a:t>показав </a:t>
+            </a:r>
+            <a:r>
+              <a:rPr lang="uk-UA" noProof="0" dirty="0"/>
+              <a:t>найкращі результати майже за всіма метриками, окрім 95-го </a:t>
+            </a:r>
+            <a:r>
+              <a:rPr lang="uk-UA" noProof="0" dirty="0" err="1"/>
+              <a:t>перцентиля</a:t>
+            </a:r>
+            <a:r>
+              <a:rPr lang="uk-UA" noProof="0" dirty="0"/>
+              <a:t> затримки, в якому </a:t>
+            </a:r>
+            <a:r>
+              <a:rPr lang="en-US" dirty="0"/>
+              <a:t>Ent</a:t>
+            </a:r>
+            <a:r>
+              <a:rPr lang="uk-UA" dirty="0"/>
+              <a:t> був кращим</a:t>
+            </a:r>
+            <a:r>
+              <a:rPr lang="en-US" dirty="0"/>
+              <a:t>, </a:t>
+            </a:r>
+            <a:r>
+              <a:rPr lang="uk-UA" noProof="0" dirty="0"/>
+              <a:t>та часу пауз </a:t>
+            </a:r>
+            <a:r>
+              <a:rPr lang="en-US" dirty="0"/>
+              <a:t>Garbage Collection, </a:t>
+            </a:r>
+            <a:r>
+              <a:rPr lang="uk-UA" noProof="0" dirty="0"/>
+              <a:t>де</a:t>
+            </a:r>
+            <a:r>
+              <a:rPr lang="en-US" noProof="0" dirty="0"/>
+              <a:t> </a:t>
+            </a:r>
+            <a:r>
+              <a:rPr lang="en-US" dirty="0"/>
+              <a:t>database/</a:t>
+            </a:r>
+            <a:r>
+              <a:rPr lang="en-US" dirty="0" err="1"/>
+              <a:t>sql</a:t>
+            </a:r>
+            <a:r>
+              <a:rPr lang="uk-UA" dirty="0"/>
+              <a:t> виявися кращим та</a:t>
+            </a:r>
+            <a:r>
+              <a:rPr lang="en-US" dirty="0"/>
+              <a:t> </a:t>
+            </a:r>
+            <a:r>
+              <a:rPr lang="uk-UA" noProof="0" dirty="0"/>
+              <a:t>споживання оперативної пам’яті було однаковим для</a:t>
+            </a:r>
+            <a:r>
+              <a:rPr lang="ru-RU" dirty="0"/>
+              <a:t> </a:t>
+            </a:r>
+            <a:r>
+              <a:rPr lang="en-US" dirty="0"/>
+              <a:t>Ent </a:t>
+            </a:r>
+            <a:r>
+              <a:rPr lang="ru-RU" dirty="0"/>
+              <a:t>та </a:t>
+            </a:r>
+            <a:r>
+              <a:rPr lang="en-US" dirty="0"/>
+              <a:t>database/</a:t>
+            </a:r>
+            <a:r>
+              <a:rPr lang="en-US" dirty="0" err="1"/>
+              <a:t>sql</a:t>
+            </a:r>
+            <a:r>
+              <a:rPr lang="en-US" dirty="0"/>
+              <a:t>.</a:t>
+            </a:r>
+            <a:endParaRPr dirty="0"/>
           </a:p>
         </p:txBody>
       </p:sp>
@@ -1883,7 +2981,20 @@
               </a:spcAft>
               <a:buNone/>
             </a:pPr>
-            <a:endParaRPr/>
+            <a:r>
+              <a:rPr lang="uk-UA" sz="1100" b="0" i="0" u="none" strike="noStrike" cap="none" dirty="0">
+                <a:solidFill>
+                  <a:srgbClr val="000000"/>
+                </a:solidFill>
+                <a:effectLst/>
+                <a:latin typeface="Arial"/>
+                <a:ea typeface="Arial"/>
+                <a:cs typeface="Arial"/>
+                <a:sym typeface="Arial"/>
+              </a:rPr>
+              <a:t>Результати дослідження були представлені на молодіжній конференції, яка проводилася в межах 1-ї Міжнародної науково-практичної конференції «СУЧАСНІ ІНФОРМАЦІЙНІ ТЕХНОЛОГІЇ ТА СИСТЕМИ ШТУЧНОГО ІНТЕЛЕКТУ».</a:t>
+            </a:r>
+            <a:endParaRPr dirty="0"/>
           </a:p>
         </p:txBody>
       </p:sp>
@@ -1978,16 +3089,405 @@
           </a:bodyPr>
           <a:lstStyle/>
           <a:p>
-            <a:pPr marL="0" lvl="0" indent="0" algn="l" rtl="0">
-              <a:spcBef>
-                <a:spcPts val="0"/>
-              </a:spcBef>
-              <a:spcAft>
-                <a:spcPts val="0"/>
-              </a:spcAft>
+            <a:pPr marL="158750" indent="0">
               <a:buNone/>
             </a:pPr>
-            <a:endParaRPr/>
+            <a:r>
+              <a:rPr lang="uk-UA" sz="1100" b="0" i="0" u="none" strike="noStrike" cap="none" dirty="0">
+                <a:solidFill>
+                  <a:srgbClr val="000000"/>
+                </a:solidFill>
+                <a:effectLst/>
+                <a:latin typeface="Arial"/>
+                <a:ea typeface="Arial"/>
+                <a:cs typeface="Arial"/>
+                <a:sym typeface="Arial"/>
+              </a:rPr>
+              <a:t>Теоретичне та експериментальне дослідження довело різну ефективність </a:t>
+            </a:r>
+            <a:r>
+              <a:rPr lang="en-US" sz="1100" b="0" i="0" u="none" strike="noStrike" cap="none" dirty="0">
+                <a:solidFill>
+                  <a:srgbClr val="000000"/>
+                </a:solidFill>
+                <a:effectLst/>
+                <a:latin typeface="Arial"/>
+                <a:ea typeface="Arial"/>
+                <a:cs typeface="Arial"/>
+                <a:sym typeface="Arial"/>
+              </a:rPr>
+              <a:t>SQL </a:t>
+            </a:r>
+            <a:r>
+              <a:rPr lang="uk-UA" sz="1100" b="0" i="0" u="none" strike="noStrike" cap="none" dirty="0">
+                <a:solidFill>
+                  <a:srgbClr val="000000"/>
+                </a:solidFill>
+                <a:effectLst/>
+                <a:latin typeface="Arial"/>
+                <a:ea typeface="Arial"/>
+                <a:cs typeface="Arial"/>
+                <a:sym typeface="Arial"/>
+              </a:rPr>
+              <a:t>та </a:t>
+            </a:r>
+            <a:r>
+              <a:rPr lang="en-US" sz="1100" b="0" i="0" u="none" strike="noStrike" cap="none" dirty="0">
+                <a:solidFill>
+                  <a:srgbClr val="000000"/>
+                </a:solidFill>
+                <a:effectLst/>
+                <a:latin typeface="Arial"/>
+                <a:ea typeface="Arial"/>
+                <a:cs typeface="Arial"/>
+                <a:sym typeface="Arial"/>
+              </a:rPr>
+              <a:t>ORM </a:t>
+            </a:r>
+            <a:r>
+              <a:rPr lang="uk-UA" sz="1100" b="0" i="0" u="none" strike="noStrike" cap="none" dirty="0">
+                <a:solidFill>
+                  <a:srgbClr val="000000"/>
+                </a:solidFill>
+                <a:effectLst/>
+                <a:latin typeface="Arial"/>
+                <a:ea typeface="Arial"/>
+                <a:cs typeface="Arial"/>
+                <a:sym typeface="Arial"/>
+              </a:rPr>
+              <a:t>підходів, особливо у складних сценаріях, що не було висвітлено у попередніх роботах.</a:t>
+            </a:r>
+          </a:p>
+          <a:p>
+            <a:pPr marL="158750" indent="0">
+              <a:buNone/>
+            </a:pPr>
+            <a:endParaRPr lang="uk-UA" sz="1100" b="0" i="0" u="none" strike="noStrike" cap="none" dirty="0">
+              <a:solidFill>
+                <a:srgbClr val="000000"/>
+              </a:solidFill>
+              <a:effectLst/>
+              <a:latin typeface="Arial"/>
+              <a:ea typeface="Arial"/>
+              <a:cs typeface="Arial"/>
+              <a:sym typeface="Arial"/>
+            </a:endParaRPr>
+          </a:p>
+          <a:p>
+            <a:pPr marL="158750" indent="0">
+              <a:buNone/>
+            </a:pPr>
+            <a:r>
+              <a:rPr lang="uk-UA" sz="1100" b="0" i="0" u="none" strike="noStrike" cap="none" dirty="0">
+                <a:solidFill>
+                  <a:srgbClr val="000000"/>
+                </a:solidFill>
+                <a:effectLst/>
+                <a:latin typeface="Arial"/>
+                <a:ea typeface="Arial"/>
+                <a:cs typeface="Arial"/>
+                <a:sym typeface="Arial"/>
+              </a:rPr>
+              <a:t>Реалізований додаток дозволив провести комплексне та об'єктивне порівняння за розширеним набором метрик.</a:t>
+            </a:r>
+          </a:p>
+          <a:p>
+            <a:pPr marL="158750" indent="0">
+              <a:buNone/>
+            </a:pPr>
+            <a:endParaRPr lang="uk-UA" sz="1100" b="0" i="0" u="none" strike="noStrike" cap="none" dirty="0">
+              <a:solidFill>
+                <a:srgbClr val="000000"/>
+              </a:solidFill>
+              <a:effectLst/>
+              <a:latin typeface="Arial"/>
+              <a:ea typeface="Arial"/>
+              <a:cs typeface="Arial"/>
+              <a:sym typeface="Arial"/>
+            </a:endParaRPr>
+          </a:p>
+          <a:p>
+            <a:pPr marL="158750" indent="0">
+              <a:buNone/>
+            </a:pPr>
+            <a:r>
+              <a:rPr lang="uk-UA" b="0" noProof="0" dirty="0"/>
+              <a:t>Також, важливо зазначити, що дослідження довело, що не існує єдиного універсального ефективного підходу до доступу до баз даних для всіх типів операцій у </a:t>
+            </a:r>
+            <a:r>
+              <a:rPr lang="en-US" b="0" dirty="0"/>
+              <a:t>Go-</a:t>
+            </a:r>
+            <a:r>
+              <a:rPr lang="uk-UA" b="0" noProof="0" dirty="0"/>
+              <a:t>додатках. Натомість, оптимальний вибір залежить від конкретних потреб та типів запитів</a:t>
+            </a:r>
+            <a:r>
+              <a:rPr lang="ru-RU" b="0" dirty="0"/>
+              <a:t>:</a:t>
+            </a:r>
+          </a:p>
+          <a:p>
+            <a:pPr marL="457200" indent="-298450">
+              <a:buFont typeface="Arial" panose="020B0604020202020204" pitchFamily="34" charset="0"/>
+              <a:buChar char="−"/>
+            </a:pPr>
+            <a:r>
+              <a:rPr lang="uk-UA" sz="1100" b="0" i="0" u="none" strike="noStrike" cap="none" noProof="0" dirty="0">
+                <a:solidFill>
+                  <a:srgbClr val="000000"/>
+                </a:solidFill>
+                <a:effectLst/>
+                <a:latin typeface="Arial"/>
+                <a:ea typeface="Arial"/>
+                <a:cs typeface="Arial"/>
+                <a:sym typeface="Arial"/>
+              </a:rPr>
+              <a:t>стандартний</a:t>
+            </a:r>
+            <a:r>
+              <a:rPr lang="ru-RU" sz="1100" b="0" i="0" u="none" strike="noStrike" cap="none" dirty="0">
+                <a:solidFill>
+                  <a:srgbClr val="000000"/>
+                </a:solidFill>
+                <a:effectLst/>
+                <a:latin typeface="Arial"/>
+                <a:ea typeface="Arial"/>
+                <a:cs typeface="Arial"/>
+                <a:sym typeface="Arial"/>
+              </a:rPr>
+              <a:t> пакет </a:t>
+            </a:r>
+            <a:r>
+              <a:rPr lang="ru-RU" sz="1100" b="0" i="0" u="none" strike="noStrike" cap="none" dirty="0" err="1">
+                <a:solidFill>
+                  <a:srgbClr val="000000"/>
+                </a:solidFill>
+                <a:effectLst/>
+                <a:latin typeface="Arial"/>
+                <a:ea typeface="Arial"/>
+                <a:cs typeface="Arial"/>
+                <a:sym typeface="Arial"/>
+              </a:rPr>
+              <a:t>database</a:t>
+            </a:r>
+            <a:r>
+              <a:rPr lang="ru-RU" sz="1100" b="0" i="0" u="none" strike="noStrike" cap="none" dirty="0">
+                <a:solidFill>
+                  <a:srgbClr val="000000"/>
+                </a:solidFill>
+                <a:effectLst/>
+                <a:latin typeface="Arial"/>
+                <a:ea typeface="Arial"/>
+                <a:cs typeface="Arial"/>
+                <a:sym typeface="Arial"/>
+              </a:rPr>
+              <a:t>/</a:t>
+            </a:r>
+            <a:r>
+              <a:rPr lang="ru-RU" sz="1100" b="0" i="0" u="none" strike="noStrike" cap="none" dirty="0" err="1">
+                <a:solidFill>
+                  <a:srgbClr val="000000"/>
+                </a:solidFill>
+                <a:effectLst/>
+                <a:latin typeface="Arial"/>
+                <a:ea typeface="Arial"/>
+                <a:cs typeface="Arial"/>
+                <a:sym typeface="Arial"/>
+              </a:rPr>
+              <a:t>sql</a:t>
+            </a:r>
+            <a:r>
+              <a:rPr lang="ru-RU" sz="1100" b="0" i="0" u="none" strike="noStrike" cap="none" dirty="0">
+                <a:solidFill>
+                  <a:srgbClr val="000000"/>
+                </a:solidFill>
+                <a:effectLst/>
+                <a:latin typeface="Arial"/>
+                <a:ea typeface="Arial"/>
+                <a:cs typeface="Arial"/>
+                <a:sym typeface="Arial"/>
+              </a:rPr>
+              <a:t> для </a:t>
+            </a:r>
+            <a:r>
+              <a:rPr lang="uk-UA" sz="1100" b="0" i="0" u="none" strike="noStrike" cap="none" noProof="0" dirty="0">
+                <a:solidFill>
+                  <a:srgbClr val="000000"/>
+                </a:solidFill>
+                <a:effectLst/>
+                <a:latin typeface="Arial"/>
+                <a:ea typeface="Arial"/>
+                <a:cs typeface="Arial"/>
+                <a:sym typeface="Arial"/>
+              </a:rPr>
+              <a:t>критичних за ресурсами операцій запису</a:t>
+            </a:r>
+            <a:r>
+              <a:rPr lang="ru-RU" sz="1100" b="0" i="0" u="none" strike="noStrike" cap="none" dirty="0">
+                <a:solidFill>
+                  <a:srgbClr val="000000"/>
+                </a:solidFill>
+                <a:effectLst/>
+                <a:latin typeface="Arial"/>
+                <a:ea typeface="Arial"/>
+                <a:cs typeface="Arial"/>
+                <a:sym typeface="Arial"/>
+              </a:rPr>
+              <a:t>;</a:t>
+            </a:r>
+          </a:p>
+          <a:p>
+            <a:pPr marL="457200" indent="-298450">
+              <a:buFont typeface="Arial" panose="020B0604020202020204" pitchFamily="34" charset="0"/>
+              <a:buChar char="−"/>
+            </a:pPr>
+            <a:r>
+              <a:rPr lang="en-US" sz="1100" b="0" i="0" u="none" strike="noStrike" cap="none" dirty="0">
+                <a:solidFill>
+                  <a:srgbClr val="000000"/>
+                </a:solidFill>
+                <a:effectLst/>
+                <a:latin typeface="Arial"/>
+                <a:ea typeface="Arial"/>
+                <a:cs typeface="Arial"/>
+                <a:sym typeface="Arial"/>
+              </a:rPr>
+              <a:t>ORM-</a:t>
+            </a:r>
+            <a:r>
+              <a:rPr lang="uk-UA" sz="1100" b="0" i="0" u="none" strike="noStrike" cap="none" dirty="0">
+                <a:solidFill>
+                  <a:srgbClr val="000000"/>
+                </a:solidFill>
+                <a:effectLst/>
+                <a:latin typeface="Arial"/>
+                <a:ea typeface="Arial"/>
+                <a:cs typeface="Arial"/>
+                <a:sym typeface="Arial"/>
+              </a:rPr>
+              <a:t>бібліотека </a:t>
+            </a:r>
+            <a:r>
+              <a:rPr lang="ru-RU" sz="1100" b="0" i="0" u="none" strike="noStrike" cap="none" dirty="0" err="1">
+                <a:solidFill>
+                  <a:srgbClr val="000000"/>
+                </a:solidFill>
+                <a:effectLst/>
+                <a:latin typeface="Arial"/>
+                <a:ea typeface="Arial"/>
+                <a:cs typeface="Arial"/>
+                <a:sym typeface="Arial"/>
+              </a:rPr>
+              <a:t>Ent</a:t>
+            </a:r>
+            <a:r>
+              <a:rPr lang="ru-RU" sz="1100" b="0" i="0" u="none" strike="noStrike" cap="none" dirty="0">
+                <a:solidFill>
+                  <a:srgbClr val="000000"/>
+                </a:solidFill>
+                <a:effectLst/>
+                <a:latin typeface="Arial"/>
+                <a:ea typeface="Arial"/>
+                <a:cs typeface="Arial"/>
+                <a:sym typeface="Arial"/>
+              </a:rPr>
+              <a:t> </a:t>
+            </a:r>
+            <a:r>
+              <a:rPr lang="uk-UA" sz="1100" b="0" i="0" u="none" strike="noStrike" cap="none" noProof="0" dirty="0">
+                <a:solidFill>
+                  <a:srgbClr val="000000"/>
+                </a:solidFill>
+                <a:effectLst/>
+                <a:latin typeface="Arial"/>
+                <a:ea typeface="Arial"/>
+                <a:cs typeface="Arial"/>
+                <a:sym typeface="Arial"/>
+              </a:rPr>
+              <a:t>для ефективного створення даних та як збалансований підхід</a:t>
+            </a:r>
+            <a:r>
+              <a:rPr lang="ru-RU" sz="1100" b="0" i="0" u="none" strike="noStrike" cap="none" dirty="0">
+                <a:solidFill>
+                  <a:srgbClr val="000000"/>
+                </a:solidFill>
+                <a:effectLst/>
+                <a:latin typeface="Arial"/>
+                <a:ea typeface="Arial"/>
+                <a:cs typeface="Arial"/>
+                <a:sym typeface="Arial"/>
+              </a:rPr>
+              <a:t>;</a:t>
+            </a:r>
+          </a:p>
+          <a:p>
+            <a:pPr marL="457200" indent="-298450">
+              <a:buFont typeface="Arial" panose="020B0604020202020204" pitchFamily="34" charset="0"/>
+              <a:buChar char="−"/>
+            </a:pPr>
+            <a:r>
+              <a:rPr lang="en-US" sz="1100" b="0" i="0" u="none" strike="noStrike" cap="none" dirty="0">
+                <a:solidFill>
+                  <a:srgbClr val="000000"/>
+                </a:solidFill>
+                <a:effectLst/>
+                <a:latin typeface="Arial"/>
+                <a:ea typeface="Arial"/>
+                <a:cs typeface="Arial"/>
+                <a:sym typeface="Arial"/>
+              </a:rPr>
+              <a:t>ORM-</a:t>
+            </a:r>
+            <a:r>
+              <a:rPr lang="uk-UA" sz="1100" b="0" i="0" u="none" strike="noStrike" cap="none" dirty="0">
+                <a:solidFill>
+                  <a:srgbClr val="000000"/>
+                </a:solidFill>
+                <a:effectLst/>
+                <a:latin typeface="Arial"/>
+                <a:ea typeface="Arial"/>
+                <a:cs typeface="Arial"/>
+                <a:sym typeface="Arial"/>
+              </a:rPr>
+              <a:t>бібліотека </a:t>
+            </a:r>
+            <a:r>
+              <a:rPr lang="ru-RU" sz="1100" b="0" i="0" u="none" strike="noStrike" cap="none" dirty="0">
+                <a:solidFill>
+                  <a:srgbClr val="000000"/>
+                </a:solidFill>
+                <a:effectLst/>
+                <a:latin typeface="Arial"/>
+                <a:ea typeface="Arial"/>
+                <a:cs typeface="Arial"/>
+                <a:sym typeface="Arial"/>
+              </a:rPr>
+              <a:t>GORM </a:t>
+            </a:r>
+            <a:r>
+              <a:rPr lang="uk-UA" sz="1100" b="0" i="0" u="none" strike="noStrike" cap="none" noProof="0" dirty="0">
+                <a:solidFill>
+                  <a:srgbClr val="000000"/>
+                </a:solidFill>
+                <a:effectLst/>
+                <a:latin typeface="Arial"/>
+                <a:ea typeface="Arial"/>
+                <a:cs typeface="Arial"/>
+                <a:sym typeface="Arial"/>
+              </a:rPr>
+              <a:t>для складних операцій читання.</a:t>
+            </a:r>
+            <a:endParaRPr lang="uk-UA" sz="1100" b="0" i="0" u="none" strike="noStrike" cap="none" dirty="0">
+              <a:solidFill>
+                <a:srgbClr val="000000"/>
+              </a:solidFill>
+              <a:effectLst/>
+              <a:latin typeface="Arial"/>
+              <a:ea typeface="Arial"/>
+              <a:cs typeface="Arial"/>
+              <a:sym typeface="Arial"/>
+            </a:endParaRPr>
           </a:p>
         </p:txBody>
       </p:sp>
@@ -2082,16 +3582,226 @@
           </a:bodyPr>
           <a:lstStyle/>
           <a:p>
-            <a:pPr marL="0" lvl="0" indent="0" algn="l" rtl="0">
-              <a:spcBef>
-                <a:spcPts val="0"/>
-              </a:spcBef>
-              <a:spcAft>
-                <a:spcPts val="0"/>
-              </a:spcAft>
+            <a:pPr marL="158750" indent="0">
               <a:buNone/>
             </a:pPr>
-            <a:endParaRPr/>
+            <a:r>
+              <a:rPr lang="uk-UA" sz="1100" b="0" i="0" u="none" strike="noStrike" cap="none" dirty="0">
+                <a:solidFill>
+                  <a:srgbClr val="000000"/>
+                </a:solidFill>
+                <a:effectLst/>
+                <a:latin typeface="Arial"/>
+                <a:ea typeface="Arial"/>
+                <a:cs typeface="Arial"/>
+                <a:sym typeface="Arial"/>
+              </a:rPr>
+              <a:t>На сьогоднішній день активне використання </a:t>
+            </a:r>
+            <a:r>
+              <a:rPr lang="en-US" sz="1100" b="0" i="0" u="none" strike="noStrike" cap="none" dirty="0">
+                <a:solidFill>
+                  <a:srgbClr val="000000"/>
+                </a:solidFill>
+                <a:effectLst/>
+                <a:latin typeface="Arial"/>
+                <a:ea typeface="Arial"/>
+                <a:cs typeface="Arial"/>
+                <a:sym typeface="Arial"/>
+              </a:rPr>
+              <a:t>Go </a:t>
+            </a:r>
+            <a:r>
+              <a:rPr lang="uk-UA" sz="1100" b="0" i="0" u="none" strike="noStrike" cap="none" dirty="0">
+                <a:solidFill>
+                  <a:srgbClr val="000000"/>
+                </a:solidFill>
+                <a:effectLst/>
+                <a:latin typeface="Arial"/>
+                <a:ea typeface="Arial"/>
+                <a:cs typeface="Arial"/>
+                <a:sym typeface="Arial"/>
+              </a:rPr>
+              <a:t>для серверної розробки зумовлює потребу в обґрунтованому виборі підходу до роботи з базами даних, однак бракує комплексних досліджень порівняння ефективності </a:t>
+            </a:r>
+            <a:r>
+              <a:rPr lang="en-US" sz="1100" b="0" i="0" u="none" strike="noStrike" cap="none" dirty="0">
+                <a:solidFill>
+                  <a:srgbClr val="000000"/>
+                </a:solidFill>
+                <a:effectLst/>
+                <a:latin typeface="Arial"/>
+                <a:ea typeface="Arial"/>
+                <a:cs typeface="Arial"/>
+                <a:sym typeface="Arial"/>
+              </a:rPr>
+              <a:t>ORM </a:t>
+            </a:r>
+            <a:r>
+              <a:rPr lang="uk-UA" sz="1100" b="0" i="0" u="none" strike="noStrike" cap="none" dirty="0">
+                <a:solidFill>
+                  <a:srgbClr val="000000"/>
+                </a:solidFill>
+                <a:effectLst/>
+                <a:latin typeface="Arial"/>
+                <a:ea typeface="Arial"/>
+                <a:cs typeface="Arial"/>
+                <a:sym typeface="Arial"/>
+              </a:rPr>
+              <a:t>та «чистого» </a:t>
+            </a:r>
+            <a:r>
+              <a:rPr lang="en-US" sz="1100" b="0" i="0" u="none" strike="noStrike" cap="none" dirty="0">
+                <a:solidFill>
+                  <a:srgbClr val="000000"/>
+                </a:solidFill>
+                <a:effectLst/>
+                <a:latin typeface="Arial"/>
+                <a:ea typeface="Arial"/>
+                <a:cs typeface="Arial"/>
+                <a:sym typeface="Arial"/>
+              </a:rPr>
+              <a:t>SQL </a:t>
+            </a:r>
+            <a:r>
+              <a:rPr lang="uk-UA" sz="1100" b="0" i="0" u="none" strike="noStrike" cap="none" dirty="0">
+                <a:solidFill>
+                  <a:srgbClr val="000000"/>
+                </a:solidFill>
+                <a:effectLst/>
+                <a:latin typeface="Arial"/>
+                <a:ea typeface="Arial"/>
+                <a:cs typeface="Arial"/>
+                <a:sym typeface="Arial"/>
+              </a:rPr>
+              <a:t>в </a:t>
+            </a:r>
+            <a:r>
+              <a:rPr lang="en-US" sz="1100" b="0" i="0" u="none" strike="noStrike" cap="none" dirty="0">
+                <a:solidFill>
+                  <a:srgbClr val="000000"/>
+                </a:solidFill>
+                <a:effectLst/>
+                <a:latin typeface="Arial"/>
+                <a:ea typeface="Arial"/>
+                <a:cs typeface="Arial"/>
+                <a:sym typeface="Arial"/>
+              </a:rPr>
+              <a:t>Go.</a:t>
+            </a:r>
+            <a:endParaRPr lang="uk-UA" sz="1100" b="0" i="0" u="none" strike="noStrike" cap="none" dirty="0">
+              <a:solidFill>
+                <a:srgbClr val="000000"/>
+              </a:solidFill>
+              <a:effectLst/>
+              <a:latin typeface="Arial"/>
+              <a:ea typeface="Arial"/>
+              <a:cs typeface="Arial"/>
+              <a:sym typeface="Arial"/>
+            </a:endParaRPr>
+          </a:p>
+          <a:p>
+            <a:pPr marL="158750" indent="0">
+              <a:buNone/>
+            </a:pPr>
+            <a:endParaRPr lang="uk-UA" sz="1100" b="0" i="0" u="none" strike="noStrike" cap="none" dirty="0">
+              <a:solidFill>
+                <a:srgbClr val="000000"/>
+              </a:solidFill>
+              <a:effectLst/>
+              <a:latin typeface="Arial"/>
+              <a:ea typeface="Arial"/>
+              <a:cs typeface="Arial"/>
+              <a:sym typeface="Arial"/>
+            </a:endParaRPr>
+          </a:p>
+          <a:p>
+            <a:pPr marL="158750" indent="0">
+              <a:buNone/>
+            </a:pPr>
+            <a:r>
+              <a:rPr lang="uk-UA" sz="1100" b="0" i="0" u="none" strike="noStrike" cap="none" dirty="0">
+                <a:solidFill>
+                  <a:srgbClr val="000000"/>
+                </a:solidFill>
+                <a:effectLst/>
+                <a:latin typeface="Arial"/>
+                <a:ea typeface="Arial"/>
+                <a:cs typeface="Arial"/>
+                <a:sym typeface="Arial"/>
+              </a:rPr>
+              <a:t>Напрямом дослідження є технології доступу до баз даних у програмній інженерії.</a:t>
+            </a:r>
+            <a:endParaRPr lang="ru-RU" sz="1100" b="0" i="0" u="none" strike="noStrike" cap="none" dirty="0">
+              <a:solidFill>
+                <a:srgbClr val="000000"/>
+              </a:solidFill>
+              <a:effectLst/>
+              <a:latin typeface="Arial"/>
+              <a:ea typeface="Arial"/>
+              <a:cs typeface="Arial"/>
+              <a:sym typeface="Arial"/>
+            </a:endParaRPr>
+          </a:p>
+          <a:p>
+            <a:pPr marL="158750" indent="0">
+              <a:buNone/>
+            </a:pPr>
+            <a:endParaRPr lang="uk-UA" sz="1100" b="0" i="0" u="none" strike="noStrike" cap="none" dirty="0">
+              <a:solidFill>
+                <a:srgbClr val="000000"/>
+              </a:solidFill>
+              <a:effectLst/>
+              <a:latin typeface="Arial"/>
+              <a:ea typeface="Arial"/>
+              <a:cs typeface="Arial"/>
+              <a:sym typeface="Arial"/>
+            </a:endParaRPr>
+          </a:p>
+          <a:p>
+            <a:pPr marL="158750" indent="0">
+              <a:buNone/>
+            </a:pPr>
+            <a:r>
+              <a:rPr lang="uk-UA" sz="1100" b="0" i="0" u="none" strike="noStrike" cap="none" dirty="0">
+                <a:solidFill>
+                  <a:srgbClr val="000000"/>
+                </a:solidFill>
+                <a:effectLst/>
+                <a:latin typeface="Arial"/>
+                <a:ea typeface="Arial"/>
+                <a:cs typeface="Arial"/>
+                <a:sym typeface="Arial"/>
+              </a:rPr>
+              <a:t>Об’єктом дослідження є підходи до взаємодії з базами даних у додатках на мові програмування </a:t>
+            </a:r>
+            <a:r>
+              <a:rPr lang="uk-UA" sz="1100" b="0" i="0" u="none" strike="noStrike" cap="none" dirty="0" err="1">
+                <a:solidFill>
+                  <a:srgbClr val="000000"/>
+                </a:solidFill>
+                <a:effectLst/>
+                <a:latin typeface="Arial"/>
+                <a:ea typeface="Arial"/>
+                <a:cs typeface="Arial"/>
+                <a:sym typeface="Arial"/>
+              </a:rPr>
+              <a:t>Go</a:t>
+            </a:r>
+            <a:r>
+              <a:rPr lang="uk-UA" sz="1100" b="0" i="0" u="none" strike="noStrike" cap="none" dirty="0">
+                <a:solidFill>
+                  <a:srgbClr val="000000"/>
+                </a:solidFill>
+                <a:effectLst/>
+                <a:latin typeface="Arial"/>
+                <a:ea typeface="Arial"/>
+                <a:cs typeface="Arial"/>
+                <a:sym typeface="Arial"/>
+              </a:rPr>
+              <a:t>.</a:t>
+            </a:r>
+            <a:endParaRPr dirty="0"/>
           </a:p>
         </p:txBody>
       </p:sp>
@@ -2213,7 +3923,10 @@
               </a:spcAft>
               <a:buNone/>
             </a:pPr>
-            <a:endParaRPr/>
+            <a:r>
+              <a:rPr lang="uk-UA" noProof="0" dirty="0"/>
+              <a:t>На цьому все. Дякую за увагу!</a:t>
+            </a:r>
           </a:p>
         </p:txBody>
       </p:sp>
@@ -2313,16 +4026,165 @@
           </a:bodyPr>
           <a:lstStyle/>
           <a:p>
-            <a:pPr marL="0" lvl="0" indent="0" algn="l" rtl="0">
-              <a:spcBef>
-                <a:spcPts val="0"/>
-              </a:spcBef>
-              <a:spcAft>
-                <a:spcPts val="0"/>
-              </a:spcAft>
+            <a:pPr marL="158750" indent="0">
               <a:buNone/>
             </a:pPr>
-            <a:endParaRPr/>
+            <a:r>
+              <a:rPr lang="uk-UA" sz="1100" b="0" i="0" u="none" strike="noStrike" cap="none" dirty="0">
+                <a:solidFill>
+                  <a:srgbClr val="000000"/>
+                </a:solidFill>
+                <a:effectLst/>
+                <a:latin typeface="Arial"/>
+                <a:ea typeface="Arial"/>
+                <a:cs typeface="Arial"/>
+                <a:sym typeface="Arial"/>
+              </a:rPr>
+              <a:t>Було оглянуто 4 ключові наукові роботи. Вони досліджують:</a:t>
+            </a:r>
+            <a:endParaRPr lang="ru-RU" sz="1100" b="0" i="0" u="none" strike="noStrike" cap="none" dirty="0">
+              <a:solidFill>
+                <a:srgbClr val="000000"/>
+              </a:solidFill>
+              <a:effectLst/>
+              <a:latin typeface="Arial"/>
+              <a:ea typeface="Arial"/>
+              <a:cs typeface="Arial"/>
+              <a:sym typeface="Arial"/>
+            </a:endParaRPr>
+          </a:p>
+          <a:p>
+            <a:pPr marL="457200" lvl="0" indent="-298450">
+              <a:buFont typeface="Arial" panose="020B0604020202020204" pitchFamily="34" charset="0"/>
+              <a:buChar char="−"/>
+            </a:pPr>
+            <a:r>
+              <a:rPr lang="uk-UA" sz="1100" b="0" i="0" u="none" strike="noStrike" cap="none" dirty="0">
+                <a:solidFill>
+                  <a:srgbClr val="000000"/>
+                </a:solidFill>
+                <a:effectLst/>
+                <a:latin typeface="Arial"/>
+                <a:ea typeface="Arial"/>
+                <a:cs typeface="Arial"/>
+                <a:sym typeface="Arial"/>
+              </a:rPr>
+              <a:t>енергоефективність різних ORM-підходів на мові програмування PHP;</a:t>
+            </a:r>
+            <a:endParaRPr lang="ru-RU" sz="1100" b="0" i="0" u="none" strike="noStrike" cap="none" dirty="0">
+              <a:solidFill>
+                <a:srgbClr val="000000"/>
+              </a:solidFill>
+              <a:effectLst/>
+              <a:latin typeface="Arial"/>
+              <a:ea typeface="Arial"/>
+              <a:cs typeface="Arial"/>
+              <a:sym typeface="Arial"/>
+            </a:endParaRPr>
+          </a:p>
+          <a:p>
+            <a:pPr marL="457200" lvl="0" indent="-298450">
+              <a:buFont typeface="Arial" panose="020B0604020202020204" pitchFamily="34" charset="0"/>
+              <a:buChar char="−"/>
+            </a:pPr>
+            <a:r>
+              <a:rPr lang="uk-UA" sz="1100" b="0" i="0" u="none" strike="noStrike" cap="none" dirty="0">
+                <a:solidFill>
+                  <a:srgbClr val="000000"/>
+                </a:solidFill>
+                <a:effectLst/>
+                <a:latin typeface="Arial"/>
+                <a:ea typeface="Arial"/>
+                <a:cs typeface="Arial"/>
+                <a:sym typeface="Arial"/>
+              </a:rPr>
+              <a:t>вплив ORM-фреймворків на продуктивність реляційних запитів на мові програмування C#;</a:t>
+            </a:r>
+            <a:endParaRPr lang="ru-RU" sz="1100" b="0" i="0" u="none" strike="noStrike" cap="none" dirty="0">
+              <a:solidFill>
+                <a:srgbClr val="000000"/>
+              </a:solidFill>
+              <a:effectLst/>
+              <a:latin typeface="Arial"/>
+              <a:ea typeface="Arial"/>
+              <a:cs typeface="Arial"/>
+              <a:sym typeface="Arial"/>
+            </a:endParaRPr>
+          </a:p>
+          <a:p>
+            <a:pPr marL="457200" lvl="0" indent="-298450">
+              <a:buFont typeface="Arial" panose="020B0604020202020204" pitchFamily="34" charset="0"/>
+              <a:buChar char="−"/>
+            </a:pPr>
+            <a:r>
+              <a:rPr lang="uk-UA" sz="1100" b="0" i="0" u="none" strike="noStrike" cap="none" dirty="0">
+                <a:solidFill>
+                  <a:srgbClr val="000000"/>
+                </a:solidFill>
+                <a:effectLst/>
+                <a:latin typeface="Arial"/>
+                <a:ea typeface="Arial"/>
+                <a:cs typeface="Arial"/>
+                <a:sym typeface="Arial"/>
+              </a:rPr>
+              <a:t>проблеми надлишкового доступу до даних при використанні ORM на мові програмування </a:t>
+            </a:r>
+            <a:r>
+              <a:rPr lang="uk-UA" sz="1100" b="0" i="0" u="none" strike="noStrike" cap="none" dirty="0" err="1">
+                <a:solidFill>
+                  <a:srgbClr val="000000"/>
+                </a:solidFill>
+                <a:effectLst/>
+                <a:latin typeface="Arial"/>
+                <a:ea typeface="Arial"/>
+                <a:cs typeface="Arial"/>
+                <a:sym typeface="Arial"/>
+              </a:rPr>
+              <a:t>Java</a:t>
+            </a:r>
+            <a:r>
+              <a:rPr lang="uk-UA" sz="1100" b="0" i="0" u="none" strike="noStrike" cap="none" dirty="0">
+                <a:solidFill>
+                  <a:srgbClr val="000000"/>
+                </a:solidFill>
+                <a:effectLst/>
+                <a:latin typeface="Arial"/>
+                <a:ea typeface="Arial"/>
+                <a:cs typeface="Arial"/>
+                <a:sym typeface="Arial"/>
+              </a:rPr>
+              <a:t>;</a:t>
+            </a:r>
+            <a:endParaRPr lang="ru-RU" sz="1100" b="0" i="0" u="none" strike="noStrike" cap="none" dirty="0">
+              <a:solidFill>
+                <a:srgbClr val="000000"/>
+              </a:solidFill>
+              <a:effectLst/>
+              <a:latin typeface="Arial"/>
+              <a:ea typeface="Arial"/>
+              <a:cs typeface="Arial"/>
+              <a:sym typeface="Arial"/>
+            </a:endParaRPr>
+          </a:p>
+          <a:p>
+            <a:pPr marL="457200" indent="-298450">
+              <a:buFont typeface="Arial" panose="020B0604020202020204" pitchFamily="34" charset="0"/>
+              <a:buChar char="−"/>
+            </a:pPr>
+            <a:r>
+              <a:rPr lang="uk-UA" sz="1100" b="0" i="0" u="none" strike="noStrike" cap="none" dirty="0">
+                <a:solidFill>
+                  <a:srgbClr val="000000"/>
+                </a:solidFill>
+                <a:effectLst/>
+                <a:latin typeface="Arial"/>
+                <a:ea typeface="Arial"/>
+                <a:cs typeface="Arial"/>
+                <a:sym typeface="Arial"/>
+              </a:rPr>
+              <a:t>порівняння продуктивності CRUD-операцій в різних ORM-фреймворках на мові програмування C#.</a:t>
+            </a:r>
+            <a:endParaRPr dirty="0"/>
           </a:p>
         </p:txBody>
       </p:sp>
@@ -2435,6 +4297,232 @@
           </a:bodyPr>
           <a:lstStyle/>
           <a:p>
+            <a:pPr marL="158750" indent="0">
+              <a:buNone/>
+            </a:pPr>
+            <a:r>
+              <a:rPr lang="uk-UA" sz="1100" b="0" i="0" u="none" strike="noStrike" cap="none" noProof="0" dirty="0">
+                <a:solidFill>
+                  <a:srgbClr val="000000"/>
+                </a:solidFill>
+                <a:effectLst/>
+                <a:latin typeface="Arial"/>
+                <a:ea typeface="Arial"/>
+                <a:cs typeface="Arial"/>
+                <a:sym typeface="Arial"/>
+              </a:rPr>
+              <a:t>З цих робіт було підтверджено</a:t>
+            </a:r>
+            <a:r>
+              <a:rPr lang="uk-UA" sz="1100" b="0" i="0" u="none" strike="noStrike" cap="none" dirty="0">
+                <a:solidFill>
+                  <a:srgbClr val="000000"/>
+                </a:solidFill>
+                <a:effectLst/>
+                <a:latin typeface="Arial"/>
+                <a:ea typeface="Arial"/>
+                <a:cs typeface="Arial"/>
+                <a:sym typeface="Arial"/>
+              </a:rPr>
+              <a:t>, що </a:t>
+            </a:r>
+            <a:r>
+              <a:rPr lang="en-US" sz="1100" b="0" i="0" u="none" strike="noStrike" cap="none" dirty="0">
+                <a:solidFill>
+                  <a:srgbClr val="000000"/>
+                </a:solidFill>
+                <a:effectLst/>
+                <a:latin typeface="Arial"/>
+                <a:ea typeface="Arial"/>
+                <a:cs typeface="Arial"/>
+                <a:sym typeface="Arial"/>
+              </a:rPr>
+              <a:t>ORM </a:t>
+            </a:r>
+            <a:r>
+              <a:rPr lang="uk-UA" sz="1100" b="0" i="0" u="none" strike="noStrike" cap="none" dirty="0">
+                <a:solidFill>
+                  <a:srgbClr val="000000"/>
+                </a:solidFill>
+                <a:effectLst/>
+                <a:latin typeface="Arial"/>
+                <a:ea typeface="Arial"/>
+                <a:cs typeface="Arial"/>
+                <a:sym typeface="Arial"/>
+              </a:rPr>
+              <a:t>прискорює розробку, але створює додаткові витрати ресурсів, тоді як </a:t>
+            </a:r>
+            <a:r>
+              <a:rPr lang="en-US" sz="1100" b="0" i="0" u="none" strike="noStrike" cap="none" dirty="0">
+                <a:solidFill>
+                  <a:srgbClr val="000000"/>
+                </a:solidFill>
+                <a:effectLst/>
+                <a:latin typeface="Arial"/>
+                <a:ea typeface="Arial"/>
+                <a:cs typeface="Arial"/>
+                <a:sym typeface="Arial"/>
+              </a:rPr>
+              <a:t>SQL </a:t>
+            </a:r>
+            <a:r>
+              <a:rPr lang="uk-UA" sz="1100" b="0" i="0" u="none" strike="noStrike" cap="none" dirty="0">
+                <a:solidFill>
+                  <a:srgbClr val="000000"/>
+                </a:solidFill>
+                <a:effectLst/>
+                <a:latin typeface="Arial"/>
+                <a:ea typeface="Arial"/>
+                <a:cs typeface="Arial"/>
+                <a:sym typeface="Arial"/>
+              </a:rPr>
+              <a:t>забезпечує повний контроль та стабільну продуктивність. </a:t>
+            </a:r>
+            <a:r>
+              <a:rPr lang="uk-UA" sz="1100" b="0" i="0" u="none" strike="noStrike" cap="none" noProof="0" dirty="0">
+                <a:solidFill>
+                  <a:srgbClr val="000000"/>
+                </a:solidFill>
+                <a:effectLst/>
+                <a:latin typeface="Arial"/>
+                <a:ea typeface="Arial"/>
+                <a:cs typeface="Arial"/>
+                <a:sym typeface="Arial"/>
+              </a:rPr>
+              <a:t>Одними з ключових проблем ORM є використання додаткового рівня абстракції та зниження продуктивності через надмірне звернення до даних.</a:t>
+            </a:r>
+          </a:p>
+          <a:p>
+            <a:pPr marL="158750" indent="0">
+              <a:buNone/>
+            </a:pPr>
+            <a:endParaRPr lang="uk-UA" sz="1100" b="0" i="0" u="none" strike="noStrike" cap="none" dirty="0">
+              <a:solidFill>
+                <a:srgbClr val="000000"/>
+              </a:solidFill>
+              <a:effectLst/>
+              <a:latin typeface="Arial"/>
+              <a:ea typeface="Arial"/>
+              <a:cs typeface="Arial"/>
+              <a:sym typeface="Arial"/>
+            </a:endParaRPr>
+          </a:p>
+          <a:p>
+            <a:pPr marL="158750" indent="0">
+              <a:buNone/>
+            </a:pPr>
+            <a:r>
+              <a:rPr lang="uk-UA" sz="1100" b="0" i="0" u="none" strike="noStrike" cap="none" dirty="0">
+                <a:solidFill>
+                  <a:srgbClr val="000000"/>
+                </a:solidFill>
+                <a:effectLst/>
+                <a:latin typeface="Arial"/>
+                <a:ea typeface="Arial"/>
+                <a:cs typeface="Arial"/>
+                <a:sym typeface="Arial"/>
+              </a:rPr>
+              <a:t>Серед прогалин можна віднести: </a:t>
+            </a:r>
+            <a:endParaRPr lang="ru-RU" sz="1100" b="0" i="0" u="none" strike="noStrike" cap="none" dirty="0">
+              <a:solidFill>
+                <a:srgbClr val="000000"/>
+              </a:solidFill>
+              <a:effectLst/>
+              <a:latin typeface="Arial"/>
+              <a:ea typeface="Arial"/>
+              <a:cs typeface="Arial"/>
+              <a:sym typeface="Arial"/>
+            </a:endParaRPr>
+          </a:p>
+          <a:p>
+            <a:pPr marL="457200" lvl="0" indent="-298450">
+              <a:buFont typeface="Arial" panose="020B0604020202020204" pitchFamily="34" charset="0"/>
+              <a:buChar char="−"/>
+            </a:pPr>
+            <a:r>
+              <a:rPr lang="uk-UA" sz="1100" b="0" i="0" u="none" strike="noStrike" cap="none" dirty="0">
+                <a:solidFill>
+                  <a:srgbClr val="000000"/>
+                </a:solidFill>
+                <a:effectLst/>
+                <a:latin typeface="Arial"/>
+                <a:ea typeface="Arial"/>
+                <a:cs typeface="Arial"/>
+                <a:sym typeface="Arial"/>
+              </a:rPr>
+              <a:t>недостатність метрик для повної оцінки підходів;</a:t>
+            </a:r>
+            <a:endParaRPr lang="ru-RU" sz="1100" b="0" i="0" u="none" strike="noStrike" cap="none" dirty="0">
+              <a:solidFill>
+                <a:srgbClr val="000000"/>
+              </a:solidFill>
+              <a:effectLst/>
+              <a:latin typeface="Arial"/>
+              <a:ea typeface="Arial"/>
+              <a:cs typeface="Arial"/>
+              <a:sym typeface="Arial"/>
+            </a:endParaRPr>
+          </a:p>
+          <a:p>
+            <a:pPr marL="457200" lvl="0" indent="-298450">
+              <a:buFont typeface="Arial" panose="020B0604020202020204" pitchFamily="34" charset="0"/>
+              <a:buChar char="−"/>
+            </a:pPr>
+            <a:r>
+              <a:rPr lang="uk-UA" sz="1100" b="0" i="0" u="none" strike="noStrike" cap="none" dirty="0">
+                <a:solidFill>
+                  <a:srgbClr val="000000"/>
+                </a:solidFill>
+                <a:effectLst/>
+                <a:latin typeface="Arial"/>
+                <a:ea typeface="Arial"/>
+                <a:cs typeface="Arial"/>
+                <a:sym typeface="Arial"/>
+              </a:rPr>
+              <a:t>відсутність тестування у складних, наближених до реальних, запитів, таких як транзакції або агрегації;</a:t>
+            </a:r>
+            <a:endParaRPr lang="ru-RU" sz="1100" b="0" i="0" u="none" strike="noStrike" cap="none" dirty="0">
+              <a:solidFill>
+                <a:srgbClr val="000000"/>
+              </a:solidFill>
+              <a:effectLst/>
+              <a:latin typeface="Arial"/>
+              <a:ea typeface="Arial"/>
+              <a:cs typeface="Arial"/>
+              <a:sym typeface="Arial"/>
+            </a:endParaRPr>
+          </a:p>
+          <a:p>
+            <a:pPr marL="457200" lvl="0" indent="-298450">
+              <a:buFont typeface="Arial" panose="020B0604020202020204" pitchFamily="34" charset="0"/>
+              <a:buChar char="−"/>
+            </a:pPr>
+            <a:r>
+              <a:rPr lang="uk-UA" sz="1100" b="0" i="0" u="none" strike="noStrike" cap="none" dirty="0">
+                <a:solidFill>
+                  <a:srgbClr val="000000"/>
+                </a:solidFill>
+                <a:effectLst/>
+                <a:latin typeface="Arial"/>
+                <a:ea typeface="Arial"/>
+                <a:cs typeface="Arial"/>
+                <a:sym typeface="Arial"/>
+              </a:rPr>
+              <a:t>брак чітких практичних рекомендацій для розробників щодо вибору оптимального підходу залежно від потреб.</a:t>
+            </a:r>
+            <a:endParaRPr lang="ru-RU" sz="1100" b="0" i="0" u="none" strike="noStrike" cap="none" dirty="0">
+              <a:solidFill>
+                <a:srgbClr val="000000"/>
+              </a:solidFill>
+              <a:effectLst/>
+              <a:latin typeface="Arial"/>
+              <a:ea typeface="Arial"/>
+              <a:cs typeface="Arial"/>
+              <a:sym typeface="Arial"/>
+            </a:endParaRPr>
+          </a:p>
+          <a:p>
             <a:pPr marL="0" lvl="0" indent="0" algn="l" rtl="0">
               <a:spcBef>
                 <a:spcPts val="0"/>
@@ -2444,7 +4532,7 @@
               </a:spcAft>
               <a:buNone/>
             </a:pPr>
-            <a:endParaRPr/>
+            <a:endParaRPr dirty="0"/>
           </a:p>
         </p:txBody>
       </p:sp>
@@ -2553,7 +4641,53 @@
               </a:spcAft>
               <a:buNone/>
             </a:pPr>
-            <a:endParaRPr/>
+            <a:r>
+              <a:rPr lang="uk-UA" noProof="0" dirty="0"/>
+              <a:t>Проблемою дослідження є пошук ефективного підходу доступу до баз даних для </a:t>
+            </a:r>
+            <a:r>
+              <a:rPr lang="uk-UA" noProof="0" dirty="0" err="1"/>
+              <a:t>Go</a:t>
+            </a:r>
+            <a:r>
+              <a:rPr lang="uk-UA" noProof="0" dirty="0"/>
+              <a:t>-додатків.</a:t>
+            </a:r>
+          </a:p>
+          <a:p>
+            <a:pPr marL="0" lvl="0" indent="0" algn="l" rtl="0">
+              <a:spcBef>
+                <a:spcPts val="0"/>
+              </a:spcBef>
+              <a:spcAft>
+                <a:spcPts val="0"/>
+              </a:spcAft>
+              <a:buNone/>
+            </a:pPr>
+            <a:endParaRPr lang="uk-UA" noProof="0" dirty="0"/>
+          </a:p>
+          <a:p>
+            <a:pPr marL="0" lvl="0" indent="0" algn="l" rtl="0">
+              <a:spcBef>
+                <a:spcPts val="0"/>
+              </a:spcBef>
+              <a:spcAft>
+                <a:spcPts val="0"/>
+              </a:spcAft>
+              <a:buNone/>
+            </a:pPr>
+            <a:r>
+              <a:rPr lang="uk-UA" noProof="0" dirty="0"/>
+              <a:t>Для вирішення цієї проблеми передбачається створення порівняльної моделі ORM-бібліотек, експериментальне визначення оптимального підходу, розробка </a:t>
+            </a:r>
+            <a:r>
+              <a:rPr lang="uk-UA" noProof="0" dirty="0" err="1"/>
+              <a:t>Go</a:t>
+            </a:r>
+            <a:r>
+              <a:rPr lang="uk-UA" noProof="0" dirty="0"/>
+              <a:t>-додатка та формування практичних рекомендацій для розробників.</a:t>
+            </a:r>
           </a:p>
         </p:txBody>
       </p:sp>
@@ -2657,7 +4791,137 @@
               </a:spcAft>
               <a:buNone/>
             </a:pPr>
-            <a:endParaRPr/>
+            <a:r>
+              <a:rPr lang="uk-UA" noProof="0" dirty="0"/>
+              <a:t>Для досягнення очікуваних результатів використовуються такі методології:</a:t>
+            </a:r>
+          </a:p>
+          <a:p>
+            <a:pPr marL="171450" lvl="0" indent="-171450" algn="l" rtl="0">
+              <a:spcBef>
+                <a:spcPts val="0"/>
+              </a:spcBef>
+              <a:spcAft>
+                <a:spcPts val="0"/>
+              </a:spcAft>
+              <a:buFont typeface="Arial" panose="020B0604020202020204" pitchFamily="34" charset="0"/>
+              <a:buChar char="−"/>
+            </a:pPr>
+            <a:r>
+              <a:rPr lang="uk-UA" noProof="0" dirty="0"/>
+              <a:t>аналіз публікацій – підходи до оцінювання</a:t>
+            </a:r>
+            <a:r>
+              <a:rPr lang="ru-RU" dirty="0"/>
+              <a:t> </a:t>
+            </a:r>
+            <a:r>
+              <a:rPr lang="en-US" dirty="0"/>
+              <a:t>ORM </a:t>
+            </a:r>
+            <a:r>
+              <a:rPr lang="ru-RU" dirty="0"/>
+              <a:t>та </a:t>
+            </a:r>
+            <a:r>
+              <a:rPr lang="en-US" dirty="0"/>
+              <a:t>SQL</a:t>
+            </a:r>
+            <a:r>
+              <a:rPr lang="uk-UA" dirty="0"/>
+              <a:t>;</a:t>
+            </a:r>
+            <a:endParaRPr lang="en-US" dirty="0"/>
+          </a:p>
+          <a:p>
+            <a:pPr marL="171450" lvl="0" indent="-171450" algn="l" rtl="0">
+              <a:spcBef>
+                <a:spcPts val="0"/>
+              </a:spcBef>
+              <a:spcAft>
+                <a:spcPts val="0"/>
+              </a:spcAft>
+              <a:buFont typeface="Arial" panose="020B0604020202020204" pitchFamily="34" charset="0"/>
+              <a:buChar char="−"/>
+            </a:pPr>
+            <a:r>
+              <a:rPr lang="uk-UA" noProof="0" dirty="0"/>
+              <a:t>багатокритеріальний аналіз – відбір найперспективніших </a:t>
+            </a:r>
+            <a:r>
+              <a:rPr lang="en-US" dirty="0"/>
+              <a:t>ORM-</a:t>
+            </a:r>
+            <a:r>
+              <a:rPr lang="uk-UA" noProof="0" dirty="0"/>
+              <a:t>бібліотек</a:t>
+            </a:r>
+            <a:r>
+              <a:rPr lang="ru-RU" dirty="0"/>
+              <a:t>;</a:t>
+            </a:r>
+          </a:p>
+          <a:p>
+            <a:pPr marL="171450" lvl="0" indent="-171450" algn="l" rtl="0">
+              <a:spcBef>
+                <a:spcPts val="0"/>
+              </a:spcBef>
+              <a:spcAft>
+                <a:spcPts val="0"/>
+              </a:spcAft>
+              <a:buFont typeface="Arial" panose="020B0604020202020204" pitchFamily="34" charset="0"/>
+              <a:buChar char="−"/>
+            </a:pPr>
+            <a:r>
+              <a:rPr lang="uk-UA" noProof="0" dirty="0"/>
+              <a:t>експериментальне дослідження – порівняння ефективності та продуктивності </a:t>
+            </a:r>
+            <a:r>
+              <a:rPr lang="en-US" dirty="0"/>
+              <a:t>ORM </a:t>
+            </a:r>
+            <a:r>
+              <a:rPr lang="ru-RU" dirty="0"/>
+              <a:t>з </a:t>
+            </a:r>
+            <a:r>
+              <a:rPr lang="en-US" dirty="0"/>
+              <a:t>SQL</a:t>
+            </a:r>
+            <a:r>
+              <a:rPr lang="uk-UA" dirty="0"/>
+              <a:t>;</a:t>
+            </a:r>
+            <a:endParaRPr lang="en-US" dirty="0"/>
+          </a:p>
+          <a:p>
+            <a:pPr marL="171450" lvl="0" indent="-171450" algn="l" rtl="0">
+              <a:spcBef>
+                <a:spcPts val="0"/>
+              </a:spcBef>
+              <a:spcAft>
+                <a:spcPts val="0"/>
+              </a:spcAft>
+              <a:buFont typeface="Arial" panose="020B0604020202020204" pitchFamily="34" charset="0"/>
+              <a:buChar char="−"/>
+            </a:pPr>
+            <a:r>
+              <a:rPr lang="uk-UA" noProof="0" dirty="0"/>
+              <a:t>систематизація даних – </a:t>
+            </a:r>
+            <a:r>
+              <a:rPr lang="ru-RU" noProof="0" dirty="0"/>
+              <a:t> </a:t>
+            </a:r>
+            <a:r>
+              <a:rPr lang="uk-UA" noProof="0" dirty="0"/>
+              <a:t>аналіз та узагальнення результатів експериментів</a:t>
+            </a:r>
+            <a:r>
+              <a:rPr lang="ru-RU" dirty="0"/>
+              <a:t>.</a:t>
+            </a:r>
+            <a:endParaRPr dirty="0"/>
           </a:p>
         </p:txBody>
       </p:sp>
@@ -2779,7 +5043,124 @@
               </a:spcAft>
               <a:buNone/>
             </a:pPr>
-            <a:endParaRPr/>
+            <a:r>
+              <a:rPr lang="uk-UA" sz="1100" b="0" i="0" u="none" strike="noStrike" cap="none" dirty="0">
+                <a:solidFill>
+                  <a:srgbClr val="000000"/>
+                </a:solidFill>
+                <a:effectLst/>
+                <a:latin typeface="Arial"/>
+                <a:ea typeface="Arial"/>
+                <a:cs typeface="Arial"/>
+                <a:sym typeface="Arial"/>
+              </a:rPr>
+              <a:t>Для забезпечення об'єктивності багатокритеріального аналізу, вхідними даними для дослідження є 4 популярні та активно підтримувані ORM-бібліотеки для </a:t>
+            </a:r>
+            <a:r>
+              <a:rPr lang="uk-UA" sz="1100" b="0" i="0" u="none" strike="noStrike" cap="none" dirty="0" err="1">
+                <a:solidFill>
+                  <a:srgbClr val="000000"/>
+                </a:solidFill>
+                <a:effectLst/>
+                <a:latin typeface="Arial"/>
+                <a:ea typeface="Arial"/>
+                <a:cs typeface="Arial"/>
+                <a:sym typeface="Arial"/>
+              </a:rPr>
+              <a:t>Go</a:t>
+            </a:r>
+            <a:r>
+              <a:rPr lang="uk-UA" sz="1100" b="0" i="0" u="none" strike="noStrike" cap="none" dirty="0">
+                <a:solidFill>
+                  <a:srgbClr val="000000"/>
+                </a:solidFill>
+                <a:effectLst/>
+                <a:latin typeface="Arial"/>
+                <a:ea typeface="Arial"/>
+                <a:cs typeface="Arial"/>
+                <a:sym typeface="Arial"/>
+              </a:rPr>
+              <a:t>: GORM, XORM, </a:t>
+            </a:r>
+            <a:r>
+              <a:rPr lang="uk-UA" sz="1100" b="0" i="0" u="none" strike="noStrike" cap="none" dirty="0" err="1">
+                <a:solidFill>
+                  <a:srgbClr val="000000"/>
+                </a:solidFill>
+                <a:effectLst/>
+                <a:latin typeface="Arial"/>
+                <a:ea typeface="Arial"/>
+                <a:cs typeface="Arial"/>
+                <a:sym typeface="Arial"/>
+              </a:rPr>
+              <a:t>Ent</a:t>
+            </a:r>
+            <a:r>
+              <a:rPr lang="uk-UA" sz="1100" b="0" i="0" u="none" strike="noStrike" cap="none" dirty="0">
+                <a:solidFill>
+                  <a:srgbClr val="000000"/>
+                </a:solidFill>
+                <a:effectLst/>
+                <a:latin typeface="Arial"/>
+                <a:ea typeface="Arial"/>
+                <a:cs typeface="Arial"/>
+                <a:sym typeface="Arial"/>
+              </a:rPr>
+              <a:t> та </a:t>
+            </a:r>
+            <a:r>
+              <a:rPr lang="uk-UA" sz="1100" b="0" i="0" u="none" strike="noStrike" cap="none" dirty="0" err="1">
+                <a:solidFill>
+                  <a:srgbClr val="000000"/>
+                </a:solidFill>
+                <a:effectLst/>
+                <a:latin typeface="Arial"/>
+                <a:ea typeface="Arial"/>
+                <a:cs typeface="Arial"/>
+                <a:sym typeface="Arial"/>
+              </a:rPr>
+              <a:t>SQLBoiler</a:t>
+            </a:r>
+            <a:r>
+              <a:rPr lang="uk-UA" sz="1100" b="0" i="0" u="none" strike="noStrike" cap="none" dirty="0">
+                <a:solidFill>
+                  <a:srgbClr val="000000"/>
+                </a:solidFill>
+                <a:effectLst/>
+                <a:latin typeface="Arial"/>
+                <a:ea typeface="Arial"/>
+                <a:cs typeface="Arial"/>
+                <a:sym typeface="Arial"/>
+              </a:rPr>
+              <a:t>. Також використовувалася їхня офіційна документація та статистичні дані з </a:t>
+            </a:r>
+            <a:r>
+              <a:rPr lang="uk-UA" sz="1100" b="0" i="0" u="none" strike="noStrike" cap="none" dirty="0" err="1">
+                <a:solidFill>
+                  <a:srgbClr val="000000"/>
+                </a:solidFill>
+                <a:effectLst/>
+                <a:latin typeface="Arial"/>
+                <a:ea typeface="Arial"/>
+                <a:cs typeface="Arial"/>
+                <a:sym typeface="Arial"/>
+              </a:rPr>
+              <a:t>GitHub</a:t>
+            </a:r>
+            <a:r>
+              <a:rPr lang="uk-UA" sz="1100" b="0" i="0" u="none" strike="noStrike" cap="none" dirty="0">
+                <a:solidFill>
+                  <a:srgbClr val="000000"/>
+                </a:solidFill>
+                <a:effectLst/>
+                <a:latin typeface="Arial"/>
+                <a:ea typeface="Arial"/>
+                <a:cs typeface="Arial"/>
+                <a:sym typeface="Arial"/>
+              </a:rPr>
+              <a:t>.</a:t>
+            </a:r>
+            <a:endParaRPr dirty="0"/>
           </a:p>
         </p:txBody>
       </p:sp>
@@ -2897,16 +5278,329 @@
           </a:bodyPr>
           <a:lstStyle/>
           <a:p>
-            <a:pPr marL="0" lvl="0" indent="0" algn="l" rtl="0">
-              <a:spcBef>
-                <a:spcPts val="0"/>
-              </a:spcBef>
-              <a:spcAft>
-                <a:spcPts val="0"/>
-              </a:spcAft>
+            <a:pPr marL="158750" indent="0">
               <a:buNone/>
             </a:pPr>
-            <a:endParaRPr/>
+            <a:r>
+              <a:rPr lang="uk-UA" sz="1100" b="0" i="0" u="none" strike="noStrike" cap="none" dirty="0">
+                <a:solidFill>
+                  <a:srgbClr val="000000"/>
+                </a:solidFill>
+                <a:effectLst/>
+                <a:latin typeface="Arial"/>
+                <a:ea typeface="Arial"/>
+                <a:cs typeface="Arial"/>
+                <a:sym typeface="Arial"/>
+              </a:rPr>
+              <a:t>Для порівняння бібліотек було використано 5 ключових критеріїв:</a:t>
+            </a:r>
+            <a:endParaRPr lang="ru-RU" sz="1100" b="0" i="0" u="none" strike="noStrike" cap="none" dirty="0">
+              <a:solidFill>
+                <a:srgbClr val="000000"/>
+              </a:solidFill>
+              <a:effectLst/>
+              <a:latin typeface="Arial"/>
+              <a:ea typeface="Arial"/>
+              <a:cs typeface="Arial"/>
+              <a:sym typeface="Arial"/>
+            </a:endParaRPr>
+          </a:p>
+          <a:p>
+            <a:pPr marL="457200" lvl="0" indent="-298450">
+              <a:buFont typeface="Arial" panose="020B0604020202020204" pitchFamily="34" charset="0"/>
+              <a:buChar char="−"/>
+            </a:pPr>
+            <a:r>
+              <a:rPr lang="uk-UA" sz="1100" b="0" i="0" u="none" strike="noStrike" cap="none" dirty="0">
+                <a:solidFill>
+                  <a:srgbClr val="000000"/>
+                </a:solidFill>
+                <a:effectLst/>
+                <a:latin typeface="Arial"/>
+                <a:ea typeface="Arial"/>
+                <a:cs typeface="Arial"/>
+                <a:sym typeface="Arial"/>
+              </a:rPr>
+              <a:t>якість документації та наявність навчальних матеріалів;</a:t>
+            </a:r>
+            <a:endParaRPr lang="ru-RU" sz="1100" b="0" i="0" u="none" strike="noStrike" cap="none" dirty="0">
+              <a:solidFill>
+                <a:srgbClr val="000000"/>
+              </a:solidFill>
+              <a:effectLst/>
+              <a:latin typeface="Arial"/>
+              <a:ea typeface="Arial"/>
+              <a:cs typeface="Arial"/>
+              <a:sym typeface="Arial"/>
+            </a:endParaRPr>
+          </a:p>
+          <a:p>
+            <a:pPr marL="457200" lvl="0" indent="-298450">
+              <a:buFont typeface="Arial" panose="020B0604020202020204" pitchFamily="34" charset="0"/>
+              <a:buChar char="−"/>
+            </a:pPr>
+            <a:r>
+              <a:rPr lang="uk-UA" sz="1100" b="0" i="0" u="none" strike="noStrike" cap="none" dirty="0">
+                <a:solidFill>
+                  <a:srgbClr val="000000"/>
+                </a:solidFill>
+                <a:effectLst/>
+                <a:latin typeface="Arial"/>
+                <a:ea typeface="Arial"/>
+                <a:cs typeface="Arial"/>
+                <a:sym typeface="Arial"/>
+              </a:rPr>
+              <a:t>кількість підтримуваних СУБД;</a:t>
+            </a:r>
+            <a:endParaRPr lang="ru-RU" sz="1100" b="0" i="0" u="none" strike="noStrike" cap="none" dirty="0">
+              <a:solidFill>
+                <a:srgbClr val="000000"/>
+              </a:solidFill>
+              <a:effectLst/>
+              <a:latin typeface="Arial"/>
+              <a:ea typeface="Arial"/>
+              <a:cs typeface="Arial"/>
+              <a:sym typeface="Arial"/>
+            </a:endParaRPr>
+          </a:p>
+          <a:p>
+            <a:pPr marL="457200" lvl="0" indent="-298450">
+              <a:buFont typeface="Arial" panose="020B0604020202020204" pitchFamily="34" charset="0"/>
+              <a:buChar char="−"/>
+            </a:pPr>
+            <a:r>
+              <a:rPr lang="uk-UA" sz="1100" b="0" i="0" u="none" strike="noStrike" cap="none" dirty="0">
+                <a:solidFill>
+                  <a:srgbClr val="000000"/>
+                </a:solidFill>
+                <a:effectLst/>
+                <a:latin typeface="Arial"/>
+                <a:ea typeface="Arial"/>
+                <a:cs typeface="Arial"/>
+                <a:sym typeface="Arial"/>
+              </a:rPr>
+              <a:t>популярність на </a:t>
+            </a:r>
+            <a:r>
+              <a:rPr lang="uk-UA" sz="1100" b="0" i="0" u="none" strike="noStrike" cap="none" dirty="0" err="1">
+                <a:solidFill>
+                  <a:srgbClr val="000000"/>
+                </a:solidFill>
+                <a:effectLst/>
+                <a:latin typeface="Arial"/>
+                <a:ea typeface="Arial"/>
+                <a:cs typeface="Arial"/>
+                <a:sym typeface="Arial"/>
+              </a:rPr>
+              <a:t>GitHub</a:t>
+            </a:r>
+            <a:r>
+              <a:rPr lang="uk-UA" sz="1100" b="0" i="0" u="none" strike="noStrike" cap="none" dirty="0">
+                <a:solidFill>
+                  <a:srgbClr val="000000"/>
+                </a:solidFill>
+                <a:effectLst/>
+                <a:latin typeface="Arial"/>
+                <a:ea typeface="Arial"/>
+                <a:cs typeface="Arial"/>
+                <a:sym typeface="Arial"/>
+              </a:rPr>
+              <a:t>;</a:t>
+            </a:r>
+            <a:endParaRPr lang="ru-RU" sz="1100" b="0" i="0" u="none" strike="noStrike" cap="none" dirty="0">
+              <a:solidFill>
+                <a:srgbClr val="000000"/>
+              </a:solidFill>
+              <a:effectLst/>
+              <a:latin typeface="Arial"/>
+              <a:ea typeface="Arial"/>
+              <a:cs typeface="Arial"/>
+              <a:sym typeface="Arial"/>
+            </a:endParaRPr>
+          </a:p>
+          <a:p>
+            <a:pPr marL="457200" lvl="0" indent="-298450">
+              <a:buFont typeface="Arial" panose="020B0604020202020204" pitchFamily="34" charset="0"/>
+              <a:buChar char="−"/>
+            </a:pPr>
+            <a:r>
+              <a:rPr lang="uk-UA" sz="1100" b="0" i="0" u="none" strike="noStrike" cap="none" dirty="0">
+                <a:solidFill>
+                  <a:srgbClr val="000000"/>
+                </a:solidFill>
+                <a:effectLst/>
+                <a:latin typeface="Arial"/>
+                <a:ea typeface="Arial"/>
+                <a:cs typeface="Arial"/>
+                <a:sym typeface="Arial"/>
+              </a:rPr>
+              <a:t>легкість інтеграції та використання;</a:t>
+            </a:r>
+            <a:endParaRPr lang="ru-RU" sz="1100" b="0" i="0" u="none" strike="noStrike" cap="none" dirty="0">
+              <a:solidFill>
+                <a:srgbClr val="000000"/>
+              </a:solidFill>
+              <a:effectLst/>
+              <a:latin typeface="Arial"/>
+              <a:ea typeface="Arial"/>
+              <a:cs typeface="Arial"/>
+              <a:sym typeface="Arial"/>
+            </a:endParaRPr>
+          </a:p>
+          <a:p>
+            <a:pPr marL="457200" indent="-298450">
+              <a:buFont typeface="Arial" panose="020B0604020202020204" pitchFamily="34" charset="0"/>
+              <a:buChar char="−"/>
+            </a:pPr>
+            <a:r>
+              <a:rPr lang="uk-UA" sz="1100" b="0" i="0" u="none" strike="noStrike" cap="none" dirty="0">
+                <a:solidFill>
+                  <a:srgbClr val="000000"/>
+                </a:solidFill>
+                <a:effectLst/>
+                <a:latin typeface="Arial"/>
+                <a:ea typeface="Arial"/>
+                <a:cs typeface="Arial"/>
+                <a:sym typeface="Arial"/>
+              </a:rPr>
+              <a:t>активність підтримки з боку спільноти та частота оновлень.</a:t>
+            </a:r>
+          </a:p>
+          <a:p>
+            <a:pPr marL="158750" indent="0">
+              <a:buFont typeface="Arial" panose="020B0604020202020204" pitchFamily="34" charset="0"/>
+              <a:buNone/>
+            </a:pPr>
+            <a:endParaRPr lang="uk-UA" sz="1100" b="0" i="0" u="none" strike="noStrike" cap="none" dirty="0">
+              <a:solidFill>
+                <a:srgbClr val="000000"/>
+              </a:solidFill>
+              <a:effectLst/>
+              <a:latin typeface="Arial"/>
+              <a:cs typeface="Arial"/>
+              <a:sym typeface="Arial"/>
+            </a:endParaRPr>
+          </a:p>
+          <a:p>
+            <a:pPr marL="158750" indent="0">
+              <a:buFont typeface="Arial" panose="020B0604020202020204" pitchFamily="34" charset="0"/>
+              <a:buNone/>
+            </a:pPr>
+            <a:r>
+              <a:rPr lang="uk-UA" sz="1100" b="0" i="0" u="none" strike="noStrike" cap="none" dirty="0">
+                <a:solidFill>
+                  <a:srgbClr val="000000"/>
+                </a:solidFill>
+                <a:effectLst/>
+                <a:latin typeface="Arial"/>
+                <a:cs typeface="Arial"/>
+                <a:sym typeface="Arial"/>
+              </a:rPr>
+              <a:t>Аналіз виконувався таким чином:</a:t>
+            </a:r>
+          </a:p>
+          <a:p>
+            <a:pPr marL="457200" indent="-298450">
+              <a:buFont typeface="Arial" panose="020B0604020202020204" pitchFamily="34" charset="0"/>
+              <a:buChar char="−"/>
+            </a:pPr>
+            <a:r>
+              <a:rPr lang="uk-UA" sz="1100" b="0" i="0" u="none" strike="noStrike" cap="none" dirty="0">
+                <a:solidFill>
+                  <a:srgbClr val="000000"/>
+                </a:solidFill>
+                <a:effectLst/>
+                <a:latin typeface="Arial"/>
+                <a:cs typeface="Arial"/>
+                <a:sym typeface="Arial"/>
+              </a:rPr>
+              <a:t>збирання інформації по кожній альтернативі;</a:t>
+            </a:r>
+          </a:p>
+          <a:p>
+            <a:pPr marL="457200" indent="-298450">
+              <a:buFont typeface="Arial" panose="020B0604020202020204" pitchFamily="34" charset="0"/>
+              <a:buChar char="−"/>
+            </a:pPr>
+            <a:r>
+              <a:rPr lang="uk-UA" sz="1100" b="0" i="0" u="none" strike="noStrike" cap="none" dirty="0">
+                <a:solidFill>
+                  <a:srgbClr val="000000"/>
+                </a:solidFill>
+                <a:effectLst/>
+                <a:latin typeface="Arial"/>
+                <a:cs typeface="Arial"/>
+                <a:sym typeface="Arial"/>
+              </a:rPr>
+              <a:t>визначення Парето-оптимальних альтернатив;</a:t>
+            </a:r>
+          </a:p>
+          <a:p>
+            <a:pPr marL="457200" indent="-298450">
+              <a:buFont typeface="Arial" panose="020B0604020202020204" pitchFamily="34" charset="0"/>
+              <a:buChar char="−"/>
+            </a:pPr>
+            <a:r>
+              <a:rPr lang="uk-UA" sz="1100" b="0" i="0" u="none" strike="noStrike" cap="none" dirty="0">
+                <a:solidFill>
+                  <a:srgbClr val="000000"/>
+                </a:solidFill>
+                <a:effectLst/>
+                <a:latin typeface="Arial"/>
+                <a:cs typeface="Arial"/>
+                <a:sym typeface="Arial"/>
+              </a:rPr>
+              <a:t>нормалізація критеріїв за шкалами;</a:t>
+            </a:r>
+          </a:p>
+          <a:p>
+            <a:pPr marL="457200" indent="-298450">
+              <a:buFont typeface="Arial" panose="020B0604020202020204" pitchFamily="34" charset="0"/>
+              <a:buChar char="−"/>
+            </a:pPr>
+            <a:r>
+              <a:rPr lang="uk-UA" sz="1100" b="0" i="0" u="none" strike="noStrike" cap="none" dirty="0">
+                <a:solidFill>
+                  <a:srgbClr val="000000"/>
+                </a:solidFill>
+                <a:effectLst/>
+                <a:latin typeface="Arial"/>
+                <a:cs typeface="Arial"/>
+                <a:sym typeface="Arial"/>
+              </a:rPr>
+              <a:t>застосування лінійної адитивної згортки з ваговими коефіцієнтами;</a:t>
+            </a:r>
+          </a:p>
+          <a:p>
+            <a:pPr marL="457200" indent="-298450">
+              <a:buFont typeface="Arial" panose="020B0604020202020204" pitchFamily="34" charset="0"/>
+              <a:buChar char="−"/>
+            </a:pPr>
+            <a:r>
+              <a:rPr lang="uk-UA" sz="1100" b="0" i="0" u="none" strike="noStrike" cap="none" dirty="0">
+                <a:solidFill>
+                  <a:srgbClr val="000000"/>
+                </a:solidFill>
+                <a:effectLst/>
+                <a:latin typeface="Arial"/>
+                <a:cs typeface="Arial"/>
+                <a:sym typeface="Arial"/>
+              </a:rPr>
+              <a:t>обрахування інтегральних оцінок, де </a:t>
+            </a:r>
+            <a:r>
+              <a:rPr lang="uk-UA" sz="1100" b="0" i="0" u="none" strike="noStrike" cap="none" noProof="0" dirty="0">
+                <a:solidFill>
+                  <a:srgbClr val="000000"/>
+                </a:solidFill>
+                <a:effectLst/>
+                <a:latin typeface="Arial"/>
+                <a:cs typeface="Arial"/>
+                <a:sym typeface="Arial"/>
+              </a:rPr>
+              <a:t>результатом є найкращі бібліотеки з огляду на обрані критерії.</a:t>
+            </a:r>
+            <a:endParaRPr dirty="0"/>
           </a:p>
         </p:txBody>
       </p:sp>
@@ -3024,16 +5718,121 @@
           </a:bodyPr>
           <a:lstStyle/>
           <a:p>
-            <a:pPr marL="0" lvl="0" indent="0" algn="l" rtl="0">
-              <a:spcBef>
-                <a:spcPts val="0"/>
-              </a:spcBef>
-              <a:spcAft>
-                <a:spcPts val="0"/>
-              </a:spcAft>
+            <a:pPr marL="158750" indent="0">
               <a:buNone/>
             </a:pPr>
-            <a:endParaRPr/>
+            <a:r>
+              <a:rPr lang="uk-UA" sz="1100" b="0" i="0" u="none" strike="noStrike" cap="none" dirty="0">
+                <a:solidFill>
+                  <a:srgbClr val="000000"/>
+                </a:solidFill>
+                <a:effectLst/>
+                <a:latin typeface="Arial"/>
+                <a:ea typeface="Arial"/>
+                <a:cs typeface="Arial"/>
+                <a:sym typeface="Arial"/>
+              </a:rPr>
+              <a:t>За результатами аналізу, бібліотека </a:t>
+            </a:r>
+            <a:r>
+              <a:rPr lang="uk-UA" sz="1100" b="0" i="0" u="none" strike="noStrike" cap="none" dirty="0" err="1">
+                <a:solidFill>
+                  <a:srgbClr val="000000"/>
+                </a:solidFill>
+                <a:effectLst/>
+                <a:latin typeface="Arial"/>
+                <a:ea typeface="Arial"/>
+                <a:cs typeface="Arial"/>
+                <a:sym typeface="Arial"/>
+              </a:rPr>
+              <a:t>Ent</a:t>
+            </a:r>
+            <a:r>
+              <a:rPr lang="uk-UA" sz="1100" b="0" i="0" u="none" strike="noStrike" cap="none" dirty="0">
+                <a:solidFill>
+                  <a:srgbClr val="000000"/>
+                </a:solidFill>
+                <a:effectLst/>
+                <a:latin typeface="Arial"/>
+                <a:ea typeface="Arial"/>
+                <a:cs typeface="Arial"/>
+                <a:sym typeface="Arial"/>
+              </a:rPr>
+              <a:t> отримала найвищу оцінку, а бібліотека GORM посіла друге місце.</a:t>
+            </a:r>
+            <a:r>
+              <a:rPr lang="ru-RU" sz="1100" b="0" i="0" u="none" strike="noStrike" cap="none" dirty="0">
+                <a:solidFill>
+                  <a:srgbClr val="000000"/>
+                </a:solidFill>
+                <a:effectLst/>
+                <a:latin typeface="Arial"/>
+                <a:ea typeface="Arial"/>
+                <a:cs typeface="Arial"/>
+                <a:sym typeface="Arial"/>
+              </a:rPr>
+              <a:t> </a:t>
+            </a:r>
+          </a:p>
+          <a:p>
+            <a:pPr marL="158750" indent="0">
+              <a:buNone/>
+            </a:pPr>
+            <a:endParaRPr lang="ru-RU" sz="1100" b="0" i="0" u="none" strike="noStrike" cap="none" dirty="0">
+              <a:solidFill>
+                <a:srgbClr val="000000"/>
+              </a:solidFill>
+              <a:effectLst/>
+              <a:latin typeface="Arial"/>
+              <a:ea typeface="Arial"/>
+              <a:cs typeface="Arial"/>
+              <a:sym typeface="Arial"/>
+            </a:endParaRPr>
+          </a:p>
+          <a:p>
+            <a:pPr marL="158750" indent="0">
+              <a:buNone/>
+            </a:pPr>
+            <a:r>
+              <a:rPr lang="uk-UA" sz="1100" b="0" i="0" u="none" strike="noStrike" cap="none" dirty="0">
+                <a:solidFill>
+                  <a:srgbClr val="000000"/>
+                </a:solidFill>
+                <a:effectLst/>
+                <a:latin typeface="Arial"/>
+                <a:ea typeface="Arial"/>
+                <a:cs typeface="Arial"/>
+                <a:sym typeface="Arial"/>
+              </a:rPr>
+              <a:t>Бібліотеки XORM та </a:t>
+            </a:r>
+            <a:r>
+              <a:rPr lang="uk-UA" sz="1100" b="0" i="0" u="none" strike="noStrike" cap="none" dirty="0" err="1">
+                <a:solidFill>
+                  <a:srgbClr val="000000"/>
+                </a:solidFill>
+                <a:effectLst/>
+                <a:latin typeface="Arial"/>
+                <a:ea typeface="Arial"/>
+                <a:cs typeface="Arial"/>
+                <a:sym typeface="Arial"/>
+              </a:rPr>
+              <a:t>SQLBoiler</a:t>
+            </a:r>
+            <a:r>
+              <a:rPr lang="uk-UA" sz="1100" b="0" i="0" u="none" strike="noStrike" cap="none" dirty="0">
+                <a:solidFill>
+                  <a:srgbClr val="000000"/>
+                </a:solidFill>
+                <a:effectLst/>
+                <a:latin typeface="Arial"/>
+                <a:ea typeface="Arial"/>
+                <a:cs typeface="Arial"/>
+                <a:sym typeface="Arial"/>
+              </a:rPr>
+              <a:t> не є Парето-оптимальними.</a:t>
+            </a:r>
+            <a:endParaRPr dirty="0"/>
           </a:p>
         </p:txBody>
       </p:sp>
@@ -9004,7 +11803,7 @@
               <a:buNone/>
             </a:pPr>
             <a:r>
-              <a:rPr lang="uk-UA" noProof="0" dirty="0">
+              <a:rPr lang="uk-UA" i="1" noProof="0" dirty="0">
                 <a:solidFill>
                   <a:srgbClr val="0D0D0D"/>
                 </a:solidFill>
@@ -9018,7 +11817,7 @@
               <a:t>Архітектура</a:t>
             </a:r>
             <a:r>
-              <a:rPr lang="ru-RU" dirty="0">
+              <a:rPr lang="ru-RU" i="1" dirty="0">
                 <a:solidFill>
                   <a:srgbClr val="0D0D0D"/>
                 </a:solidFill>
@@ -9489,10 +12288,10 @@
       </p:sp>
       <p:pic>
         <p:nvPicPr>
-          <p:cNvPr id="3" name="Picture 2" descr="A diagram of a diagram&#10;&#10;AI-generated content may be incorrect.">
+          <p:cNvPr id="4" name="Picture 3" descr="A close-up of a computer&#10;&#10;AI-generated content may be incorrect.">
             <a:extLst>
               <a:ext uri="{FF2B5EF4-FFF2-40B4-BE49-F238E27FC236}">
-                <a16:creationId xmlns:a16="http://schemas.microsoft.com/office/drawing/2014/main" id="{07E2EC5C-F079-0D79-C52A-2A73354D0343}"/>
+                <a16:creationId xmlns:a16="http://schemas.microsoft.com/office/drawing/2014/main" id="{561FA081-2AAC-F11F-C5CA-992D33960EB5}"/>
               </a:ext>
             </a:extLst>
           </p:cNvPr>
@@ -9509,8 +12308,8 @@
         </p:blipFill>
         <p:spPr>
           <a:xfrm>
-            <a:off x="512458" y="1627229"/>
-            <a:ext cx="3255478" cy="2286000"/>
+            <a:off x="1031422" y="1427806"/>
+            <a:ext cx="7081156" cy="2286000"/>
           </a:xfrm>
           <a:prstGeom prst="rect">
             <a:avLst/>
@@ -9522,103 +12321,6 @@
           </a:ln>
         </p:spPr>
       </p:pic>
-      <p:pic>
-        <p:nvPicPr>
-          <p:cNvPr id="4" name="Picture 3" descr="A close-up of a computer&#10;&#10;AI-generated content may be incorrect.">
-            <a:extLst>
-              <a:ext uri="{FF2B5EF4-FFF2-40B4-BE49-F238E27FC236}">
-                <a16:creationId xmlns:a16="http://schemas.microsoft.com/office/drawing/2014/main" id="{561FA081-2AAC-F11F-C5CA-992D33960EB5}"/>
-              </a:ext>
-            </a:extLst>
-          </p:cNvPr>
-          <p:cNvPicPr>
-            <a:picLocks noChangeAspect="1"/>
-          </p:cNvPicPr>
-          <p:nvPr/>
-        </p:nvPicPr>
-        <p:blipFill>
-          <a:blip r:embed="rId5"/>
-          <a:stretch>
-            <a:fillRect/>
-          </a:stretch>
-        </p:blipFill>
-        <p:spPr>
-          <a:xfrm>
-            <a:off x="4307219" y="1627228"/>
-            <a:ext cx="4248694" cy="1371600"/>
-          </a:xfrm>
-          <a:prstGeom prst="rect">
-            <a:avLst/>
-          </a:prstGeom>
-          <a:ln>
-            <a:solidFill>
-              <a:schemeClr val="tx1"/>
-            </a:solidFill>
-          </a:ln>
-        </p:spPr>
-      </p:pic>
-      <p:sp>
-        <p:nvSpPr>
-          <p:cNvPr id="6" name="TextBox 5">
-            <a:extLst>
-              <a:ext uri="{FF2B5EF4-FFF2-40B4-BE49-F238E27FC236}">
-                <a16:creationId xmlns:a16="http://schemas.microsoft.com/office/drawing/2014/main" id="{C7DBCF68-2E2F-A1B2-0656-DD70C3518941}"/>
-              </a:ext>
-            </a:extLst>
-          </p:cNvPr>
-          <p:cNvSpPr txBox="1"/>
-          <p:nvPr/>
-        </p:nvSpPr>
-        <p:spPr>
-          <a:xfrm>
-            <a:off x="512458" y="1319451"/>
-            <a:ext cx="3255478" cy="307777"/>
-          </a:xfrm>
-          <a:prstGeom prst="rect">
-            <a:avLst/>
-          </a:prstGeom>
-          <a:noFill/>
-        </p:spPr>
-        <p:txBody>
-          <a:bodyPr wrap="square">
-            <a:spAutoFit/>
-          </a:bodyPr>
-          <a:lstStyle/>
-          <a:p>
-            <a:pPr marL="0" lvl="0" indent="0" algn="ctr">
-              <a:spcBef>
-                <a:spcPts val="1500"/>
-              </a:spcBef>
-              <a:buNone/>
-            </a:pPr>
-            <a:r>
-              <a:rPr lang="uk-UA" dirty="0">
-                <a:solidFill>
-                  <a:srgbClr val="0D0D0D"/>
-                </a:solidFill>
-                <a:highlight>
-                  <a:srgbClr val="FFFFFF"/>
-                </a:highlight>
-                <a:latin typeface="Open Sans" panose="020B0606030504020204" pitchFamily="34" charset="0"/>
-                <a:ea typeface="Open Sans" panose="020B0606030504020204" pitchFamily="34" charset="0"/>
-                <a:cs typeface="Open Sans" panose="020B0606030504020204" pitchFamily="34" charset="0"/>
-              </a:rPr>
-              <a:t>Діаграма пакетів</a:t>
-            </a:r>
-            <a:endParaRPr lang="uk" dirty="0">
-              <a:solidFill>
-                <a:srgbClr val="0D0D0D"/>
-              </a:solidFill>
-              <a:highlight>
-                <a:srgbClr val="FFFFFF"/>
-              </a:highlight>
-              <a:latin typeface="Open Sans" panose="020B0606030504020204" pitchFamily="34" charset="0"/>
-              <a:ea typeface="Open Sans" panose="020B0606030504020204" pitchFamily="34" charset="0"/>
-              <a:cs typeface="Open Sans" panose="020B0606030504020204" pitchFamily="34" charset="0"/>
-            </a:endParaRPr>
-          </a:p>
-        </p:txBody>
-      </p:sp>
       <p:sp>
         <p:nvSpPr>
           <p:cNvPr id="7" name="TextBox 6">
@@ -9633,8 +12335,8 @@
         </p:nvSpPr>
         <p:spPr>
           <a:xfrm>
-            <a:off x="4307220" y="1319452"/>
-            <a:ext cx="4248693" cy="307777"/>
+            <a:off x="1031422" y="1120029"/>
+            <a:ext cx="7081156" cy="307777"/>
           </a:xfrm>
           <a:prstGeom prst="rect">
             <a:avLst/>
@@ -9874,7 +12576,7 @@
               <a:buNone/>
             </a:pPr>
             <a:r>
-              <a:rPr lang="uk-UA" dirty="0"/>
+              <a:rPr lang="uk-UA" i="1" dirty="0"/>
               <a:t>Опис процесу розробки:</a:t>
             </a:r>
           </a:p>
@@ -10246,7 +12948,7 @@
                   <a:buNone/>
                 </a:pPr>
                 <a:r>
-                  <a:rPr lang="uk" dirty="0">
+                  <a:rPr lang="uk" i="1" dirty="0">
                     <a:latin typeface="Open Sans" panose="020B0606030504020204" pitchFamily="34" charset="0"/>
                     <a:ea typeface="Open Sans" panose="020B0606030504020204" pitchFamily="34" charset="0"/>
                     <a:cs typeface="Open Sans" panose="020B0606030504020204" pitchFamily="34" charset="0"/>
@@ -10263,36 +12965,12 @@
                   <a:buChar char="−"/>
                 </a:pPr>
                 <a:r>
-                  <a:rPr lang="ru-RU" dirty="0" err="1">
+                  <a:rPr lang="uk-UA" noProof="0" dirty="0">
                     <a:latin typeface="Open Sans" panose="020B0606030504020204" pitchFamily="34" charset="0"/>
                     <a:ea typeface="Open Sans" panose="020B0606030504020204" pitchFamily="34" charset="0"/>
                     <a:cs typeface="Open Sans" panose="020B0606030504020204" pitchFamily="34" charset="0"/>
                   </a:rPr>
-                  <a:t>середня</a:t>
-                </a:r>
-                <a:r>
-                  <a:rPr lang="ru-RU" dirty="0">
-                    <a:latin typeface="Open Sans" panose="020B0606030504020204" pitchFamily="34" charset="0"/>
-                    <a:ea typeface="Open Sans" panose="020B0606030504020204" pitchFamily="34" charset="0"/>
-                    <a:cs typeface="Open Sans" panose="020B0606030504020204" pitchFamily="34" charset="0"/>
-                  </a:rPr>
-                  <a:t> </a:t>
-                </a:r>
-                <a:r>
-                  <a:rPr lang="ru-RU" dirty="0" err="1">
-                    <a:latin typeface="Open Sans" panose="020B0606030504020204" pitchFamily="34" charset="0"/>
-                    <a:ea typeface="Open Sans" panose="020B0606030504020204" pitchFamily="34" charset="0"/>
-                    <a:cs typeface="Open Sans" panose="020B0606030504020204" pitchFamily="34" charset="0"/>
-                  </a:rPr>
-                  <a:t>затримка</a:t>
-                </a:r>
-                <a:r>
-                  <a:rPr lang="ru-RU" dirty="0">
-                    <a:latin typeface="Open Sans" panose="020B0606030504020204" pitchFamily="34" charset="0"/>
-                    <a:ea typeface="Open Sans" panose="020B0606030504020204" pitchFamily="34" charset="0"/>
-                    <a:cs typeface="Open Sans" panose="020B0606030504020204" pitchFamily="34" charset="0"/>
-                  </a:rPr>
-                  <a:t> (мс)</a:t>
+                  <a:t>середня затримка (мс)</a:t>
                 </a:r>
               </a:p>
               <a:p>
@@ -10467,28 +13145,28 @@
                   <a:buChar char="−"/>
                 </a:pPr>
                 <a:r>
-                  <a:rPr lang="ru-RU" dirty="0">
+                  <a:rPr lang="uk-UA" noProof="0" dirty="0">
                     <a:latin typeface="Open Sans" panose="020B0606030504020204" pitchFamily="34" charset="0"/>
                     <a:ea typeface="Open Sans" panose="020B0606030504020204" pitchFamily="34" charset="0"/>
                     <a:cs typeface="Open Sans" panose="020B0606030504020204" pitchFamily="34" charset="0"/>
                   </a:rPr>
-                  <a:t>95-й перцентиль </a:t>
+                  <a:t>95-й </a:t>
                 </a:r>
                 <a:r>
-                  <a:rPr lang="ru-RU" dirty="0" err="1">
+                  <a:rPr lang="uk-UA" noProof="0" dirty="0" err="1">
                     <a:latin typeface="Open Sans" panose="020B0606030504020204" pitchFamily="34" charset="0"/>
                     <a:ea typeface="Open Sans" panose="020B0606030504020204" pitchFamily="34" charset="0"/>
                     <a:cs typeface="Open Sans" panose="020B0606030504020204" pitchFamily="34" charset="0"/>
                   </a:rPr>
-                  <a:t>затримки</a:t>
+                  <a:t>перцентиль</a:t>
                 </a:r>
                 <a:r>
-                  <a:rPr lang="ru-RU" dirty="0">
+                  <a:rPr lang="uk-UA" noProof="0" dirty="0">
                     <a:latin typeface="Open Sans" panose="020B0606030504020204" pitchFamily="34" charset="0"/>
                     <a:ea typeface="Open Sans" panose="020B0606030504020204" pitchFamily="34" charset="0"/>
                     <a:cs typeface="Open Sans" panose="020B0606030504020204" pitchFamily="34" charset="0"/>
                   </a:rPr>
-                  <a:t> (мс)</a:t>
+                  <a:t> затримки (мс)</a:t>
                 </a:r>
               </a:p>
               <a:p>
@@ -10634,36 +13312,44 @@
                   <a:buChar char="−"/>
                 </a:pPr>
                 <a:r>
-                  <a:rPr lang="ru-RU" dirty="0" err="1">
+                  <a:rPr lang="uk-UA" noProof="0" dirty="0">
                     <a:latin typeface="Open Sans" panose="020B0606030504020204" pitchFamily="34" charset="0"/>
                     <a:ea typeface="Open Sans" panose="020B0606030504020204" pitchFamily="34" charset="0"/>
                     <a:cs typeface="Open Sans" panose="020B0606030504020204" pitchFamily="34" charset="0"/>
                   </a:rPr>
-                  <a:t>пропускна</a:t>
+                  <a:t>пропускна здатність (</a:t>
                 </a:r>
                 <a:r>
-                  <a:rPr lang="ru-RU" dirty="0">
+                  <a:rPr lang="uk-UA" noProof="0" dirty="0" err="1">
                     <a:latin typeface="Open Sans" panose="020B0606030504020204" pitchFamily="34" charset="0"/>
                     <a:ea typeface="Open Sans" panose="020B0606030504020204" pitchFamily="34" charset="0"/>
                     <a:cs typeface="Open Sans" panose="020B0606030504020204" pitchFamily="34" charset="0"/>
                   </a:rPr>
-                  <a:t> </a:t>
+                  <a:t>оп</a:t>
                 </a:r>
                 <a:r>
-                  <a:rPr lang="ru-RU" dirty="0" err="1">
+                  <a:rPr lang="uk-UA" noProof="0" dirty="0">
                     <a:latin typeface="Open Sans" panose="020B0606030504020204" pitchFamily="34" charset="0"/>
                     <a:ea typeface="Open Sans" panose="020B0606030504020204" pitchFamily="34" charset="0"/>
                     <a:cs typeface="Open Sans" panose="020B0606030504020204" pitchFamily="34" charset="0"/>
                   </a:rPr>
-                  <a:t>здатність</a:t>
+                  <a:t>/</a:t>
                 </a:r>
                 <a:r>
-                  <a:rPr lang="ru-RU" dirty="0">
+                  <a:rPr lang="uk-UA" noProof="0" dirty="0" err="1">
                     <a:latin typeface="Open Sans" panose="020B0606030504020204" pitchFamily="34" charset="0"/>
                     <a:ea typeface="Open Sans" panose="020B0606030504020204" pitchFamily="34" charset="0"/>
                     <a:cs typeface="Open Sans" panose="020B0606030504020204" pitchFamily="34" charset="0"/>
                   </a:rPr>
-                  <a:t> (оп/сек)</a:t>
+                  <a:t>сек</a:t>
+                </a:r>
+                <a:r>
+                  <a:rPr lang="uk-UA" noProof="0" dirty="0">
+                    <a:latin typeface="Open Sans" panose="020B0606030504020204" pitchFamily="34" charset="0"/>
+                    <a:ea typeface="Open Sans" panose="020B0606030504020204" pitchFamily="34" charset="0"/>
+                    <a:cs typeface="Open Sans" panose="020B0606030504020204" pitchFamily="34" charset="0"/>
+                  </a:rPr>
+                  <a:t>)</a:t>
                 </a:r>
               </a:p>
               <a:p>
@@ -10759,68 +13445,28 @@
                   <a:buChar char="−"/>
                 </a:pPr>
                 <a:r>
-                  <a:rPr lang="ru-RU" dirty="0" err="1">
+                  <a:rPr lang="uk-UA" noProof="0" dirty="0">
                     <a:latin typeface="Open Sans" panose="020B0606030504020204" pitchFamily="34" charset="0"/>
                     <a:ea typeface="Open Sans" panose="020B0606030504020204" pitchFamily="34" charset="0"/>
                     <a:cs typeface="Open Sans" panose="020B0606030504020204" pitchFamily="34" charset="0"/>
                   </a:rPr>
-                  <a:t>середнє</a:t>
+                  <a:t>середнє споживання оперативної пам’яті (</a:t>
                 </a:r>
                 <a:r>
-                  <a:rPr lang="ru-RU" dirty="0">
+                  <a:rPr lang="uk-UA" noProof="0" dirty="0" err="1">
                     <a:latin typeface="Open Sans" panose="020B0606030504020204" pitchFamily="34" charset="0"/>
                     <a:ea typeface="Open Sans" panose="020B0606030504020204" pitchFamily="34" charset="0"/>
                     <a:cs typeface="Open Sans" panose="020B0606030504020204" pitchFamily="34" charset="0"/>
                   </a:rPr>
-                  <a:t> </a:t>
+                  <a:t>Мб</a:t>
                 </a:r>
                 <a:r>
-                  <a:rPr lang="ru-RU" dirty="0" err="1">
+                  <a:rPr lang="uk-UA" noProof="0" dirty="0">
                     <a:latin typeface="Open Sans" panose="020B0606030504020204" pitchFamily="34" charset="0"/>
                     <a:ea typeface="Open Sans" panose="020B0606030504020204" pitchFamily="34" charset="0"/>
                     <a:cs typeface="Open Sans" panose="020B0606030504020204" pitchFamily="34" charset="0"/>
                   </a:rPr>
-                  <a:t>споживання</a:t>
-                </a:r>
-                <a:r>
-                  <a:rPr lang="ru-RU" dirty="0">
-                    <a:latin typeface="Open Sans" panose="020B0606030504020204" pitchFamily="34" charset="0"/>
-                    <a:ea typeface="Open Sans" panose="020B0606030504020204" pitchFamily="34" charset="0"/>
-                    <a:cs typeface="Open Sans" panose="020B0606030504020204" pitchFamily="34" charset="0"/>
-                  </a:rPr>
-                  <a:t> </a:t>
-                </a:r>
-                <a:r>
-                  <a:rPr lang="ru-RU" dirty="0" err="1">
-                    <a:latin typeface="Open Sans" panose="020B0606030504020204" pitchFamily="34" charset="0"/>
-                    <a:ea typeface="Open Sans" panose="020B0606030504020204" pitchFamily="34" charset="0"/>
-                    <a:cs typeface="Open Sans" panose="020B0606030504020204" pitchFamily="34" charset="0"/>
-                  </a:rPr>
-                  <a:t>оперативної</a:t>
-                </a:r>
-                <a:r>
-                  <a:rPr lang="ru-RU" dirty="0">
-                    <a:latin typeface="Open Sans" panose="020B0606030504020204" pitchFamily="34" charset="0"/>
-                    <a:ea typeface="Open Sans" panose="020B0606030504020204" pitchFamily="34" charset="0"/>
-                    <a:cs typeface="Open Sans" panose="020B0606030504020204" pitchFamily="34" charset="0"/>
-                  </a:rPr>
-                  <a:t> </a:t>
-                </a:r>
-                <a:r>
-                  <a:rPr lang="ru-RU" dirty="0" err="1">
-                    <a:latin typeface="Open Sans" panose="020B0606030504020204" pitchFamily="34" charset="0"/>
-                    <a:ea typeface="Open Sans" panose="020B0606030504020204" pitchFamily="34" charset="0"/>
-                    <a:cs typeface="Open Sans" panose="020B0606030504020204" pitchFamily="34" charset="0"/>
-                  </a:rPr>
-                  <a:t>пам’яті</a:t>
-                </a:r>
-                <a:r>
-                  <a:rPr lang="ru-RU" dirty="0">
-                    <a:latin typeface="Open Sans" panose="020B0606030504020204" pitchFamily="34" charset="0"/>
-                    <a:ea typeface="Open Sans" panose="020B0606030504020204" pitchFamily="34" charset="0"/>
-                    <a:cs typeface="Open Sans" panose="020B0606030504020204" pitchFamily="34" charset="0"/>
-                  </a:rPr>
-                  <a:t> (Мб)</a:t>
+                  <a:t>)</a:t>
                 </a:r>
               </a:p>
               <a:p>
@@ -10934,7 +13580,7 @@
                   <a:buChar char="−"/>
                 </a:pPr>
                 <a:r>
-                  <a:rPr lang="ru-RU" dirty="0">
+                  <a:rPr lang="uk-UA" noProof="0" dirty="0">
                     <a:latin typeface="Open Sans" panose="020B0606030504020204" pitchFamily="34" charset="0"/>
                     <a:ea typeface="Open Sans" panose="020B0606030504020204" pitchFamily="34" charset="0"/>
                     <a:cs typeface="Open Sans" panose="020B0606030504020204" pitchFamily="34" charset="0"/>
@@ -24868,7 +27514,7 @@
         </p:spPr>
         <p:txBody>
           <a:bodyPr spcFirstLastPara="1" wrap="square" lIns="91425" tIns="91425" rIns="91425" bIns="91425" anchor="t" anchorCtr="0">
-            <a:normAutofit fontScale="85000" lnSpcReduction="10000"/>
+            <a:normAutofit fontScale="85000" lnSpcReduction="20000"/>
           </a:bodyPr>
           <a:lstStyle/>
           <a:p>
@@ -24913,7 +27559,7 @@
                 <a:ea typeface="Open Sans" panose="020B0606030504020204" pitchFamily="34" charset="0"/>
                 <a:cs typeface="Open Sans" panose="020B0606030504020204" pitchFamily="34" charset="0"/>
               </a:rPr>
-              <a:t>підходів, акцентуючи увагу на їхніх перевагах і недоліках у складних сценаріях, що не було повною мірою висвітлено у попередніх роботах.</a:t>
+              <a:t>підходів, акцентуючи увагу на їхніх перевагах і недоліках у складних сценаріях, що не було висвітлено у попередніх роботах.</a:t>
             </a:r>
           </a:p>
           <a:p>
@@ -25031,76 +27677,118 @@
               <a:buNone/>
             </a:pPr>
             <a:r>
+              <a:rPr lang="uk-UA" dirty="0">
+                <a:latin typeface="Open Sans" panose="020B0606030504020204" pitchFamily="34" charset="0"/>
+                <a:ea typeface="Open Sans" panose="020B0606030504020204" pitchFamily="34" charset="0"/>
+                <a:cs typeface="Open Sans" panose="020B0606030504020204" pitchFamily="34" charset="0"/>
+              </a:rPr>
+              <a:t>Сформульовані практичні рекомендації дозволяють розробникам робити обґрунтований вибір ефективного інструменту для досягнення оптимальної продуктивності </a:t>
+            </a:r>
+            <a:r>
+              <a:rPr lang="en-US" dirty="0">
+                <a:latin typeface="Open Sans" panose="020B0606030504020204" pitchFamily="34" charset="0"/>
+                <a:ea typeface="Open Sans" panose="020B0606030504020204" pitchFamily="34" charset="0"/>
+                <a:cs typeface="Open Sans" panose="020B0606030504020204" pitchFamily="34" charset="0"/>
+              </a:rPr>
+              <a:t>Go-</a:t>
+            </a:r>
+            <a:r>
+              <a:rPr lang="uk-UA" dirty="0">
+                <a:latin typeface="Open Sans" panose="020B0606030504020204" pitchFamily="34" charset="0"/>
+                <a:ea typeface="Open Sans" panose="020B0606030504020204" pitchFamily="34" charset="0"/>
+                <a:cs typeface="Open Sans" panose="020B0606030504020204" pitchFamily="34" charset="0"/>
+              </a:rPr>
+              <a:t>додатків, виходячи з домінуючих типів операцій:</a:t>
+            </a:r>
+          </a:p>
+          <a:p>
+            <a:pPr marL="285750" lvl="0" indent="-285750" algn="just">
+              <a:buFont typeface="Open Sans" panose="020B0606030504020204" pitchFamily="34" charset="0"/>
+              <a:buChar char="−"/>
+            </a:pPr>
+            <a:r>
+              <a:rPr lang="en-US" dirty="0">
+                <a:latin typeface="Open Sans" panose="020B0606030504020204" pitchFamily="34" charset="0"/>
+                <a:ea typeface="Open Sans" panose="020B0606030504020204" pitchFamily="34" charset="0"/>
+                <a:cs typeface="Open Sans" panose="020B0606030504020204" pitchFamily="34" charset="0"/>
+              </a:rPr>
+              <a:t>database/</a:t>
+            </a:r>
+            <a:r>
+              <a:rPr lang="en-US" dirty="0" err="1">
+                <a:latin typeface="Open Sans" panose="020B0606030504020204" pitchFamily="34" charset="0"/>
+                <a:ea typeface="Open Sans" panose="020B0606030504020204" pitchFamily="34" charset="0"/>
+                <a:cs typeface="Open Sans" panose="020B0606030504020204" pitchFamily="34" charset="0"/>
+              </a:rPr>
+              <a:t>sql</a:t>
+            </a:r>
+            <a:r>
+              <a:rPr lang="en-US" dirty="0">
+                <a:latin typeface="Open Sans" panose="020B0606030504020204" pitchFamily="34" charset="0"/>
+                <a:ea typeface="Open Sans" panose="020B0606030504020204" pitchFamily="34" charset="0"/>
+                <a:cs typeface="Open Sans" panose="020B0606030504020204" pitchFamily="34" charset="0"/>
+              </a:rPr>
+              <a:t> </a:t>
+            </a:r>
+            <a:r>
+              <a:rPr lang="uk-UA" dirty="0">
+                <a:latin typeface="Open Sans" panose="020B0606030504020204" pitchFamily="34" charset="0"/>
+                <a:ea typeface="Open Sans" panose="020B0606030504020204" pitchFamily="34" charset="0"/>
+                <a:cs typeface="Open Sans" panose="020B0606030504020204" pitchFamily="34" charset="0"/>
+              </a:rPr>
+              <a:t>для критичних за ресурсами операцій запису;</a:t>
+            </a:r>
+          </a:p>
+          <a:p>
+            <a:pPr marL="285750" lvl="0" indent="-285750" algn="just">
+              <a:buFont typeface="Open Sans" panose="020B0606030504020204" pitchFamily="34" charset="0"/>
+              <a:buChar char="−"/>
+            </a:pPr>
+            <a:r>
+              <a:rPr lang="en-US" dirty="0">
+                <a:latin typeface="Open Sans" panose="020B0606030504020204" pitchFamily="34" charset="0"/>
+                <a:ea typeface="Open Sans" panose="020B0606030504020204" pitchFamily="34" charset="0"/>
+                <a:cs typeface="Open Sans" panose="020B0606030504020204" pitchFamily="34" charset="0"/>
+              </a:rPr>
+              <a:t>Ent </a:t>
+            </a:r>
+            <a:r>
+              <a:rPr lang="uk-UA" dirty="0">
+                <a:latin typeface="Open Sans" panose="020B0606030504020204" pitchFamily="34" charset="0"/>
+                <a:ea typeface="Open Sans" panose="020B0606030504020204" pitchFamily="34" charset="0"/>
+                <a:cs typeface="Open Sans" panose="020B0606030504020204" pitchFamily="34" charset="0"/>
+              </a:rPr>
+              <a:t>для ефективного створення даних та як збалансований підхід;</a:t>
+            </a:r>
+          </a:p>
+          <a:p>
+            <a:pPr marL="285750" lvl="0" indent="-285750" algn="just">
+              <a:buFont typeface="Open Sans" panose="020B0606030504020204" pitchFamily="34" charset="0"/>
+              <a:buChar char="−"/>
+            </a:pPr>
+            <a:r>
+              <a:rPr lang="en-US" dirty="0">
+                <a:latin typeface="Open Sans" panose="020B0606030504020204" pitchFamily="34" charset="0"/>
+                <a:ea typeface="Open Sans" panose="020B0606030504020204" pitchFamily="34" charset="0"/>
+                <a:cs typeface="Open Sans" panose="020B0606030504020204" pitchFamily="34" charset="0"/>
+              </a:rPr>
+              <a:t>GORM </a:t>
+            </a:r>
+            <a:r>
+              <a:rPr lang="uk-UA" dirty="0">
+                <a:latin typeface="Open Sans" panose="020B0606030504020204" pitchFamily="34" charset="0"/>
+                <a:ea typeface="Open Sans" panose="020B0606030504020204" pitchFamily="34" charset="0"/>
+                <a:cs typeface="Open Sans" panose="020B0606030504020204" pitchFamily="34" charset="0"/>
+              </a:rPr>
+              <a:t>для складних операцій читання</a:t>
+            </a:r>
+            <a:r>
               <a:rPr lang="uk-UA" noProof="0" dirty="0">
                 <a:latin typeface="Open Sans" panose="020B0606030504020204" pitchFamily="34" charset="0"/>
                 <a:ea typeface="Open Sans" panose="020B0606030504020204" pitchFamily="34" charset="0"/>
                 <a:cs typeface="Open Sans" panose="020B0606030504020204" pitchFamily="34" charset="0"/>
               </a:rPr>
-              <a:t>Сформульовані практичні рекомендації дозволяють розробникам робити обґрунтований вибір найефективнішого інструменту: </a:t>
-            </a:r>
-            <a:r>
-              <a:rPr lang="en-US" dirty="0">
-                <a:latin typeface="Open Sans" panose="020B0606030504020204" pitchFamily="34" charset="0"/>
-                <a:ea typeface="Open Sans" panose="020B0606030504020204" pitchFamily="34" charset="0"/>
-                <a:cs typeface="Open Sans" panose="020B0606030504020204" pitchFamily="34" charset="0"/>
-              </a:rPr>
-              <a:t>database/</a:t>
-            </a:r>
-            <a:r>
-              <a:rPr lang="en-US" dirty="0" err="1">
-                <a:latin typeface="Open Sans" panose="020B0606030504020204" pitchFamily="34" charset="0"/>
-                <a:ea typeface="Open Sans" panose="020B0606030504020204" pitchFamily="34" charset="0"/>
-                <a:cs typeface="Open Sans" panose="020B0606030504020204" pitchFamily="34" charset="0"/>
-              </a:rPr>
-              <a:t>sql</a:t>
-            </a:r>
-            <a:r>
-              <a:rPr lang="en-US" dirty="0">
-                <a:latin typeface="Open Sans" panose="020B0606030504020204" pitchFamily="34" charset="0"/>
-                <a:ea typeface="Open Sans" panose="020B0606030504020204" pitchFamily="34" charset="0"/>
-                <a:cs typeface="Open Sans" panose="020B0606030504020204" pitchFamily="34" charset="0"/>
-              </a:rPr>
-              <a:t> </a:t>
-            </a:r>
-            <a:r>
-              <a:rPr lang="uk-UA" noProof="0" dirty="0">
-                <a:latin typeface="Open Sans" panose="020B0606030504020204" pitchFamily="34" charset="0"/>
-                <a:ea typeface="Open Sans" panose="020B0606030504020204" pitchFamily="34" charset="0"/>
-                <a:cs typeface="Open Sans" panose="020B0606030504020204" pitchFamily="34" charset="0"/>
-              </a:rPr>
-              <a:t>для максимальної ефективності, </a:t>
-            </a:r>
-            <a:r>
-              <a:rPr lang="en-US" dirty="0">
-                <a:latin typeface="Open Sans" panose="020B0606030504020204" pitchFamily="34" charset="0"/>
-                <a:ea typeface="Open Sans" panose="020B0606030504020204" pitchFamily="34" charset="0"/>
-                <a:cs typeface="Open Sans" panose="020B0606030504020204" pitchFamily="34" charset="0"/>
-              </a:rPr>
-              <a:t>Ent </a:t>
-            </a:r>
-            <a:r>
-              <a:rPr lang="uk-UA" noProof="0" dirty="0">
-                <a:latin typeface="Open Sans" panose="020B0606030504020204" pitchFamily="34" charset="0"/>
-                <a:ea typeface="Open Sans" panose="020B0606030504020204" pitchFamily="34" charset="0"/>
-                <a:cs typeface="Open Sans" panose="020B0606030504020204" pitchFamily="34" charset="0"/>
-              </a:rPr>
-              <a:t>для збалансованого підходу, та </a:t>
-            </a:r>
-            <a:r>
-              <a:rPr lang="en-US" dirty="0">
-                <a:latin typeface="Open Sans" panose="020B0606030504020204" pitchFamily="34" charset="0"/>
-                <a:ea typeface="Open Sans" panose="020B0606030504020204" pitchFamily="34" charset="0"/>
-                <a:cs typeface="Open Sans" panose="020B0606030504020204" pitchFamily="34" charset="0"/>
-              </a:rPr>
-              <a:t>GORM, </a:t>
-            </a:r>
-            <a:r>
-              <a:rPr lang="uk-UA" noProof="0" dirty="0">
-                <a:latin typeface="Open Sans" panose="020B0606030504020204" pitchFamily="34" charset="0"/>
-                <a:ea typeface="Open Sans" panose="020B0606030504020204" pitchFamily="34" charset="0"/>
-                <a:cs typeface="Open Sans" panose="020B0606030504020204" pitchFamily="34" charset="0"/>
-              </a:rPr>
-              <a:t>коли пріоритетом є швидкість розробки.</a:t>
+              <a:t>.</a:t>
             </a:r>
             <a:endParaRPr dirty="0">
               <a:latin typeface="Open Sans" panose="020B0606030504020204" pitchFamily="34" charset="0"/>
@@ -25270,7 +27958,7 @@
               <a:buNone/>
             </a:pPr>
             <a:r>
-              <a:rPr lang="uk-UA" noProof="0" dirty="0">
+              <a:rPr lang="uk-UA" i="1" noProof="0" dirty="0">
                 <a:latin typeface="Open Sans" panose="020B0606030504020204" pitchFamily="34" charset="0"/>
                 <a:ea typeface="Open Sans" panose="020B0606030504020204" pitchFamily="34" charset="0"/>
                 <a:cs typeface="Open Sans" panose="020B0606030504020204" pitchFamily="34" charset="0"/>
@@ -25278,7 +27966,7 @@
               <a:t>Актуальність та стан розвитку галузі</a:t>
             </a:r>
             <a:r>
-              <a:rPr lang="uk" dirty="0">
+              <a:rPr lang="uk" i="1" dirty="0">
                 <a:latin typeface="Open Sans" panose="020B0606030504020204" pitchFamily="34" charset="0"/>
                 <a:ea typeface="Open Sans" panose="020B0606030504020204" pitchFamily="34" charset="0"/>
                 <a:cs typeface="Open Sans" panose="020B0606030504020204" pitchFamily="34" charset="0"/>
@@ -25431,7 +28119,7 @@
               <a:buNone/>
             </a:pPr>
             <a:r>
-              <a:rPr lang="uk-UA" noProof="0" dirty="0">
+              <a:rPr lang="uk-UA" i="1" noProof="0" dirty="0">
                 <a:latin typeface="Open Sans" panose="020B0606030504020204" pitchFamily="34" charset="0"/>
                 <a:ea typeface="Open Sans" panose="020B0606030504020204" pitchFamily="34" charset="0"/>
                 <a:cs typeface="Open Sans" panose="020B0606030504020204" pitchFamily="34" charset="0"/>
@@ -25439,7 +28127,7 @@
               <a:t>Чітке визначення напряму дослідження</a:t>
             </a:r>
             <a:r>
-              <a:rPr lang="uk" dirty="0">
+              <a:rPr lang="uk" i="1" dirty="0">
                 <a:latin typeface="Open Sans" panose="020B0606030504020204" pitchFamily="34" charset="0"/>
                 <a:ea typeface="Open Sans" panose="020B0606030504020204" pitchFamily="34" charset="0"/>
                 <a:cs typeface="Open Sans" panose="020B0606030504020204" pitchFamily="34" charset="0"/>
@@ -25475,7 +28163,7 @@
               <a:buNone/>
             </a:pPr>
             <a:r>
-              <a:rPr lang="uk-UA" noProof="0" dirty="0">
+              <a:rPr lang="uk-UA" i="1" noProof="0" dirty="0">
                 <a:latin typeface="Open Sans" panose="020B0606030504020204" pitchFamily="34" charset="0"/>
                 <a:ea typeface="Open Sans" panose="020B0606030504020204" pitchFamily="34" charset="0"/>
                 <a:cs typeface="Open Sans" panose="020B0606030504020204" pitchFamily="34" charset="0"/>
@@ -25483,7 +28171,7 @@
               <a:t>Об’єкт дослідження</a:t>
             </a:r>
             <a:r>
-              <a:rPr lang="uk-UA" dirty="0">
+              <a:rPr lang="uk-UA" i="1" dirty="0">
                 <a:latin typeface="Open Sans" panose="020B0606030504020204" pitchFamily="34" charset="0"/>
                 <a:ea typeface="Open Sans" panose="020B0606030504020204" pitchFamily="34" charset="0"/>
                 <a:cs typeface="Open Sans" panose="020B0606030504020204" pitchFamily="34" charset="0"/>
@@ -25664,7 +28352,7 @@
             </a:pPr>
             <a:r>
               <a:rPr lang="uk-UA" sz="3200" dirty="0"/>
-              <a:t>Дякую за увагу</a:t>
+              <a:t>Дякую за увагу!</a:t>
             </a:r>
             <a:endParaRPr sz="3200" dirty="0"/>
           </a:p>
@@ -25844,7 +28532,7 @@
               <a:buNone/>
             </a:pPr>
             <a:r>
-              <a:rPr lang="uk-UA" noProof="0" dirty="0">
+              <a:rPr lang="uk-UA" i="1" noProof="0" dirty="0">
                 <a:solidFill>
                   <a:srgbClr val="0D0D0D"/>
                 </a:solidFill>
@@ -25855,7 +28543,7 @@
               <a:t>Перелік основних джерел та теорій</a:t>
             </a:r>
             <a:r>
-              <a:rPr lang="uk-UA" dirty="0">
+              <a:rPr lang="uk-UA" i="1" dirty="0">
                 <a:solidFill>
                   <a:srgbClr val="0D0D0D"/>
                 </a:solidFill>
@@ -26333,7 +29021,18 @@
                 <a:ea typeface="Open Sans" panose="020B0606030504020204" pitchFamily="34" charset="0"/>
                 <a:cs typeface="Open Sans" panose="020B0606030504020204" pitchFamily="34" charset="0"/>
               </a:rPr>
-              <a:t>CRUD </a:t>
+              <a:t>CRUD</a:t>
+            </a:r>
+            <a:r>
+              <a:rPr lang="uk-UA" dirty="0">
+                <a:solidFill>
+                  <a:srgbClr val="0D0D0D"/>
+                </a:solidFill>
+                <a:latin typeface="Open Sans" panose="020B0606030504020204" pitchFamily="34" charset="0"/>
+                <a:ea typeface="Open Sans" panose="020B0606030504020204" pitchFamily="34" charset="0"/>
+                <a:cs typeface="Open Sans" panose="020B0606030504020204" pitchFamily="34" charset="0"/>
+              </a:rPr>
+              <a:t>-</a:t>
             </a:r>
             <a:r>
               <a:rPr lang="uk-UA" noProof="0" dirty="0">
@@ -26549,7 +29248,7 @@
               <a:buNone/>
             </a:pPr>
             <a:r>
-              <a:rPr lang="uk-UA" noProof="0" dirty="0">
+              <a:rPr lang="uk-UA" i="1" noProof="0" dirty="0">
                 <a:solidFill>
                   <a:srgbClr val="0D0D0D"/>
                 </a:solidFill>
@@ -26560,7 +29259,7 @@
               <a:t>Основні теоретичні положення</a:t>
             </a:r>
             <a:r>
-              <a:rPr lang="uk-UA" dirty="0">
+              <a:rPr lang="uk-UA" i="1" dirty="0">
                 <a:solidFill>
                   <a:srgbClr val="0D0D0D"/>
                 </a:solidFill>
@@ -26720,7 +29419,7 @@
               <a:buNone/>
             </a:pPr>
             <a:r>
-              <a:rPr lang="uk-UA" noProof="0" dirty="0">
+              <a:rPr lang="uk-UA" i="1" noProof="0" dirty="0">
                 <a:solidFill>
                   <a:srgbClr val="0D0D0D"/>
                 </a:solidFill>
@@ -26731,7 +29430,7 @@
               <a:t>Зазначення прогалин у наявних дослідженнях</a:t>
             </a:r>
             <a:r>
-              <a:rPr lang="uk-UA" dirty="0">
+              <a:rPr lang="uk-UA" i="1" dirty="0">
                 <a:solidFill>
                   <a:srgbClr val="0D0D0D"/>
                 </a:solidFill>
@@ -26790,7 +29489,7 @@
                 <a:ea typeface="Open Sans" panose="020B0606030504020204" pitchFamily="34" charset="0"/>
                 <a:cs typeface="Open Sans" panose="020B0606030504020204" pitchFamily="34" charset="0"/>
               </a:rPr>
-              <a:t>відсутність складних сценаріїв</a:t>
+              <a:t>відсутність складних запитів</a:t>
             </a:r>
             <a:r>
               <a:rPr lang="ru-RU" dirty="0">
@@ -27019,7 +29718,7 @@
               <a:buNone/>
             </a:pPr>
             <a:r>
-              <a:rPr lang="uk-UA" noProof="0" dirty="0">
+              <a:rPr lang="uk-UA" i="1" noProof="0" dirty="0">
                 <a:solidFill>
                   <a:srgbClr val="0D0D0D"/>
                 </a:solidFill>
@@ -27030,7 +29729,7 @@
               <a:t>Чітке формулювання проблеми</a:t>
             </a:r>
             <a:r>
-              <a:rPr lang="uk" dirty="0">
+              <a:rPr lang="uk" i="1" dirty="0">
                 <a:solidFill>
                   <a:srgbClr val="0D0D0D"/>
                 </a:solidFill>
@@ -27060,7 +29759,7 @@
                 <a:ea typeface="Open Sans" panose="020B0606030504020204" pitchFamily="34" charset="0"/>
                 <a:cs typeface="Open Sans" panose="020B0606030504020204" pitchFamily="34" charset="0"/>
               </a:rPr>
-              <a:t>Пошук найефективнішого підходу доступу до баз даних, що забезпечує оптимальну продуктивність </a:t>
+              <a:t>Пошук ефективного підходу доступу до баз даних, що забезпечує оптимальну продуктивність </a:t>
             </a:r>
             <a:r>
               <a:rPr lang="uk-UA" noProof="0" dirty="0" err="1">
@@ -27123,7 +29822,7 @@
               <a:buNone/>
             </a:pPr>
             <a:r>
-              <a:rPr lang="uk-UA" noProof="0" dirty="0">
+              <a:rPr lang="uk-UA" i="1" noProof="0" dirty="0">
                 <a:solidFill>
                   <a:srgbClr val="0D0D0D"/>
                 </a:solidFill>
@@ -27134,7 +29833,7 @@
               <a:t>Очікувані результати</a:t>
             </a:r>
             <a:r>
-              <a:rPr lang="uk" dirty="0">
+              <a:rPr lang="uk" i="1" dirty="0">
                 <a:solidFill>
                   <a:srgbClr val="0D0D0D"/>
                 </a:solidFill>
@@ -27157,23 +29856,28 @@
               <a:buChar char="−"/>
             </a:pPr>
             <a:r>
-              <a:rPr lang="uk-UA" noProof="0" dirty="0">
+              <a:rPr lang="uk-UA" dirty="0">
                 <a:latin typeface="Open Sans" panose="020B0606030504020204" pitchFamily="34" charset="0"/>
                 <a:ea typeface="Open Sans" panose="020B0606030504020204" pitchFamily="34" charset="0"/>
                 <a:cs typeface="Open Sans" panose="020B0606030504020204" pitchFamily="34" charset="0"/>
               </a:rPr>
-              <a:t>обґрунтований вибір ORM-бібліотек на основі багатокритеріального аналізу</a:t>
-            </a:r>
-            <a:r>
-              <a:rPr lang="ru-RU" dirty="0">
-                <a:solidFill>
-                  <a:srgbClr val="0D0D0D"/>
-                </a:solidFill>
+              <a:t>побудова порівняльної моделі </a:t>
+            </a:r>
+            <a:r>
+              <a:rPr lang="en-US" dirty="0">
                 <a:latin typeface="Open Sans" panose="020B0606030504020204" pitchFamily="34" charset="0"/>
                 <a:ea typeface="Open Sans" panose="020B0606030504020204" pitchFamily="34" charset="0"/>
                 <a:cs typeface="Open Sans" panose="020B0606030504020204" pitchFamily="34" charset="0"/>
               </a:rPr>
-              <a:t>;</a:t>
+              <a:t>ORM-</a:t>
+            </a:r>
+            <a:r>
+              <a:rPr lang="uk-UA" dirty="0">
+                <a:latin typeface="Open Sans" panose="020B0606030504020204" pitchFamily="34" charset="0"/>
+                <a:ea typeface="Open Sans" panose="020B0606030504020204" pitchFamily="34" charset="0"/>
+                <a:cs typeface="Open Sans" panose="020B0606030504020204" pitchFamily="34" charset="0"/>
+              </a:rPr>
+              <a:t>бібліотек на основі багатокритеріального аналізу;</a:t>
             </a:r>
           </a:p>
           <a:p>
@@ -27185,26 +29889,13 @@
               <a:buChar char="−"/>
             </a:pPr>
             <a:r>
-              <a:rPr lang="uk-UA" noProof="0" dirty="0">
+              <a:rPr lang="uk-UA" dirty="0">
                 <a:latin typeface="Open Sans" panose="020B0606030504020204" pitchFamily="34" charset="0"/>
                 <a:ea typeface="Open Sans" panose="020B0606030504020204" pitchFamily="34" charset="0"/>
                 <a:cs typeface="Open Sans" panose="020B0606030504020204" pitchFamily="34" charset="0"/>
               </a:rPr>
-              <a:t>розроблена методика експериментального дослідження з ключовими метриками</a:t>
-            </a:r>
-            <a:r>
-              <a:rPr lang="ru-RU" dirty="0">
-                <a:latin typeface="Open Sans" panose="020B0606030504020204" pitchFamily="34" charset="0"/>
-                <a:ea typeface="Open Sans" panose="020B0606030504020204" pitchFamily="34" charset="0"/>
-                <a:cs typeface="Open Sans" panose="020B0606030504020204" pitchFamily="34" charset="0"/>
-              </a:rPr>
-              <a:t>;</a:t>
-            </a:r>
-            <a:endParaRPr lang="uk-UA" dirty="0">
-              <a:latin typeface="Open Sans" panose="020B0606030504020204" pitchFamily="34" charset="0"/>
-              <a:ea typeface="Open Sans" panose="020B0606030504020204" pitchFamily="34" charset="0"/>
-              <a:cs typeface="Open Sans" panose="020B0606030504020204" pitchFamily="34" charset="0"/>
-            </a:endParaRPr>
+              <a:t>визначення ефективного підходу доступу до баз даних за результатами експериментального дослідження;</a:t>
+            </a:r>
           </a:p>
           <a:p>
             <a:pPr marL="285750" indent="-285750" algn="just">
@@ -27215,48 +29906,28 @@
               <a:buChar char="−"/>
             </a:pPr>
             <a:r>
-              <a:rPr lang="uk-UA" noProof="0" dirty="0">
-                <a:solidFill>
-                  <a:srgbClr val="0D0D0D"/>
-                </a:solidFill>
+              <a:rPr lang="uk-UA" dirty="0">
                 <a:latin typeface="Open Sans" panose="020B0606030504020204" pitchFamily="34" charset="0"/>
                 <a:ea typeface="Open Sans" panose="020B0606030504020204" pitchFamily="34" charset="0"/>
                 <a:cs typeface="Open Sans" panose="020B0606030504020204" pitchFamily="34" charset="0"/>
               </a:rPr>
-              <a:t>реалізований </a:t>
-            </a:r>
-            <a:r>
-              <a:rPr lang="uk-UA" noProof="0" dirty="0" err="1">
-                <a:solidFill>
-                  <a:srgbClr val="0D0D0D"/>
-                </a:solidFill>
+              <a:t>розробка </a:t>
+            </a:r>
+            <a:r>
+              <a:rPr lang="en-US" dirty="0">
                 <a:latin typeface="Open Sans" panose="020B0606030504020204" pitchFamily="34" charset="0"/>
                 <a:ea typeface="Open Sans" panose="020B0606030504020204" pitchFamily="34" charset="0"/>
                 <a:cs typeface="Open Sans" panose="020B0606030504020204" pitchFamily="34" charset="0"/>
               </a:rPr>
-              <a:t>Go</a:t>
-            </a:r>
-            <a:r>
-              <a:rPr lang="uk-UA" noProof="0" dirty="0">
-                <a:solidFill>
-                  <a:srgbClr val="0D0D0D"/>
-                </a:solidFill>
+              <a:t>Go-</a:t>
+            </a:r>
+            <a:r>
+              <a:rPr lang="uk-UA" dirty="0">
                 <a:latin typeface="Open Sans" panose="020B0606030504020204" pitchFamily="34" charset="0"/>
                 <a:ea typeface="Open Sans" panose="020B0606030504020204" pitchFamily="34" charset="0"/>
                 <a:cs typeface="Open Sans" panose="020B0606030504020204" pitchFamily="34" charset="0"/>
               </a:rPr>
-              <a:t>-додаток з однаковою функціональністю для обох підходів</a:t>
-            </a:r>
-            <a:r>
-              <a:rPr lang="ru-RU" dirty="0">
-                <a:solidFill>
-                  <a:srgbClr val="0D0D0D"/>
-                </a:solidFill>
-                <a:latin typeface="Open Sans" panose="020B0606030504020204" pitchFamily="34" charset="0"/>
-                <a:ea typeface="Open Sans" panose="020B0606030504020204" pitchFamily="34" charset="0"/>
-                <a:cs typeface="Open Sans" panose="020B0606030504020204" pitchFamily="34" charset="0"/>
-              </a:rPr>
-              <a:t>;</a:t>
+              <a:t>додатку з однаковою функціональністю, який демонструє оптимальний підхід доступу до БД;</a:t>
             </a:r>
           </a:p>
           <a:p>
@@ -27268,69 +29939,29 @@
               <a:buChar char="−"/>
             </a:pPr>
             <a:r>
-              <a:rPr lang="uk-UA" noProof="0" dirty="0">
-                <a:solidFill>
-                  <a:srgbClr val="0D0D0D"/>
-                </a:solidFill>
+              <a:rPr lang="uk-UA" dirty="0">
                 <a:latin typeface="Open Sans" panose="020B0606030504020204" pitchFamily="34" charset="0"/>
                 <a:ea typeface="Open Sans" panose="020B0606030504020204" pitchFamily="34" charset="0"/>
                 <a:cs typeface="Open Sans" panose="020B0606030504020204" pitchFamily="34" charset="0"/>
               </a:rPr>
-              <a:t>проведена серія експериментів з вимірюванням обраних метрик</a:t>
-            </a:r>
-            <a:r>
-              <a:rPr lang="ru-RU" dirty="0">
-                <a:solidFill>
-                  <a:srgbClr val="0D0D0D"/>
-                </a:solidFill>
-                <a:highlight>
-                  <a:srgbClr val="FFFFFF"/>
-                </a:highlight>
+              <a:t>обґрунтовані практичні рекомендації щодо вибору підходу для </a:t>
+            </a:r>
+            <a:r>
+              <a:rPr lang="en-US" dirty="0">
                 <a:latin typeface="Open Sans" panose="020B0606030504020204" pitchFamily="34" charset="0"/>
                 <a:ea typeface="Open Sans" panose="020B0606030504020204" pitchFamily="34" charset="0"/>
                 <a:cs typeface="Open Sans" panose="020B0606030504020204" pitchFamily="34" charset="0"/>
               </a:rPr>
-              <a:t>;</a:t>
-            </a:r>
-          </a:p>
-          <a:p>
-            <a:pPr marL="285750" indent="-285750" algn="just">
-              <a:spcBef>
-                <a:spcPts val="1500"/>
-              </a:spcBef>
-              <a:buFontTx/>
-              <a:buChar char="−"/>
-            </a:pPr>
-            <a:r>
-              <a:rPr lang="uk-UA" noProof="0" dirty="0">
-                <a:solidFill>
-                  <a:srgbClr val="0D0D0D"/>
-                </a:solidFill>
+              <a:t>Go-</a:t>
+            </a:r>
+            <a:r>
+              <a:rPr lang="uk-UA" dirty="0">
                 <a:latin typeface="Open Sans" panose="020B0606030504020204" pitchFamily="34" charset="0"/>
                 <a:ea typeface="Open Sans" panose="020B0606030504020204" pitchFamily="34" charset="0"/>
                 <a:cs typeface="Open Sans" panose="020B0606030504020204" pitchFamily="34" charset="0"/>
               </a:rPr>
-              <a:t>аналіз отриманих результатів та формулювання практичних рекомендацій</a:t>
-            </a:r>
-            <a:r>
-              <a:rPr lang="uk-UA" dirty="0">
-                <a:solidFill>
-                  <a:srgbClr val="0D0D0D"/>
-                </a:solidFill>
-                <a:latin typeface="Open Sans" panose="020B0606030504020204" pitchFamily="34" charset="0"/>
-                <a:ea typeface="Open Sans" panose="020B0606030504020204" pitchFamily="34" charset="0"/>
-                <a:cs typeface="Open Sans" panose="020B0606030504020204" pitchFamily="34" charset="0"/>
-              </a:rPr>
-              <a:t>.</a:t>
-            </a:r>
-            <a:endParaRPr lang="ru-RU" dirty="0">
-              <a:solidFill>
-                <a:srgbClr val="0D0D0D"/>
-              </a:solidFill>
-              <a:latin typeface="Open Sans" panose="020B0606030504020204" pitchFamily="34" charset="0"/>
-              <a:ea typeface="Open Sans" panose="020B0606030504020204" pitchFamily="34" charset="0"/>
-              <a:cs typeface="Open Sans" panose="020B0606030504020204" pitchFamily="34" charset="0"/>
-            </a:endParaRPr>
+              <a:t>програмних рішень.</a:t>
+            </a:r>
           </a:p>
         </p:txBody>
       </p:sp>
@@ -27497,7 +30128,7 @@
               <a:buNone/>
             </a:pPr>
             <a:r>
-              <a:rPr lang="uk-UA" noProof="0" dirty="0">
+              <a:rPr lang="uk-UA" i="1" noProof="0" dirty="0">
                 <a:solidFill>
                   <a:srgbClr val="0D0D0D"/>
                 </a:solidFill>
@@ -27508,7 +30139,7 @@
               <a:t>Використані методи дослідження</a:t>
             </a:r>
             <a:r>
-              <a:rPr lang="ru-RU" dirty="0">
+              <a:rPr lang="ru-RU" i="1" dirty="0">
                 <a:solidFill>
                   <a:srgbClr val="0D0D0D"/>
                 </a:solidFill>
@@ -27779,7 +30410,29 @@
                 <a:ea typeface="Open Sans" panose="020B0606030504020204" pitchFamily="34" charset="0"/>
                 <a:cs typeface="Open Sans" panose="020B0606030504020204" pitchFamily="34" charset="0"/>
               </a:rPr>
-              <a:t>проведення серії експериментів для порівняння продуктивності підходів</a:t>
+              <a:t>проведення серії експериментів для порівняння </a:t>
+            </a:r>
+            <a:r>
+              <a:rPr lang="uk-UA" dirty="0">
+                <a:solidFill>
+                  <a:srgbClr val="0D0D0D"/>
+                </a:solidFill>
+                <a:latin typeface="Open Sans" panose="020B0606030504020204" pitchFamily="34" charset="0"/>
+                <a:ea typeface="Open Sans" panose="020B0606030504020204" pitchFamily="34" charset="0"/>
+                <a:cs typeface="Open Sans" panose="020B0606030504020204" pitchFamily="34" charset="0"/>
+              </a:rPr>
+              <a:t>ефективності та </a:t>
+            </a:r>
+            <a:r>
+              <a:rPr lang="uk-UA" noProof="0" dirty="0">
+                <a:solidFill>
+                  <a:srgbClr val="0D0D0D"/>
+                </a:solidFill>
+                <a:latin typeface="Open Sans" panose="020B0606030504020204" pitchFamily="34" charset="0"/>
+                <a:ea typeface="Open Sans" panose="020B0606030504020204" pitchFamily="34" charset="0"/>
+                <a:cs typeface="Open Sans" panose="020B0606030504020204" pitchFamily="34" charset="0"/>
+              </a:rPr>
+              <a:t>продуктивності підходів</a:t>
             </a:r>
             <a:r>
               <a:rPr lang="ru-RU" dirty="0">
@@ -28048,7 +30701,7 @@
               <a:buNone/>
             </a:pPr>
             <a:r>
-              <a:rPr lang="uk" dirty="0">
+              <a:rPr lang="uk" i="1" dirty="0">
                 <a:latin typeface="Open Sans" panose="020B0606030504020204" pitchFamily="34" charset="0"/>
                 <a:ea typeface="Open Sans" panose="020B0606030504020204" pitchFamily="34" charset="0"/>
                 <a:cs typeface="Open Sans" panose="020B0606030504020204" pitchFamily="34" charset="0"/>
@@ -28388,11 +31041,11 @@
         </p:spPr>
         <p:txBody>
           <a:bodyPr spcFirstLastPara="1" wrap="square" lIns="91425" tIns="91425" rIns="91425" bIns="91425" anchor="t" anchorCtr="0">
-            <a:normAutofit fontScale="77500" lnSpcReduction="20000"/>
+            <a:normAutofit fontScale="92500" lnSpcReduction="10000"/>
           </a:bodyPr>
           <a:lstStyle/>
           <a:p>
-            <a:pPr marL="0" lvl="0" indent="0" algn="just" rtl="0">
+            <a:pPr marL="0" lvl="0" indent="0" rtl="0">
               <a:spcBef>
                 <a:spcPts val="1200"/>
               </a:spcBef>
@@ -28402,7 +31055,7 @@
               <a:buNone/>
             </a:pPr>
             <a:r>
-              <a:rPr lang="uk" dirty="0">
+              <a:rPr lang="uk" i="1" dirty="0">
                 <a:latin typeface="Open Sans" panose="020B0606030504020204" pitchFamily="34" charset="0"/>
                 <a:ea typeface="Open Sans" panose="020B0606030504020204" pitchFamily="34" charset="0"/>
                 <a:cs typeface="Open Sans" panose="020B0606030504020204" pitchFamily="34" charset="0"/>
@@ -28411,7 +31064,7 @@
             </a:r>
           </a:p>
           <a:p>
-            <a:pPr marL="285750" lvl="0" indent="-285750" algn="just">
+            <a:pPr marL="285750" lvl="0" indent="-285750">
               <a:spcBef>
                 <a:spcPts val="1200"/>
               </a:spcBef>
@@ -28448,7 +31101,7 @@
                 <a:ea typeface="Open Sans" panose="020B0606030504020204" pitchFamily="34" charset="0"/>
                 <a:cs typeface="Open Sans" panose="020B0606030504020204" pitchFamily="34" charset="0"/>
               </a:rPr>
-              <a:t>та навчальні матеріали </a:t>
+              <a:t>та навчальні матеріали</a:t>
             </a:r>
             <a:r>
               <a:rPr lang="ru-RU" dirty="0">
@@ -28456,7 +31109,7 @@
                 <a:ea typeface="Open Sans" panose="020B0606030504020204" pitchFamily="34" charset="0"/>
                 <a:cs typeface="Open Sans" panose="020B0606030504020204" pitchFamily="34" charset="0"/>
               </a:rPr>
-              <a:t>(шкала порядку);</a:t>
+              <a:t>;</a:t>
             </a:r>
             <a:endParaRPr lang="en-US" dirty="0">
               <a:latin typeface="Open Sans" panose="020B0606030504020204" pitchFamily="34" charset="0"/>
@@ -28465,7 +31118,7 @@
             </a:endParaRPr>
           </a:p>
           <a:p>
-            <a:pPr marL="285750" lvl="0" indent="-285750" algn="just">
+            <a:pPr marL="285750" lvl="0" indent="-285750">
               <a:spcBef>
                 <a:spcPts val="1200"/>
               </a:spcBef>
@@ -28478,7 +31131,7 @@
                 <a:ea typeface="Open Sans" panose="020B0606030504020204" pitchFamily="34" charset="0"/>
                 <a:cs typeface="Open Sans" panose="020B0606030504020204" pitchFamily="34" charset="0"/>
               </a:rPr>
-              <a:t>кількість підтримуваних СУБД (шкала відношень</a:t>
+              <a:t>кількість підтримуваних СУБД</a:t>
             </a:r>
             <a:r>
               <a:rPr lang="ru-RU" dirty="0">
@@ -28486,7 +31139,7 @@
                 <a:ea typeface="Open Sans" panose="020B0606030504020204" pitchFamily="34" charset="0"/>
                 <a:cs typeface="Open Sans" panose="020B0606030504020204" pitchFamily="34" charset="0"/>
               </a:rPr>
-              <a:t>);</a:t>
+              <a:t>;</a:t>
             </a:r>
             <a:endParaRPr lang="en-US" dirty="0">
               <a:latin typeface="Open Sans" panose="020B0606030504020204" pitchFamily="34" charset="0"/>
@@ -28495,7 +31148,7 @@
             </a:endParaRPr>
           </a:p>
           <a:p>
-            <a:pPr marL="285750" lvl="0" indent="-285750" algn="just">
+            <a:pPr marL="285750" lvl="0" indent="-285750">
               <a:spcBef>
                 <a:spcPts val="1200"/>
               </a:spcBef>
@@ -28524,7 +31177,7 @@
                 <a:ea typeface="Open Sans" panose="020B0606030504020204" pitchFamily="34" charset="0"/>
                 <a:cs typeface="Open Sans" panose="020B0606030504020204" pitchFamily="34" charset="0"/>
               </a:rPr>
-              <a:t> (шкала відношень);</a:t>
+              <a:t>;</a:t>
             </a:r>
             <a:endParaRPr lang="en-US" dirty="0">
               <a:latin typeface="Open Sans" panose="020B0606030504020204" pitchFamily="34" charset="0"/>
@@ -28533,7 +31186,7 @@
             </a:endParaRPr>
           </a:p>
           <a:p>
-            <a:pPr marL="285750" lvl="0" indent="-285750" algn="just">
+            <a:pPr marL="285750" lvl="0" indent="-285750">
               <a:spcBef>
                 <a:spcPts val="1200"/>
               </a:spcBef>
@@ -28546,7 +31199,7 @@
                 <a:ea typeface="Open Sans" panose="020B0606030504020204" pitchFamily="34" charset="0"/>
                 <a:cs typeface="Open Sans" panose="020B0606030504020204" pitchFamily="34" charset="0"/>
               </a:rPr>
-              <a:t>легкість інтеграції та використання </a:t>
+              <a:t>легкість інтеграції та використання</a:t>
             </a:r>
             <a:r>
               <a:rPr lang="ru-RU" dirty="0">
@@ -28554,11 +31207,11 @@
                 <a:ea typeface="Open Sans" panose="020B0606030504020204" pitchFamily="34" charset="0"/>
                 <a:cs typeface="Open Sans" panose="020B0606030504020204" pitchFamily="34" charset="0"/>
               </a:rPr>
-              <a:t>(шкала порядку);</a:t>
+              <a:t>;</a:t>
             </a:r>
           </a:p>
           <a:p>
-            <a:pPr marL="285750" lvl="0" indent="-285750" algn="just">
+            <a:pPr marL="285750" lvl="0" indent="-285750">
               <a:spcBef>
                 <a:spcPts val="1200"/>
               </a:spcBef>
@@ -28571,7 +31224,7 @@
                 <a:ea typeface="Open Sans" panose="020B0606030504020204" pitchFamily="34" charset="0"/>
                 <a:cs typeface="Open Sans" panose="020B0606030504020204" pitchFamily="34" charset="0"/>
               </a:rPr>
-              <a:t>підтримка спільноти та оновлення </a:t>
+              <a:t>підтримка спільноти та оновлення</a:t>
             </a:r>
             <a:r>
               <a:rPr lang="ru-RU" dirty="0">
@@ -28579,7 +31232,7 @@
                 <a:ea typeface="Open Sans" panose="020B0606030504020204" pitchFamily="34" charset="0"/>
                 <a:cs typeface="Open Sans" panose="020B0606030504020204" pitchFamily="34" charset="0"/>
               </a:rPr>
-              <a:t>(шкала порядку).</a:t>
+              <a:t>.</a:t>
             </a:r>
             <a:endParaRPr lang="uk" dirty="0">
               <a:latin typeface="Open Sans" panose="020B0606030504020204" pitchFamily="34" charset="0"/>
@@ -28688,7 +31341,7 @@
         </p:spPr>
         <p:txBody>
           <a:bodyPr spcFirstLastPara="1" wrap="square" lIns="91425" tIns="91425" rIns="91425" bIns="91425" anchor="t" anchorCtr="0">
-            <a:normAutofit fontScale="85000" lnSpcReduction="10000"/>
+            <a:normAutofit fontScale="92500" lnSpcReduction="20000"/>
           </a:bodyPr>
           <a:lstStyle>
             <a:defPPr marR="0" lvl="0" algn="l" rtl="0">
@@ -28938,14 +31591,14 @@
             </a:lvl9pPr>
           </a:lstStyle>
           <a:p>
-            <a:pPr marL="0" indent="0" algn="just">
+            <a:pPr marL="0" indent="0">
               <a:spcBef>
                 <a:spcPts val="1200"/>
               </a:spcBef>
               <a:buNone/>
             </a:pPr>
             <a:r>
-              <a:rPr lang="uk-UA" noProof="0" dirty="0">
+              <a:rPr lang="uk-UA" i="1" noProof="0" dirty="0">
                 <a:latin typeface="Open Sans" panose="020B0606030504020204" pitchFamily="34" charset="0"/>
                 <a:ea typeface="Open Sans" panose="020B0606030504020204" pitchFamily="34" charset="0"/>
                 <a:cs typeface="Open Sans" panose="020B0606030504020204" pitchFamily="34" charset="0"/>
@@ -28953,7 +31606,7 @@
               <a:t>Послідовність</a:t>
             </a:r>
             <a:r>
-              <a:rPr lang="ru-RU" dirty="0">
+              <a:rPr lang="ru-RU" i="1" dirty="0">
                 <a:latin typeface="Open Sans" panose="020B0606030504020204" pitchFamily="34" charset="0"/>
                 <a:ea typeface="Open Sans" panose="020B0606030504020204" pitchFamily="34" charset="0"/>
                 <a:cs typeface="Open Sans" panose="020B0606030504020204" pitchFamily="34" charset="0"/>
@@ -28962,7 +31615,7 @@
             </a:r>
           </a:p>
           <a:p>
-            <a:pPr marL="342900" algn="just">
+            <a:pPr marL="342900">
               <a:spcBef>
                 <a:spcPts val="1200"/>
               </a:spcBef>
@@ -28979,7 +31632,7 @@
             </a:r>
           </a:p>
           <a:p>
-            <a:pPr marL="342900" algn="just">
+            <a:pPr marL="342900">
               <a:spcBef>
                 <a:spcPts val="1200"/>
               </a:spcBef>
@@ -28987,16 +31640,21 @@
               <a:buAutoNum type="arabicPeriod"/>
             </a:pPr>
             <a:r>
-              <a:rPr lang="uk-UA" noProof="0" dirty="0">
+              <a:rPr lang="uk-UA" dirty="0">
                 <a:latin typeface="Open Sans" panose="020B0606030504020204" pitchFamily="34" charset="0"/>
                 <a:ea typeface="Open Sans" panose="020B0606030504020204" pitchFamily="34" charset="0"/>
                 <a:cs typeface="Open Sans" panose="020B0606030504020204" pitchFamily="34" charset="0"/>
               </a:rPr>
-              <a:t>нормалізація критеріїв за різними шкалами;</a:t>
-            </a:r>
+              <a:t>визначення Парето-оптимальних рішень;</a:t>
+            </a:r>
+            <a:endParaRPr lang="uk-UA" noProof="0" dirty="0">
+              <a:latin typeface="Open Sans" panose="020B0606030504020204" pitchFamily="34" charset="0"/>
+              <a:ea typeface="Open Sans" panose="020B0606030504020204" pitchFamily="34" charset="0"/>
+              <a:cs typeface="Open Sans" panose="020B0606030504020204" pitchFamily="34" charset="0"/>
+            </a:endParaRPr>
           </a:p>
           <a:p>
-            <a:pPr marL="342900" algn="just">
+            <a:pPr marL="342900">
               <a:spcBef>
                 <a:spcPts val="1200"/>
               </a:spcBef>
@@ -29009,11 +31667,11 @@
                 <a:ea typeface="Open Sans" panose="020B0606030504020204" pitchFamily="34" charset="0"/>
                 <a:cs typeface="Open Sans" panose="020B0606030504020204" pitchFamily="34" charset="0"/>
               </a:rPr>
-              <a:t>визначення Парето-оптимальних рішень;</a:t>
+              <a:t>нормалізація критеріїв за шкалами;</a:t>
             </a:r>
           </a:p>
           <a:p>
-            <a:pPr marL="342900" algn="just">
+            <a:pPr marL="342900">
               <a:spcBef>
                 <a:spcPts val="1200"/>
               </a:spcBef>
@@ -29026,11 +31684,11 @@
                 <a:ea typeface="Open Sans" panose="020B0606030504020204" pitchFamily="34" charset="0"/>
                 <a:cs typeface="Open Sans" panose="020B0606030504020204" pitchFamily="34" charset="0"/>
               </a:rPr>
-              <a:t>застосування вагових коефіцієнтів;</a:t>
+              <a:t>визначення вагових коефіцієнтів;</a:t>
             </a:r>
           </a:p>
           <a:p>
-            <a:pPr marL="342900" algn="just">
+            <a:pPr marL="342900">
               <a:spcBef>
                 <a:spcPts val="1200"/>
               </a:spcBef>
@@ -29239,10 +31897,10 @@
                   <a:buNone/>
                 </a:pPr>
                 <a:r>
-                  <a:rPr lang="uk-UA" dirty="0"/>
+                  <a:rPr lang="uk-UA" i="1" dirty="0"/>
                   <a:t>Для GORM:</a:t>
                 </a:r>
-                <a:endParaRPr lang="ru-RU" dirty="0"/>
+                <a:endParaRPr lang="ru-RU" i="1" dirty="0"/>
               </a:p>
               <a:p>
                 <a:pPr marL="114300" indent="0" algn="just">
@@ -29460,18 +32118,18 @@
                   <a:buNone/>
                 </a:pPr>
                 <a:r>
-                  <a:rPr lang="uk-UA" dirty="0"/>
+                  <a:rPr lang="uk-UA" i="1" dirty="0"/>
                   <a:t>Для </a:t>
                 </a:r>
                 <a:r>
-                  <a:rPr lang="uk-UA" dirty="0" err="1"/>
+                  <a:rPr lang="uk-UA" i="1" dirty="0" err="1"/>
                   <a:t>Ent</a:t>
                 </a:r>
                 <a:r>
-                  <a:rPr lang="uk-UA" dirty="0"/>
+                  <a:rPr lang="uk-UA" i="1" dirty="0"/>
                   <a:t>:</a:t>
                 </a:r>
-                <a:endParaRPr lang="ru-RU" dirty="0"/>
+                <a:endParaRPr lang="ru-RU" i="1" dirty="0"/>
               </a:p>
               <a:p>
                 <a:pPr marL="114300" indent="0" algn="just">

--- a/2025_М_ПІ_ІПЗм-23-2_Ягнюков_А_Ю.pptx
+++ b/2025_М_ПІ_ІПЗм-23-2_Ягнюков_А_Ю.pptx
@@ -1608,20 +1608,11 @@
                 <a:cs typeface="Arial"/>
                 <a:sym typeface="Arial"/>
               </a:rPr>
-              <a:t> – </a:t>
-            </a:r>
-            <a:r>
-              <a:rPr lang="uk-UA" sz="1100" b="0" i="0" u="none" strike="noStrike" cap="none" noProof="0" dirty="0">
-                <a:solidFill>
-                  <a:srgbClr val="000000"/>
-                </a:solidFill>
-                <a:effectLst/>
-                <a:latin typeface="Arial"/>
-                <a:ea typeface="Arial"/>
-                <a:cs typeface="Arial"/>
-                <a:sym typeface="Arial"/>
-              </a:rPr>
-              <a:t>середній час відповіді системи на запит, що характеризує типову продуктивність взаємодії з БД</a:t>
+              <a:t> – це </a:t>
+            </a:r>
+            <a:r>
+              <a:rPr lang="uk-UA" noProof="0" dirty="0"/>
+              <a:t>середній час виконання операції до бази даних, що характеризує типову швидкодію системи</a:t>
             </a:r>
             <a:r>
               <a:rPr lang="ru-RU" sz="1100" b="0" i="0" u="none" strike="noStrike" cap="none" dirty="0">
@@ -1702,20 +1693,11 @@
                 <a:cs typeface="Arial"/>
                 <a:sym typeface="Arial"/>
               </a:rPr>
-              <a:t> – </a:t>
-            </a:r>
-            <a:r>
-              <a:rPr lang="uk-UA" sz="1100" b="0" i="0" u="none" strike="noStrike" cap="none" noProof="0" dirty="0">
-                <a:solidFill>
-                  <a:srgbClr val="000000"/>
-                </a:solidFill>
-                <a:effectLst/>
-                <a:latin typeface="Arial"/>
-                <a:ea typeface="Arial"/>
-                <a:cs typeface="Arial"/>
-                <a:sym typeface="Arial"/>
-              </a:rPr>
-              <a:t>порогове значення затримки, нижче якого лежить 95% вимірювань, що виявляє критичні просадки швидкості під навантаженням</a:t>
+              <a:t> – це </a:t>
+            </a:r>
+            <a:r>
+              <a:rPr lang="uk-UA" noProof="0" dirty="0"/>
+              <a:t>порогове значення затримки, нижче якого виконується 95% всіх операцій, що виявляє стабільність системи та наявність критичних сповільнень</a:t>
             </a:r>
             <a:r>
               <a:rPr lang="uk-UA" sz="1100" b="0" i="0" u="none" strike="noStrike" cap="none" dirty="0">
@@ -1760,20 +1742,11 @@
                 <a:cs typeface="Arial"/>
                 <a:sym typeface="Arial"/>
               </a:rPr>
-              <a:t> – </a:t>
-            </a:r>
-            <a:r>
-              <a:rPr lang="uk-UA" sz="1100" b="0" i="0" u="none" strike="noStrike" cap="none" noProof="0" dirty="0">
-                <a:solidFill>
-                  <a:srgbClr val="000000"/>
-                </a:solidFill>
-                <a:effectLst/>
-                <a:latin typeface="Arial"/>
-                <a:ea typeface="Arial"/>
-                <a:cs typeface="Arial"/>
-                <a:sym typeface="Arial"/>
-              </a:rPr>
-              <a:t>кількість операцій з БД за секунду, що вимірює здатність системи масштабуватись</a:t>
+              <a:t> – це </a:t>
+            </a:r>
+            <a:r>
+              <a:rPr lang="uk-UA" noProof="0" dirty="0"/>
+              <a:t>кількість операцій з базою даних, виконаних за секунду, що вимірює масштабованість системи під навантаженням</a:t>
             </a:r>
             <a:r>
               <a:rPr lang="uk-UA" sz="1100" b="0" i="0" u="none" strike="noStrike" cap="none" dirty="0">
@@ -1828,6 +1801,80 @@
                 <a:cs typeface="Arial"/>
                 <a:sym typeface="Arial"/>
               </a:rPr>
+              <a:t> – це </a:t>
+            </a:r>
+            <a:r>
+              <a:rPr lang="uk-UA" noProof="0" dirty="0"/>
+              <a:t>середній обсяг </a:t>
+            </a:r>
+            <a:r>
+              <a:rPr lang="uk-UA" dirty="0"/>
+              <a:t>пам’яті</a:t>
+            </a:r>
+            <a:r>
+              <a:rPr lang="en-US" dirty="0"/>
+              <a:t>, </a:t>
+            </a:r>
+            <a:r>
+              <a:rPr lang="uk-UA" noProof="0" dirty="0"/>
+              <a:t>використаний додатком під час операцій з БД, що відображає ресурсну ефективність підходу</a:t>
+            </a:r>
+            <a:r>
+              <a:rPr lang="uk-UA" sz="1100" b="0" i="0" u="none" strike="noStrike" cap="none" dirty="0">
+                <a:solidFill>
+                  <a:srgbClr val="000000"/>
+                </a:solidFill>
+                <a:effectLst/>
+                <a:latin typeface="Arial"/>
+                <a:ea typeface="Arial"/>
+                <a:cs typeface="Arial"/>
+                <a:sym typeface="Arial"/>
+              </a:rPr>
+              <a:t>;</a:t>
+            </a:r>
+          </a:p>
+          <a:p>
+            <a:pPr marL="457200" indent="-298450">
+              <a:buFont typeface="Arial" panose="020B0604020202020204" pitchFamily="34" charset="0"/>
+              <a:buChar char="−"/>
+            </a:pPr>
+            <a:r>
+              <a:rPr lang="uk-UA" sz="1100" b="1" i="0" u="none" strike="noStrike" cap="none" dirty="0">
+                <a:solidFill>
+                  <a:srgbClr val="000000"/>
+                </a:solidFill>
+                <a:effectLst/>
+                <a:latin typeface="Arial"/>
+                <a:ea typeface="Arial"/>
+                <a:cs typeface="Arial"/>
+                <a:sym typeface="Arial"/>
+              </a:rPr>
+              <a:t>час пауз </a:t>
+            </a:r>
+            <a:r>
+              <a:rPr lang="en-US" sz="1100" b="1" i="0" u="none" strike="noStrike" cap="none" dirty="0">
+                <a:solidFill>
+                  <a:srgbClr val="000000"/>
+                </a:solidFill>
+                <a:effectLst/>
+                <a:latin typeface="Arial"/>
+                <a:ea typeface="Arial"/>
+                <a:cs typeface="Arial"/>
+                <a:sym typeface="Arial"/>
+              </a:rPr>
+              <a:t>Garbage Collection</a:t>
+            </a:r>
+            <a:r>
+              <a:rPr lang="ru-RU" sz="1100" b="0" i="0" u="none" strike="noStrike" cap="none" dirty="0">
+                <a:solidFill>
+                  <a:srgbClr val="000000"/>
+                </a:solidFill>
+                <a:effectLst/>
+                <a:latin typeface="Arial"/>
+                <a:ea typeface="Arial"/>
+                <a:cs typeface="Arial"/>
+                <a:sym typeface="Arial"/>
+              </a:rPr>
               <a:t> – </a:t>
             </a:r>
             <a:r>
@@ -1841,104 +1888,11 @@
                 <a:cs typeface="Arial"/>
                 <a:sym typeface="Arial"/>
               </a:rPr>
-              <a:t>середній </a:t>
-            </a:r>
-            <a:r>
-              <a:rPr lang="uk-UA" sz="1100" b="0" i="0" u="none" strike="noStrike" cap="none" noProof="0" dirty="0" err="1">
-                <a:solidFill>
-                  <a:srgbClr val="000000"/>
-                </a:solidFill>
-                <a:effectLst/>
-                <a:latin typeface="Arial"/>
-                <a:ea typeface="Arial"/>
-                <a:cs typeface="Arial"/>
-                <a:sym typeface="Arial"/>
-              </a:rPr>
-              <a:t>обсгям</a:t>
-            </a:r>
-            <a:r>
-              <a:rPr lang="uk-UA" sz="1100" b="0" i="0" u="none" strike="noStrike" cap="none" noProof="0" dirty="0">
-                <a:solidFill>
-                  <a:srgbClr val="000000"/>
-                </a:solidFill>
-                <a:effectLst/>
-                <a:latin typeface="Arial"/>
-                <a:ea typeface="Arial"/>
-                <a:cs typeface="Arial"/>
-                <a:sym typeface="Arial"/>
-              </a:rPr>
-              <a:t> пам'яті, використаний під час роботи з БД, що відображає ресурсну ефективність підходу</a:t>
-            </a:r>
-            <a:r>
-              <a:rPr lang="uk-UA" sz="1100" b="0" i="0" u="none" strike="noStrike" cap="none" dirty="0">
-                <a:solidFill>
-                  <a:srgbClr val="000000"/>
-                </a:solidFill>
-                <a:effectLst/>
-                <a:latin typeface="Arial"/>
-                <a:ea typeface="Arial"/>
-                <a:cs typeface="Arial"/>
-                <a:sym typeface="Arial"/>
-              </a:rPr>
-              <a:t>;</a:t>
-            </a:r>
-          </a:p>
-          <a:p>
-            <a:pPr marL="457200" indent="-298450">
-              <a:buFont typeface="Arial" panose="020B0604020202020204" pitchFamily="34" charset="0"/>
-              <a:buChar char="−"/>
-            </a:pPr>
-            <a:r>
-              <a:rPr lang="uk-UA" sz="1100" b="1" i="0" u="none" strike="noStrike" cap="none" dirty="0">
-                <a:solidFill>
-                  <a:srgbClr val="000000"/>
-                </a:solidFill>
-                <a:effectLst/>
-                <a:latin typeface="Arial"/>
-                <a:ea typeface="Arial"/>
-                <a:cs typeface="Arial"/>
-                <a:sym typeface="Arial"/>
-              </a:rPr>
-              <a:t>час пауз </a:t>
-            </a:r>
-            <a:r>
-              <a:rPr lang="en-US" sz="1100" b="1" i="0" u="none" strike="noStrike" cap="none" dirty="0">
-                <a:solidFill>
-                  <a:srgbClr val="000000"/>
-                </a:solidFill>
-                <a:effectLst/>
-                <a:latin typeface="Arial"/>
-                <a:ea typeface="Arial"/>
-                <a:cs typeface="Arial"/>
-                <a:sym typeface="Arial"/>
-              </a:rPr>
-              <a:t>Garbage Collection</a:t>
-            </a:r>
-            <a:r>
-              <a:rPr lang="ru-RU" sz="1100" b="0" i="0" u="none" strike="noStrike" cap="none" dirty="0">
-                <a:solidFill>
-                  <a:srgbClr val="000000"/>
-                </a:solidFill>
-                <a:effectLst/>
-                <a:latin typeface="Arial"/>
-                <a:ea typeface="Arial"/>
-                <a:cs typeface="Arial"/>
-                <a:sym typeface="Arial"/>
-              </a:rPr>
-              <a:t> – </a:t>
-            </a:r>
-            <a:r>
-              <a:rPr lang="uk-UA" sz="1100" b="0" i="0" u="none" strike="noStrike" cap="none" noProof="0" dirty="0">
-                <a:solidFill>
-                  <a:srgbClr val="000000"/>
-                </a:solidFill>
-                <a:effectLst/>
-                <a:latin typeface="Arial"/>
-                <a:ea typeface="Arial"/>
-                <a:cs typeface="Arial"/>
-                <a:sym typeface="Arial"/>
-              </a:rPr>
-              <a:t>сумарний час зупинки додатку для очищення пам'яті, що впливає на плавність роботи системи</a:t>
+              <a:t>це </a:t>
+            </a:r>
+            <a:r>
+              <a:rPr lang="uk-UA" noProof="0" dirty="0"/>
+              <a:t>сумарна тривалість зупинок виконання програми для очищення пам'яті, що впливає на безперервність роботи системи</a:t>
             </a:r>
             <a:r>
               <a:rPr lang="ru-RU" sz="1100" b="0" i="0" u="none" strike="noStrike" cap="none" dirty="0">
@@ -2091,7 +2045,7 @@
             </a:pPr>
             <a:r>
               <a:rPr lang="uk-UA" noProof="0" dirty="0"/>
-              <a:t>Першим запитом було створення, де </a:t>
+              <a:t>Першою операцією було створення, де </a:t>
             </a:r>
             <a:r>
               <a:rPr lang="uk-UA" noProof="0" dirty="0" err="1"/>
@@ -2162,7 +2116,7 @@
             </a:pPr>
             <a:r>
               <a:rPr lang="uk-UA" noProof="0" dirty="0"/>
-              <a:t>Другим запитом було отримання, де GORM показав найкращі результати майже за всіма метриками, окрім споживання оперативної пам’яті, в якому </a:t>
+              <a:t>Другою операцією було отримання, де GORM показав найкращі результати майже за всіма метриками, окрім споживання оперативної пам’яті, в якому </a:t>
             </a:r>
             <a:r>
               <a:rPr lang="uk-UA" noProof="0" dirty="0" err="1"/>
@@ -2303,7 +2257,7 @@
             </a:pPr>
             <a:r>
               <a:rPr lang="uk-UA" noProof="0" dirty="0"/>
-              <a:t>Третім запитом було оновлення, де </a:t>
+              <a:t>Третьою операцією було оновлення, де </a:t>
             </a:r>
             <a:r>
               <a:rPr lang="uk-UA" noProof="0" dirty="0" err="1"/>
@@ -2346,7 +2300,7 @@
             </a:pPr>
             <a:r>
               <a:rPr lang="uk-UA" noProof="0" dirty="0"/>
-              <a:t>Четвертим запитом було видалення, де </a:t>
+              <a:t>Четвертою операцією було видалення, де </a:t>
             </a:r>
             <a:r>
               <a:rPr lang="uk-UA" noProof="0" dirty="0" err="1"/>
@@ -2508,7 +2462,7 @@
             </a:pPr>
             <a:r>
               <a:rPr lang="uk-UA" noProof="0" dirty="0"/>
-              <a:t>П’ятим запитом була транзакція, де </a:t>
+              <a:t>П'ятою операцією була транзакція, де </a:t>
             </a:r>
             <a:r>
               <a:rPr lang="en-US" dirty="0"/>
@@ -2567,7 +2521,7 @@
             </a:pPr>
             <a:r>
               <a:rPr lang="uk-UA" noProof="0" dirty="0"/>
-              <a:t>Шостим запитом була агрегація, </a:t>
+              <a:t>Шостою операцією була агрегація, </a:t>
             </a:r>
             <a:r>
               <a:rPr lang="ru-RU" dirty="0"/>
@@ -2766,7 +2720,7 @@
             </a:pPr>
             <a:r>
               <a:rPr lang="uk-UA" noProof="0" dirty="0"/>
-              <a:t>Останнім сьомим запитом було складне </a:t>
+              <a:t>Останньою сьомою операцією було складне </a:t>
             </a:r>
             <a:r>
               <a:rPr lang="uk-UA" dirty="0"/>
@@ -3220,7 +3174,7 @@
             </a:r>
             <a:r>
               <a:rPr lang="uk-UA" b="0" noProof="0" dirty="0"/>
-              <a:t>додатках. Натомість, оптимальний вибір залежить від конкретних потреб та типів запитів</a:t>
+              <a:t>додатках. Натомість, вибір залежить від типів операцій</a:t>
             </a:r>
             <a:r>
               <a:rPr lang="ru-RU" b="0" dirty="0"/>
@@ -3596,7 +3550,7 @@
                 <a:cs typeface="Arial"/>
                 <a:sym typeface="Arial"/>
               </a:rPr>
-              <a:t>На сьогоднішній день активне використання </a:t>
+              <a:t>На сьогоднішній день активне використання мови програмування </a:t>
             </a:r>
             <a:r>
               <a:rPr lang="en-US" sz="1100" b="0" i="0" u="none" strike="noStrike" cap="none" dirty="0">
@@ -3622,7 +3576,7 @@
                 <a:cs typeface="Arial"/>
                 <a:sym typeface="Arial"/>
               </a:rPr>
-              <a:t>для серверної розробки зумовлює потребу в обґрунтованому виборі підходу до роботи з базами даних, однак бракує комплексних досліджень порівняння ефективності </a:t>
+              <a:t>для серверної розробки зумовлює потребу у виборі підходу до роботи з базами даних, однак бракує комплексних досліджень порівняння ефективності </a:t>
             </a:r>
             <a:r>
               <a:rPr lang="en-US" sz="1100" b="0" i="0" u="none" strike="noStrike" cap="none" dirty="0">
@@ -4069,7 +4023,33 @@
                 <a:cs typeface="Arial"/>
                 <a:sym typeface="Arial"/>
               </a:rPr>
-              <a:t>енергоефективність різних ORM-підходів на мові програмування PHP;</a:t>
+              <a:t>енергоефективність ORM та </a:t>
+            </a:r>
+            <a:r>
+              <a:rPr lang="en-US" sz="1100" b="0" i="0" u="none" strike="noStrike" cap="none" dirty="0">
+                <a:solidFill>
+                  <a:srgbClr val="000000"/>
+                </a:solidFill>
+                <a:effectLst/>
+                <a:latin typeface="Arial"/>
+                <a:ea typeface="Arial"/>
+                <a:cs typeface="Arial"/>
+                <a:sym typeface="Arial"/>
+              </a:rPr>
+              <a:t>SQL </a:t>
+            </a:r>
+            <a:r>
+              <a:rPr lang="uk-UA" sz="1100" b="0" i="0" u="none" strike="noStrike" cap="none" dirty="0">
+                <a:solidFill>
+                  <a:srgbClr val="000000"/>
+                </a:solidFill>
+                <a:effectLst/>
+                <a:latin typeface="Arial"/>
+                <a:ea typeface="Arial"/>
+                <a:cs typeface="Arial"/>
+                <a:sym typeface="Arial"/>
+              </a:rPr>
+              <a:t>підходів на мові програмування PHP;</a:t>
             </a:r>
             <a:endParaRPr lang="ru-RU" sz="1100" b="0" i="0" u="none" strike="noStrike" cap="none" dirty="0">
               <a:solidFill>
@@ -4098,7 +4078,7 @@
                 <a:cs typeface="Arial"/>
                 <a:sym typeface="Arial"/>
               </a:rPr>
-              <a:t>вплив ORM-фреймворків на продуктивність реляційних запитів на мові програмування C#;</a:t>
+              <a:t>вплив ORM-фреймворків на продуктивність на мові програмування C#;</a:t>
             </a:r>
             <a:endParaRPr lang="ru-RU" sz="1100" b="0" i="0" u="none" strike="noStrike" cap="none" dirty="0">
               <a:solidFill>
@@ -4376,7 +4356,7 @@
                 <a:cs typeface="Arial"/>
                 <a:sym typeface="Arial"/>
               </a:rPr>
-              <a:t>забезпечує повний контроль та стабільну продуктивність. </a:t>
+              <a:t>забезпечує повний контроль та стабільність. </a:t>
             </a:r>
             <a:r>
               <a:rPr lang="uk-UA" sz="1100" b="0" i="0" u="none" strike="noStrike" cap="none" noProof="0" dirty="0">
@@ -4389,7 +4369,7 @@
                 <a:cs typeface="Arial"/>
                 <a:sym typeface="Arial"/>
               </a:rPr>
-              <a:t>Одними з ключових проблем ORM є використання додаткового рівня абстракції та зниження продуктивності через надмірне звернення до даних.</a:t>
+              <a:t>Одними з ключових проблем ORM є використання додаткового рівня абстракції та зниження ефективності через надмірне звернення до даних.</a:t>
             </a:r>
           </a:p>
           <a:p>
@@ -4480,7 +4460,7 @@
                 <a:cs typeface="Arial"/>
                 <a:sym typeface="Arial"/>
               </a:rPr>
-              <a:t>відсутність тестування у складних, наближених до реальних, запитів, таких як транзакції або агрегації;</a:t>
+              <a:t>відсутність тестування складних операцій, таких як транзакції або агрегації;</a:t>
             </a:r>
             <a:endParaRPr lang="ru-RU" sz="1100" b="0" i="0" u="none" strike="noStrike" cap="none" dirty="0">
               <a:solidFill>
@@ -4509,7 +4489,7 @@
                 <a:cs typeface="Arial"/>
                 <a:sym typeface="Arial"/>
               </a:rPr>
-              <a:t>брак чітких практичних рекомендацій для розробників щодо вибору оптимального підходу залежно від потреб.</a:t>
+              <a:t>брак чітких практичних рекомендацій для розробників щодо вибору ефективного підходу.</a:t>
             </a:r>
             <a:endParaRPr lang="ru-RU" sz="1100" b="0" i="0" u="none" strike="noStrike" cap="none" dirty="0">
               <a:solidFill>
@@ -4678,7 +4658,7 @@
             </a:pPr>
             <a:r>
               <a:rPr lang="uk-UA" noProof="0" dirty="0"/>
-              <a:t>Для вирішення цієї проблеми передбачається створення порівняльної моделі ORM-бібліотек, експериментальне визначення оптимального підходу, розробка </a:t>
+              <a:t>Для вирішення цієї проблеми передбачається створення порівняльної моделі ORM-бібліотек, експериментальне визначення ефективного підходу, розробка </a:t>
             </a:r>
             <a:r>
               <a:rPr lang="uk-UA" noProof="0" dirty="0" err="1"/>
@@ -4874,7 +4854,7 @@
             </a:pPr>
             <a:r>
               <a:rPr lang="uk-UA" noProof="0" dirty="0"/>
-              <a:t>експериментальне дослідження – порівняння ефективності та продуктивності </a:t>
+              <a:t>експериментальне дослідження – порівняння </a:t>
             </a:r>
             <a:r>
               <a:rPr lang="en-US" dirty="0"/>
@@ -5132,7 +5112,7 @@
                 <a:cs typeface="Arial"/>
                 <a:sym typeface="Arial"/>
               </a:rPr>
-              <a:t>. Також використовувалася їхня офіційна документація та статистичні дані з </a:t>
+              <a:t>. Також використовувалася їхня офіційна документація, наукові джерела та статистичні дані з </a:t>
             </a:r>
             <a:r>
               <a:rPr lang="uk-UA" sz="1100" b="0" i="0" u="none" strike="noStrike" cap="none" dirty="0" err="1">
@@ -5311,6 +5291,19 @@
               <a:buChar char="−"/>
             </a:pPr>
             <a:r>
+              <a:rPr lang="uk-UA" sz="1100" b="1" i="0" u="none" strike="noStrike" cap="none" dirty="0">
+                <a:solidFill>
+                  <a:srgbClr val="000000"/>
+                </a:solidFill>
+                <a:effectLst/>
+                <a:latin typeface="Arial"/>
+                <a:ea typeface="Arial"/>
+                <a:cs typeface="Arial"/>
+                <a:sym typeface="Arial"/>
+              </a:rPr>
+              <a:t>документація та навчальних матеріалів</a:t>
+            </a:r>
+            <a:r>
               <a:rPr lang="uk-UA" sz="1100" b="0" i="0" u="none" strike="noStrike" cap="none" dirty="0">
                 <a:solidFill>
                   <a:srgbClr val="000000"/>
@@ -5321,7 +5314,24 @@
                 <a:cs typeface="Arial"/>
                 <a:sym typeface="Arial"/>
               </a:rPr>
-              <a:t>якість документації та наявність навчальних матеріалів;</a:t>
+              <a:t> – це </a:t>
+            </a:r>
+            <a:r>
+              <a:rPr lang="uk-UA" noProof="0" dirty="0"/>
+              <a:t>кількість розділів в офіційній документації</a:t>
+            </a:r>
+            <a:r>
+              <a:rPr lang="uk-UA" sz="1100" b="0" i="0" u="none" strike="noStrike" cap="none" dirty="0">
+                <a:solidFill>
+                  <a:srgbClr val="000000"/>
+                </a:solidFill>
+                <a:effectLst/>
+                <a:latin typeface="Arial"/>
+                <a:ea typeface="Arial"/>
+                <a:cs typeface="Arial"/>
+                <a:sym typeface="Arial"/>
+              </a:rPr>
+              <a:t>;</a:t>
             </a:r>
             <a:endParaRPr lang="ru-RU" sz="1100" b="0" i="0" u="none" strike="noStrike" cap="none" dirty="0">
               <a:solidFill>
@@ -5340,6 +5350,19 @@
               <a:buChar char="−"/>
             </a:pPr>
             <a:r>
+              <a:rPr lang="uk-UA" sz="1100" b="1" i="0" u="none" strike="noStrike" cap="none" dirty="0">
+                <a:solidFill>
+                  <a:srgbClr val="000000"/>
+                </a:solidFill>
+                <a:effectLst/>
+                <a:latin typeface="Arial"/>
+                <a:ea typeface="Arial"/>
+                <a:cs typeface="Arial"/>
+                <a:sym typeface="Arial"/>
+              </a:rPr>
+              <a:t>кількість підтримуваних СУБД</a:t>
+            </a:r>
+            <a:r>
               <a:rPr lang="uk-UA" sz="1100" b="0" i="0" u="none" strike="noStrike" cap="none" dirty="0">
                 <a:solidFill>
                   <a:srgbClr val="000000"/>
@@ -5350,7 +5373,24 @@
                 <a:cs typeface="Arial"/>
                 <a:sym typeface="Arial"/>
               </a:rPr>
-              <a:t>кількість підтримуваних СУБД;</a:t>
+              <a:t> – це </a:t>
+            </a:r>
+            <a:r>
+              <a:rPr lang="uk-UA" noProof="0" dirty="0"/>
+              <a:t>загальна кількість сумісних СУБД згідно офіційної документації</a:t>
+            </a:r>
+            <a:r>
+              <a:rPr lang="uk-UA" sz="1100" b="0" i="0" u="none" strike="noStrike" cap="none" dirty="0">
+                <a:solidFill>
+                  <a:srgbClr val="000000"/>
+                </a:solidFill>
+                <a:effectLst/>
+                <a:latin typeface="Arial"/>
+                <a:ea typeface="Arial"/>
+                <a:cs typeface="Arial"/>
+                <a:sym typeface="Arial"/>
+              </a:rPr>
+              <a:t>;</a:t>
             </a:r>
             <a:endParaRPr lang="ru-RU" sz="1100" b="0" i="0" u="none" strike="noStrike" cap="none" dirty="0">
               <a:solidFill>
@@ -5369,6 +5409,32 @@
               <a:buChar char="−"/>
             </a:pPr>
             <a:r>
+              <a:rPr lang="uk-UA" sz="1100" b="1" i="0" u="none" strike="noStrike" cap="none" dirty="0">
+                <a:solidFill>
+                  <a:srgbClr val="000000"/>
+                </a:solidFill>
+                <a:effectLst/>
+                <a:latin typeface="Arial"/>
+                <a:ea typeface="Arial"/>
+                <a:cs typeface="Arial"/>
+                <a:sym typeface="Arial"/>
+              </a:rPr>
+              <a:t>популярність на </a:t>
+            </a:r>
+            <a:r>
+              <a:rPr lang="uk-UA" sz="1100" b="1" i="0" u="none" strike="noStrike" cap="none" dirty="0" err="1">
+                <a:solidFill>
+                  <a:srgbClr val="000000"/>
+                </a:solidFill>
+                <a:effectLst/>
+                <a:latin typeface="Arial"/>
+                <a:ea typeface="Arial"/>
+                <a:cs typeface="Arial"/>
+                <a:sym typeface="Arial"/>
+              </a:rPr>
+              <a:t>GitHub</a:t>
+            </a:r>
+            <a:r>
               <a:rPr lang="uk-UA" sz="1100" b="0" i="0" u="none" strike="noStrike" cap="none" dirty="0">
                 <a:solidFill>
                   <a:srgbClr val="000000"/>
@@ -5379,20 +5445,11 @@
                 <a:cs typeface="Arial"/>
                 <a:sym typeface="Arial"/>
               </a:rPr>
-              <a:t>популярність на </a:t>
-            </a:r>
-            <a:r>
-              <a:rPr lang="uk-UA" sz="1100" b="0" i="0" u="none" strike="noStrike" cap="none" dirty="0" err="1">
-                <a:solidFill>
-                  <a:srgbClr val="000000"/>
-                </a:solidFill>
-                <a:effectLst/>
-                <a:latin typeface="Arial"/>
-                <a:ea typeface="Arial"/>
-                <a:cs typeface="Arial"/>
-                <a:sym typeface="Arial"/>
-              </a:rPr>
-              <a:t>GitHub</a:t>
+              <a:t> – це </a:t>
+            </a:r>
+            <a:r>
+              <a:rPr lang="uk-UA" noProof="0" dirty="0"/>
+              <a:t>рівень визнання спільноти, що вимірюється через кількість зірок</a:t>
             </a:r>
             <a:r>
               <a:rPr lang="uk-UA" sz="1100" b="0" i="0" u="none" strike="noStrike" cap="none" dirty="0">
@@ -5424,6 +5481,19 @@
               <a:buChar char="−"/>
             </a:pPr>
             <a:r>
+              <a:rPr lang="uk-UA" sz="1100" b="1" i="0" u="none" strike="noStrike" cap="none" dirty="0">
+                <a:solidFill>
+                  <a:srgbClr val="000000"/>
+                </a:solidFill>
+                <a:effectLst/>
+                <a:latin typeface="Arial"/>
+                <a:ea typeface="Arial"/>
+                <a:cs typeface="Arial"/>
+                <a:sym typeface="Arial"/>
+              </a:rPr>
+              <a:t>легкість інтеграції та використання</a:t>
+            </a:r>
+            <a:r>
               <a:rPr lang="uk-UA" sz="1100" b="0" i="0" u="none" strike="noStrike" cap="none" dirty="0">
                 <a:solidFill>
                   <a:srgbClr val="000000"/>
@@ -5434,7 +5504,24 @@
                 <a:cs typeface="Arial"/>
                 <a:sym typeface="Arial"/>
               </a:rPr>
-              <a:t>легкість інтеграції та використання;</a:t>
+              <a:t> – це </a:t>
+            </a:r>
+            <a:r>
+              <a:rPr lang="uk-UA" noProof="0" dirty="0"/>
+              <a:t>кількість рядків коду для реалізації операцій</a:t>
+            </a:r>
+            <a:r>
+              <a:rPr lang="uk-UA" sz="1100" b="0" i="0" u="none" strike="noStrike" cap="none" dirty="0">
+                <a:solidFill>
+                  <a:srgbClr val="000000"/>
+                </a:solidFill>
+                <a:effectLst/>
+                <a:latin typeface="Arial"/>
+                <a:ea typeface="Arial"/>
+                <a:cs typeface="Arial"/>
+                <a:sym typeface="Arial"/>
+              </a:rPr>
+              <a:t>;</a:t>
             </a:r>
             <a:endParaRPr lang="ru-RU" sz="1100" b="0" i="0" u="none" strike="noStrike" cap="none" dirty="0">
               <a:solidFill>
@@ -5453,6 +5540,19 @@
               <a:buChar char="−"/>
             </a:pPr>
             <a:r>
+              <a:rPr lang="uk-UA" sz="1100" b="1" i="0" u="none" strike="noStrike" cap="none" dirty="0">
+                <a:solidFill>
+                  <a:srgbClr val="000000"/>
+                </a:solidFill>
+                <a:effectLst/>
+                <a:latin typeface="Arial"/>
+                <a:ea typeface="Arial"/>
+                <a:cs typeface="Arial"/>
+                <a:sym typeface="Arial"/>
+              </a:rPr>
+              <a:t>підтримки спільноти та частота оновлень</a:t>
+            </a:r>
+            <a:r>
               <a:rPr lang="uk-UA" sz="1100" b="0" i="0" u="none" strike="noStrike" cap="none" dirty="0">
                 <a:solidFill>
                   <a:srgbClr val="000000"/>
@@ -5463,7 +5563,36 @@
                 <a:cs typeface="Arial"/>
                 <a:sym typeface="Arial"/>
               </a:rPr>
-              <a:t>активність підтримки з боку спільноти та частота оновлень.</a:t>
+              <a:t> – це </a:t>
+            </a:r>
+            <a:r>
+              <a:rPr lang="uk-UA" noProof="0" dirty="0"/>
+              <a:t>кількість активних учасників </a:t>
+            </a:r>
+            <a:r>
+              <a:rPr lang="uk-UA" noProof="0" dirty="0" err="1"/>
+              <a:t>проєкту</a:t>
+            </a:r>
+            <a:r>
+              <a:rPr lang="uk-UA" noProof="0" dirty="0"/>
+              <a:t>, що визначається через </a:t>
+            </a:r>
+            <a:r>
+              <a:rPr lang="uk-UA" noProof="0" dirty="0" err="1"/>
+              <a:t>contributors</a:t>
+            </a:r>
+            <a:r>
+              <a:rPr lang="uk-UA" sz="1100" b="0" i="0" u="none" strike="noStrike" cap="none" dirty="0">
+                <a:solidFill>
+                  <a:srgbClr val="000000"/>
+                </a:solidFill>
+                <a:effectLst/>
+                <a:latin typeface="Arial"/>
+                <a:ea typeface="Arial"/>
+                <a:cs typeface="Arial"/>
+                <a:sym typeface="Arial"/>
+              </a:rPr>
+              <a:t>.</a:t>
             </a:r>
           </a:p>
           <a:p>
@@ -5541,6 +5670,18 @@
               <a:buChar char="−"/>
             </a:pPr>
             <a:r>
+              <a:rPr lang="uk-UA" sz="1100" b="0" i="0" u="none" strike="noStrike" cap="none" noProof="0" dirty="0">
+                <a:solidFill>
+                  <a:srgbClr val="000000"/>
+                </a:solidFill>
+                <a:effectLst/>
+                <a:latin typeface="Arial"/>
+                <a:cs typeface="Arial"/>
+                <a:sym typeface="Arial"/>
+              </a:rPr>
+              <a:t>нормалізація оцінок альтернатив за критеріями в діапазоні від 0 до 1</a:t>
+            </a:r>
+            <a:r>
               <a:rPr lang="uk-UA" sz="1100" b="0" i="0" u="none" strike="noStrike" cap="none" dirty="0">
                 <a:solidFill>
                   <a:srgbClr val="000000"/>
@@ -5550,7 +5691,7 @@
                 <a:cs typeface="Arial"/>
                 <a:sym typeface="Arial"/>
               </a:rPr>
-              <a:t>нормалізація критеріїв за шкалами;</a:t>
+              <a:t>;</a:t>
             </a:r>
           </a:p>
           <a:p>
@@ -12905,8 +13046,8 @@
           </a:p>
         </p:txBody>
       </p:sp>
-      <mc:AlternateContent xmlns:mc="http://schemas.openxmlformats.org/markup-compatibility/2006">
-        <mc:Choice xmlns:a14="http://schemas.microsoft.com/office/drawing/2010/main" Requires="a14">
+      <mc:AlternateContent xmlns:mc="http://schemas.openxmlformats.org/markup-compatibility/2006" xmlns:a14="http://schemas.microsoft.com/office/drawing/2010/main">
+        <mc:Choice Requires="a14">
           <p:sp>
             <p:nvSpPr>
               <p:cNvPr id="9" name="Google Shape;114;p20">
@@ -12970,7 +13111,23 @@
                     <a:ea typeface="Open Sans" panose="020B0606030504020204" pitchFamily="34" charset="0"/>
                     <a:cs typeface="Open Sans" panose="020B0606030504020204" pitchFamily="34" charset="0"/>
                   </a:rPr>
-                  <a:t>середня затримка (мс)</a:t>
+                  <a:t>середня затримка (м</a:t>
+                </a:r>
+                <a:r>
+                  <a:rPr lang="uk-UA" dirty="0" err="1">
+                    <a:latin typeface="Open Sans" panose="020B0606030504020204" pitchFamily="34" charset="0"/>
+                    <a:ea typeface="Open Sans" panose="020B0606030504020204" pitchFamily="34" charset="0"/>
+                    <a:cs typeface="Open Sans" panose="020B0606030504020204" pitchFamily="34" charset="0"/>
+                  </a:rPr>
+                  <a:t>ілісекунди</a:t>
+                </a:r>
+                <a:r>
+                  <a:rPr lang="uk-UA" noProof="0" dirty="0">
+                    <a:latin typeface="Open Sans" panose="020B0606030504020204" pitchFamily="34" charset="0"/>
+                    <a:ea typeface="Open Sans" panose="020B0606030504020204" pitchFamily="34" charset="0"/>
+                    <a:cs typeface="Open Sans" panose="020B0606030504020204" pitchFamily="34" charset="0"/>
+                  </a:rPr>
+                  <a:t>)</a:t>
                 </a:r>
               </a:p>
               <a:p>
@@ -13166,7 +13323,23 @@
                     <a:ea typeface="Open Sans" panose="020B0606030504020204" pitchFamily="34" charset="0"/>
                     <a:cs typeface="Open Sans" panose="020B0606030504020204" pitchFamily="34" charset="0"/>
                   </a:rPr>
-                  <a:t> затримки (мс)</a:t>
+                  <a:t> затримки (м</a:t>
+                </a:r>
+                <a:r>
+                  <a:rPr lang="uk-UA" dirty="0" err="1">
+                    <a:latin typeface="Open Sans" panose="020B0606030504020204" pitchFamily="34" charset="0"/>
+                    <a:ea typeface="Open Sans" panose="020B0606030504020204" pitchFamily="34" charset="0"/>
+                    <a:cs typeface="Open Sans" panose="020B0606030504020204" pitchFamily="34" charset="0"/>
+                  </a:rPr>
+                  <a:t>ілісекунди</a:t>
+                </a:r>
+                <a:r>
+                  <a:rPr lang="uk-UA" noProof="0" dirty="0">
+                    <a:latin typeface="Open Sans" panose="020B0606030504020204" pitchFamily="34" charset="0"/>
+                    <a:ea typeface="Open Sans" panose="020B0606030504020204" pitchFamily="34" charset="0"/>
+                    <a:cs typeface="Open Sans" panose="020B0606030504020204" pitchFamily="34" charset="0"/>
+                  </a:rPr>
+                  <a:t>)</a:t>
                 </a:r>
               </a:p>
               <a:p>
@@ -13320,28 +13493,12 @@
                   <a:t>пропускна здатність (</a:t>
                 </a:r>
                 <a:r>
-                  <a:rPr lang="uk-UA" noProof="0" dirty="0" err="1">
+                  <a:rPr lang="uk-UA" dirty="0">
                     <a:latin typeface="Open Sans" panose="020B0606030504020204" pitchFamily="34" charset="0"/>
                     <a:ea typeface="Open Sans" panose="020B0606030504020204" pitchFamily="34" charset="0"/>
                     <a:cs typeface="Open Sans" panose="020B0606030504020204" pitchFamily="34" charset="0"/>
                   </a:rPr>
-                  <a:t>оп</a:t>
-                </a:r>
-                <a:r>
-                  <a:rPr lang="uk-UA" noProof="0" dirty="0">
-                    <a:latin typeface="Open Sans" panose="020B0606030504020204" pitchFamily="34" charset="0"/>
-                    <a:ea typeface="Open Sans" panose="020B0606030504020204" pitchFamily="34" charset="0"/>
-                    <a:cs typeface="Open Sans" panose="020B0606030504020204" pitchFamily="34" charset="0"/>
-                  </a:rPr>
-                  <a:t>/</a:t>
-                </a:r>
-                <a:r>
-                  <a:rPr lang="uk-UA" noProof="0" dirty="0" err="1">
-                    <a:latin typeface="Open Sans" panose="020B0606030504020204" pitchFamily="34" charset="0"/>
-                    <a:ea typeface="Open Sans" panose="020B0606030504020204" pitchFamily="34" charset="0"/>
-                    <a:cs typeface="Open Sans" panose="020B0606030504020204" pitchFamily="34" charset="0"/>
-                  </a:rPr>
-                  <a:t>сек</a:t>
+                  <a:t>операції / секунда</a:t>
                 </a:r>
                 <a:r>
                   <a:rPr lang="uk-UA" noProof="0" dirty="0">
@@ -13453,12 +13610,12 @@
                   <a:t>середнє споживання оперативної пам’яті (</a:t>
                 </a:r>
                 <a:r>
-                  <a:rPr lang="uk-UA" noProof="0" dirty="0" err="1">
+                  <a:rPr lang="uk-UA" dirty="0">
                     <a:latin typeface="Open Sans" panose="020B0606030504020204" pitchFamily="34" charset="0"/>
                     <a:ea typeface="Open Sans" panose="020B0606030504020204" pitchFamily="34" charset="0"/>
                     <a:cs typeface="Open Sans" panose="020B0606030504020204" pitchFamily="34" charset="0"/>
                   </a:rPr>
-                  <a:t>Мб</a:t>
+                  <a:t>Мегабайти</a:t>
                 </a:r>
                 <a:r>
                   <a:rPr lang="uk-UA" noProof="0" dirty="0">
@@ -13585,7 +13742,39 @@
                     <a:ea typeface="Open Sans" panose="020B0606030504020204" pitchFamily="34" charset="0"/>
                     <a:cs typeface="Open Sans" panose="020B0606030504020204" pitchFamily="34" charset="0"/>
                   </a:rPr>
-                  <a:t>час пауз GC (мс)</a:t>
+                  <a:t>час пауз </a:t>
+                </a:r>
+                <a:r>
+                  <a:rPr lang="en-US" dirty="0">
+                    <a:latin typeface="Open Sans" panose="020B0606030504020204" pitchFamily="34" charset="0"/>
+                    <a:ea typeface="Open Sans" panose="020B0606030504020204" pitchFamily="34" charset="0"/>
+                    <a:cs typeface="Open Sans" panose="020B0606030504020204" pitchFamily="34" charset="0"/>
+                  </a:rPr>
+                  <a:t>Garbage Collection</a:t>
+                </a:r>
+                <a:r>
+                  <a:rPr lang="uk-UA" noProof="0" dirty="0">
+                    <a:latin typeface="Open Sans" panose="020B0606030504020204" pitchFamily="34" charset="0"/>
+                    <a:ea typeface="Open Sans" panose="020B0606030504020204" pitchFamily="34" charset="0"/>
+                    <a:cs typeface="Open Sans" panose="020B0606030504020204" pitchFamily="34" charset="0"/>
+                  </a:rPr>
+                  <a:t> (</a:t>
+                </a:r>
+                <a:r>
+                  <a:rPr lang="uk-UA" dirty="0" err="1">
+                    <a:latin typeface="Open Sans" panose="020B0606030504020204" pitchFamily="34" charset="0"/>
+                    <a:ea typeface="Open Sans" panose="020B0606030504020204" pitchFamily="34" charset="0"/>
+                    <a:cs typeface="Open Sans" panose="020B0606030504020204" pitchFamily="34" charset="0"/>
+                  </a:rPr>
+                  <a:t>мілісекунди</a:t>
+                </a:r>
+                <a:r>
+                  <a:rPr lang="uk-UA" noProof="0" dirty="0">
+                    <a:latin typeface="Open Sans" panose="020B0606030504020204" pitchFamily="34" charset="0"/>
+                    <a:ea typeface="Open Sans" panose="020B0606030504020204" pitchFamily="34" charset="0"/>
+                    <a:cs typeface="Open Sans" panose="020B0606030504020204" pitchFamily="34" charset="0"/>
+                  </a:rPr>
+                  <a:t>)</a:t>
                 </a:r>
               </a:p>
               <a:p>
@@ -13681,7 +13870,7 @@
             </p:txBody>
           </p:sp>
         </mc:Choice>
-        <mc:Fallback>
+        <mc:Fallback xmlns="">
           <p:sp>
             <p:nvSpPr>
               <p:cNvPr id="9" name="Google Shape;114;p20">
@@ -27682,7 +27871,23 @@
                 <a:ea typeface="Open Sans" panose="020B0606030504020204" pitchFamily="34" charset="0"/>
                 <a:cs typeface="Open Sans" panose="020B0606030504020204" pitchFamily="34" charset="0"/>
               </a:rPr>
-              <a:t>Сформульовані практичні рекомендації дозволяють розробникам робити обґрунтований вибір ефективного інструменту для досягнення оптимальної продуктивності </a:t>
+              <a:t>Сформульовані практичні рекомендації дозволяють </a:t>
+            </a:r>
+            <a:r>
+              <a:rPr lang="en-US" dirty="0">
+                <a:latin typeface="Open Sans" panose="020B0606030504020204" pitchFamily="34" charset="0"/>
+                <a:ea typeface="Open Sans" panose="020B0606030504020204" pitchFamily="34" charset="0"/>
+                <a:cs typeface="Open Sans" panose="020B0606030504020204" pitchFamily="34" charset="0"/>
+              </a:rPr>
+              <a:t>Go-</a:t>
+            </a:r>
+            <a:r>
+              <a:rPr lang="uk-UA" dirty="0">
+                <a:latin typeface="Open Sans" panose="020B0606030504020204" pitchFamily="34" charset="0"/>
+                <a:ea typeface="Open Sans" panose="020B0606030504020204" pitchFamily="34" charset="0"/>
+                <a:cs typeface="Open Sans" panose="020B0606030504020204" pitchFamily="34" charset="0"/>
+              </a:rPr>
+              <a:t>розробникам робити обґрунтований вибір підходу для досягнення ефективності </a:t>
             </a:r>
             <a:r>
               <a:rPr lang="en-US" dirty="0">
@@ -27950,7 +28155,7 @@
         </p:spPr>
         <p:txBody>
           <a:bodyPr spcFirstLastPara="1" wrap="square" lIns="91425" tIns="91425" rIns="91425" bIns="91425" anchor="t" anchorCtr="0">
-            <a:normAutofit fontScale="92500" lnSpcReduction="20000"/>
+            <a:normAutofit fontScale="85000" lnSpcReduction="10000"/>
           </a:bodyPr>
           <a:lstStyle/>
           <a:p>
@@ -28039,7 +28244,7 @@
                 <a:ea typeface="Open Sans" panose="020B0606030504020204" pitchFamily="34" charset="0"/>
                 <a:cs typeface="Open Sans" panose="020B0606030504020204" pitchFamily="34" charset="0"/>
               </a:rPr>
-              <a:t> зумовлює потребу в оптимальному виборі підходу до роботи з БД</a:t>
+              <a:t> зумовлює потребу у виборі підходу до роботи з БД</a:t>
             </a:r>
             <a:r>
               <a:rPr lang="ru-RU" dirty="0">
@@ -28056,12 +28261,20 @@
               <a:buChar char="−"/>
             </a:pPr>
             <a:r>
+              <a:rPr lang="ru-RU" dirty="0">
+                <a:latin typeface="Open Sans" panose="020B0606030504020204" pitchFamily="34" charset="0"/>
+                <a:ea typeface="Open Sans" panose="020B0606030504020204" pitchFamily="34" charset="0"/>
+                <a:cs typeface="Open Sans" panose="020B0606030504020204" pitchFamily="34" charset="0"/>
+              </a:rPr>
+              <a:t>брак </a:t>
+            </a:r>
+            <a:r>
               <a:rPr lang="uk-UA" noProof="0" dirty="0">
                 <a:latin typeface="Open Sans" panose="020B0606030504020204" pitchFamily="34" charset="0"/>
                 <a:ea typeface="Open Sans" panose="020B0606030504020204" pitchFamily="34" charset="0"/>
                 <a:cs typeface="Open Sans" panose="020B0606030504020204" pitchFamily="34" charset="0"/>
               </a:rPr>
-              <a:t>брак комплексних досліджень ефективності </a:t>
+              <a:t>комплексних досліджень ORM та SQL підходів для мови програмування</a:t>
             </a:r>
             <a:r>
               <a:rPr lang="en-US" dirty="0">
@@ -28069,31 +28282,7 @@
                 <a:ea typeface="Open Sans" panose="020B0606030504020204" pitchFamily="34" charset="0"/>
                 <a:cs typeface="Open Sans" panose="020B0606030504020204" pitchFamily="34" charset="0"/>
               </a:rPr>
-              <a:t>ORM </a:t>
-            </a:r>
-            <a:r>
-              <a:rPr lang="uk-UA" dirty="0">
-                <a:latin typeface="Open Sans" panose="020B0606030504020204" pitchFamily="34" charset="0"/>
-                <a:ea typeface="Open Sans" panose="020B0606030504020204" pitchFamily="34" charset="0"/>
-                <a:cs typeface="Open Sans" panose="020B0606030504020204" pitchFamily="34" charset="0"/>
-              </a:rPr>
-              <a:t>та</a:t>
-            </a:r>
-            <a:r>
-              <a:rPr lang="en-US" dirty="0">
-                <a:latin typeface="Open Sans" panose="020B0606030504020204" pitchFamily="34" charset="0"/>
-                <a:ea typeface="Open Sans" panose="020B0606030504020204" pitchFamily="34" charset="0"/>
-                <a:cs typeface="Open Sans" panose="020B0606030504020204" pitchFamily="34" charset="0"/>
-              </a:rPr>
-              <a:t> SQL </a:t>
-            </a:r>
-            <a:r>
-              <a:rPr lang="uk-UA" noProof="0" dirty="0">
-                <a:latin typeface="Open Sans" panose="020B0606030504020204" pitchFamily="34" charset="0"/>
-                <a:ea typeface="Open Sans" panose="020B0606030504020204" pitchFamily="34" charset="0"/>
-                <a:cs typeface="Open Sans" panose="020B0606030504020204" pitchFamily="34" charset="0"/>
-              </a:rPr>
-              <a:t>підходів</a:t>
+              <a:t> Go</a:t>
             </a:r>
             <a:r>
               <a:rPr lang="ru-RU" dirty="0">
@@ -28637,7 +28826,51 @@
                 <a:ea typeface="Open Sans" panose="020B0606030504020204" pitchFamily="34" charset="0"/>
                 <a:cs typeface="Open Sans" panose="020B0606030504020204" pitchFamily="34" charset="0"/>
               </a:rPr>
-              <a:t>»: емпіричне дослідження енергоефективності </a:t>
+              <a:t>»: </a:t>
+            </a:r>
+            <a:r>
+              <a:rPr lang="uk-UA" noProof="0" dirty="0" err="1">
+                <a:solidFill>
+                  <a:srgbClr val="0D0D0D"/>
+                </a:solidFill>
+                <a:latin typeface="Open Sans" panose="020B0606030504020204" pitchFamily="34" charset="0"/>
+                <a:ea typeface="Open Sans" panose="020B0606030504020204" pitchFamily="34" charset="0"/>
+                <a:cs typeface="Open Sans" panose="020B0606030504020204" pitchFamily="34" charset="0"/>
+              </a:rPr>
+              <a:t>енергоефективн</a:t>
+            </a:r>
+            <a:r>
+              <a:rPr lang="uk-UA" dirty="0">
+                <a:solidFill>
+                  <a:srgbClr val="0D0D0D"/>
+                </a:solidFill>
+                <a:latin typeface="Open Sans" panose="020B0606030504020204" pitchFamily="34" charset="0"/>
+                <a:ea typeface="Open Sans" panose="020B0606030504020204" pitchFamily="34" charset="0"/>
+                <a:cs typeface="Open Sans" panose="020B0606030504020204" pitchFamily="34" charset="0"/>
+              </a:rPr>
+              <a:t>і</a:t>
+            </a:r>
+            <a:r>
+              <a:rPr lang="uk-UA" noProof="0" dirty="0" err="1">
+                <a:solidFill>
+                  <a:srgbClr val="0D0D0D"/>
+                </a:solidFill>
+                <a:latin typeface="Open Sans" panose="020B0606030504020204" pitchFamily="34" charset="0"/>
+                <a:ea typeface="Open Sans" panose="020B0606030504020204" pitchFamily="34" charset="0"/>
+                <a:cs typeface="Open Sans" panose="020B0606030504020204" pitchFamily="34" charset="0"/>
+              </a:rPr>
+              <a:t>сть</a:t>
+            </a:r>
+            <a:r>
+              <a:rPr lang="uk-UA" dirty="0">
+                <a:solidFill>
+                  <a:srgbClr val="0D0D0D"/>
+                </a:solidFill>
+                <a:latin typeface="Open Sans" panose="020B0606030504020204" pitchFamily="34" charset="0"/>
+                <a:ea typeface="Open Sans" panose="020B0606030504020204" pitchFamily="34" charset="0"/>
+                <a:cs typeface="Open Sans" panose="020B0606030504020204" pitchFamily="34" charset="0"/>
+              </a:rPr>
+              <a:t> </a:t>
             </a:r>
             <a:r>
               <a:rPr lang="en-US" dirty="0">
@@ -28659,7 +28892,29 @@
                 <a:ea typeface="Open Sans" panose="020B0606030504020204" pitchFamily="34" charset="0"/>
                 <a:cs typeface="Open Sans" panose="020B0606030504020204" pitchFamily="34" charset="0"/>
               </a:rPr>
-              <a:t>-підходів;</a:t>
+              <a:t> та </a:t>
+            </a:r>
+            <a:r>
+              <a:rPr lang="en-US" dirty="0">
+                <a:solidFill>
+                  <a:srgbClr val="0D0D0D"/>
+                </a:solidFill>
+                <a:latin typeface="Open Sans" panose="020B0606030504020204" pitchFamily="34" charset="0"/>
+                <a:ea typeface="Open Sans" panose="020B0606030504020204" pitchFamily="34" charset="0"/>
+                <a:cs typeface="Open Sans" panose="020B0606030504020204" pitchFamily="34" charset="0"/>
+              </a:rPr>
+              <a:t>SQL </a:t>
+            </a:r>
+            <a:r>
+              <a:rPr lang="uk-UA" dirty="0">
+                <a:solidFill>
+                  <a:srgbClr val="0D0D0D"/>
+                </a:solidFill>
+                <a:latin typeface="Open Sans" panose="020B0606030504020204" pitchFamily="34" charset="0"/>
+                <a:ea typeface="Open Sans" panose="020B0606030504020204" pitchFamily="34" charset="0"/>
+                <a:cs typeface="Open Sans" panose="020B0606030504020204" pitchFamily="34" charset="0"/>
+              </a:rPr>
+              <a:t>підходів;</a:t>
             </a:r>
           </a:p>
           <a:p>
@@ -29329,17 +29584,6 @@
               <a:buChar char="−"/>
             </a:pPr>
             <a:r>
-              <a:rPr lang="ru-RU" dirty="0">
-                <a:solidFill>
-                  <a:srgbClr val="0D0D0D"/>
-                </a:solidFill>
-                <a:latin typeface="Open Sans" panose="020B0606030504020204" pitchFamily="34" charset="0"/>
-                <a:ea typeface="Open Sans" panose="020B0606030504020204" pitchFamily="34" charset="0"/>
-                <a:cs typeface="Open Sans" panose="020B0606030504020204" pitchFamily="34" charset="0"/>
-              </a:rPr>
-              <a:t>SQL </a:t>
-            </a:r>
-            <a:r>
               <a:rPr lang="uk-UA" noProof="0" dirty="0">
                 <a:solidFill>
                   <a:srgbClr val="0D0D0D"/>
@@ -29348,7 +29592,7 @@
                 <a:ea typeface="Open Sans" panose="020B0606030504020204" pitchFamily="34" charset="0"/>
                 <a:cs typeface="Open Sans" panose="020B0606030504020204" pitchFamily="34" charset="0"/>
               </a:rPr>
-              <a:t>забезпечує повний контроль та стабільну продуктивність</a:t>
+              <a:t>SQL забезпечує повний контроль та стабільність</a:t>
             </a:r>
             <a:r>
               <a:rPr lang="ru-RU" dirty="0">
@@ -29380,7 +29624,7 @@
             </a:pPr>
             <a:r>
               <a:rPr lang="uk-UA" noProof="0" dirty="0"/>
-              <a:t>зниження продуктивності ORM спричиняють надмірні звернення до даних</a:t>
+              <a:t>зниження ефективності ORM викликають надмірні звернення до даних</a:t>
             </a:r>
             <a:r>
               <a:rPr lang="ru-RU" dirty="0"/>
@@ -29489,7 +29733,18 @@
                 <a:ea typeface="Open Sans" panose="020B0606030504020204" pitchFamily="34" charset="0"/>
                 <a:cs typeface="Open Sans" panose="020B0606030504020204" pitchFamily="34" charset="0"/>
               </a:rPr>
-              <a:t>відсутність складних запитів</a:t>
+              <a:t>відсутність складних </a:t>
+            </a:r>
+            <a:r>
+              <a:rPr lang="uk-UA" dirty="0">
+                <a:solidFill>
+                  <a:srgbClr val="0D0D0D"/>
+                </a:solidFill>
+                <a:latin typeface="Open Sans" panose="020B0606030504020204" pitchFamily="34" charset="0"/>
+                <a:ea typeface="Open Sans" panose="020B0606030504020204" pitchFamily="34" charset="0"/>
+                <a:cs typeface="Open Sans" panose="020B0606030504020204" pitchFamily="34" charset="0"/>
+              </a:rPr>
+              <a:t>операцій</a:t>
             </a:r>
             <a:r>
               <a:rPr lang="ru-RU" dirty="0">
@@ -29707,7 +29962,7 @@
         </p:spPr>
         <p:txBody>
           <a:bodyPr spcFirstLastPara="1" wrap="square" lIns="91425" tIns="91425" rIns="91425" bIns="91425" anchor="t" anchorCtr="0">
-            <a:normAutofit fontScale="62500" lnSpcReduction="20000"/>
+            <a:normAutofit fontScale="70000" lnSpcReduction="20000"/>
           </a:bodyPr>
           <a:lstStyle/>
           <a:p>
@@ -29759,10 +30014,10 @@
                 <a:ea typeface="Open Sans" panose="020B0606030504020204" pitchFamily="34" charset="0"/>
                 <a:cs typeface="Open Sans" panose="020B0606030504020204" pitchFamily="34" charset="0"/>
               </a:rPr>
-              <a:t>Пошук ефективного підходу доступу до баз даних, що забезпечує оптимальну продуктивність </a:t>
-            </a:r>
-            <a:r>
-              <a:rPr lang="uk-UA" noProof="0" dirty="0" err="1">
+              <a:t>Пошук ефективного підходу доступу до баз даних</a:t>
+            </a:r>
+            <a:r>
+              <a:rPr lang="uk-UA" dirty="0">
                 <a:solidFill>
                   <a:srgbClr val="0D0D0D"/>
                 </a:solidFill>
@@ -29770,7 +30025,7 @@
                 <a:ea typeface="Open Sans" panose="020B0606030504020204" pitchFamily="34" charset="0"/>
                 <a:cs typeface="Open Sans" panose="020B0606030504020204" pitchFamily="34" charset="0"/>
               </a:rPr>
-              <a:t>Go</a:t>
+              <a:t> для </a:t>
             </a:r>
             <a:r>
               <a:rPr lang="uk-UA" noProof="0" dirty="0">
@@ -29781,7 +30036,29 @@
                 <a:ea typeface="Open Sans" panose="020B0606030504020204" pitchFamily="34" charset="0"/>
                 <a:cs typeface="Open Sans" panose="020B0606030504020204" pitchFamily="34" charset="0"/>
               </a:rPr>
-              <a:t>-додатків</a:t>
+              <a:t>додатків</a:t>
+            </a:r>
+            <a:r>
+              <a:rPr lang="uk-UA" dirty="0">
+                <a:solidFill>
+                  <a:srgbClr val="0D0D0D"/>
+                </a:solidFill>
+                <a:latin typeface="Open Sans" panose="020B0606030504020204" pitchFamily="34" charset="0"/>
+                <a:ea typeface="Open Sans" panose="020B0606030504020204" pitchFamily="34" charset="0"/>
+                <a:cs typeface="Open Sans" panose="020B0606030504020204" pitchFamily="34" charset="0"/>
+              </a:rPr>
+              <a:t>, розроблених мовою програмування </a:t>
+            </a:r>
+            <a:r>
+              <a:rPr lang="en-US" dirty="0">
+                <a:solidFill>
+                  <a:srgbClr val="0D0D0D"/>
+                </a:solidFill>
+                <a:latin typeface="Open Sans" panose="020B0606030504020204" pitchFamily="34" charset="0"/>
+                <a:ea typeface="Open Sans" panose="020B0606030504020204" pitchFamily="34" charset="0"/>
+                <a:cs typeface="Open Sans" panose="020B0606030504020204" pitchFamily="34" charset="0"/>
+              </a:rPr>
+              <a:t>Go</a:t>
             </a:r>
             <a:r>
               <a:rPr lang="ru-RU" dirty="0">
@@ -29927,7 +30204,7 @@
                 <a:ea typeface="Open Sans" panose="020B0606030504020204" pitchFamily="34" charset="0"/>
                 <a:cs typeface="Open Sans" panose="020B0606030504020204" pitchFamily="34" charset="0"/>
               </a:rPr>
-              <a:t>додатку з однаковою функціональністю, який демонструє оптимальний підхід доступу до БД;</a:t>
+              <a:t>додатку з однаковою функціональністю для підходів;</a:t>
             </a:r>
           </a:p>
           <a:p>
@@ -29960,7 +30237,7 @@
                 <a:ea typeface="Open Sans" panose="020B0606030504020204" pitchFamily="34" charset="0"/>
                 <a:cs typeface="Open Sans" panose="020B0606030504020204" pitchFamily="34" charset="0"/>
               </a:rPr>
-              <a:t>програмних рішень.</a:t>
+              <a:t>розробників.</a:t>
             </a:r>
           </a:p>
         </p:txBody>
@@ -30410,29 +30687,7 @@
                 <a:ea typeface="Open Sans" panose="020B0606030504020204" pitchFamily="34" charset="0"/>
                 <a:cs typeface="Open Sans" panose="020B0606030504020204" pitchFamily="34" charset="0"/>
               </a:rPr>
-              <a:t>проведення серії експериментів для порівняння </a:t>
-            </a:r>
-            <a:r>
-              <a:rPr lang="uk-UA" dirty="0">
-                <a:solidFill>
-                  <a:srgbClr val="0D0D0D"/>
-                </a:solidFill>
-                <a:latin typeface="Open Sans" panose="020B0606030504020204" pitchFamily="34" charset="0"/>
-                <a:ea typeface="Open Sans" panose="020B0606030504020204" pitchFamily="34" charset="0"/>
-                <a:cs typeface="Open Sans" panose="020B0606030504020204" pitchFamily="34" charset="0"/>
-              </a:rPr>
-              <a:t>ефективності та </a:t>
-            </a:r>
-            <a:r>
-              <a:rPr lang="uk-UA" noProof="0" dirty="0">
-                <a:solidFill>
-                  <a:srgbClr val="0D0D0D"/>
-                </a:solidFill>
-                <a:latin typeface="Open Sans" panose="020B0606030504020204" pitchFamily="34" charset="0"/>
-                <a:ea typeface="Open Sans" panose="020B0606030504020204" pitchFamily="34" charset="0"/>
-                <a:cs typeface="Open Sans" panose="020B0606030504020204" pitchFamily="34" charset="0"/>
-              </a:rPr>
-              <a:t>продуктивності підходів</a:t>
+              <a:t>проведення серії експериментів для порівняння підходів</a:t>
             </a:r>
             <a:r>
               <a:rPr lang="ru-RU" dirty="0">
@@ -30802,6 +31057,31 @@
                 <a:cs typeface="Open Sans" panose="020B0606030504020204" pitchFamily="34" charset="0"/>
               </a:rPr>
               <a:t>офіційна документація бібліотек</a:t>
+            </a:r>
+            <a:r>
+              <a:rPr lang="ru-RU" dirty="0">
+                <a:latin typeface="Open Sans" panose="020B0606030504020204" pitchFamily="34" charset="0"/>
+                <a:ea typeface="Open Sans" panose="020B0606030504020204" pitchFamily="34" charset="0"/>
+                <a:cs typeface="Open Sans" panose="020B0606030504020204" pitchFamily="34" charset="0"/>
+              </a:rPr>
+              <a:t>;</a:t>
+            </a:r>
+          </a:p>
+          <a:p>
+            <a:pPr marL="285750" lvl="0" indent="-285750" algn="just">
+              <a:spcBef>
+                <a:spcPts val="1200"/>
+              </a:spcBef>
+              <a:buFont typeface="Open Sans" panose="020B0606030504020204" pitchFamily="34" charset="0"/>
+              <a:buChar char="−"/>
+            </a:pPr>
+            <a:r>
+              <a:rPr lang="uk-UA" noProof="0" dirty="0">
+                <a:latin typeface="Open Sans" panose="020B0606030504020204" pitchFamily="34" charset="0"/>
+                <a:ea typeface="Open Sans" panose="020B0606030504020204" pitchFamily="34" charset="0"/>
+                <a:cs typeface="Open Sans" panose="020B0606030504020204" pitchFamily="34" charset="0"/>
+              </a:rPr>
+              <a:t>наукові роботи</a:t>
             </a:r>
             <a:r>
               <a:rPr lang="ru-RU" dirty="0">
@@ -31072,23 +31352,15 @@
               <a:buChar char="−"/>
             </a:pPr>
             <a:r>
-              <a:rPr lang="uk-UA" dirty="0">
+              <a:rPr lang="uk-UA" noProof="0" dirty="0">
                 <a:latin typeface="Open Sans" panose="020B0606030504020204" pitchFamily="34" charset="0"/>
                 <a:ea typeface="Open Sans" panose="020B0606030504020204" pitchFamily="34" charset="0"/>
                 <a:cs typeface="Open Sans" panose="020B0606030504020204" pitchFamily="34" charset="0"/>
               </a:rPr>
-              <a:t>д</a:t>
-            </a:r>
-            <a:r>
-              <a:rPr lang="uk-UA" noProof="0" dirty="0" err="1">
-                <a:latin typeface="Open Sans" panose="020B0606030504020204" pitchFamily="34" charset="0"/>
-                <a:ea typeface="Open Sans" panose="020B0606030504020204" pitchFamily="34" charset="0"/>
-                <a:cs typeface="Open Sans" panose="020B0606030504020204" pitchFamily="34" charset="0"/>
-              </a:rPr>
-              <a:t>окументація</a:t>
-            </a:r>
-            <a:r>
-              <a:rPr lang="ru-RU" dirty="0">
+              <a:t>документація</a:t>
+            </a:r>
+            <a:r>
+              <a:rPr lang="ru-RU" noProof="0" dirty="0">
                 <a:latin typeface="Open Sans" panose="020B0606030504020204" pitchFamily="34" charset="0"/>
                 <a:ea typeface="Open Sans" panose="020B0606030504020204" pitchFamily="34" charset="0"/>
                 <a:cs typeface="Open Sans" panose="020B0606030504020204" pitchFamily="34" charset="0"/>
@@ -31645,7 +31917,7 @@
                 <a:ea typeface="Open Sans" panose="020B0606030504020204" pitchFamily="34" charset="0"/>
                 <a:cs typeface="Open Sans" panose="020B0606030504020204" pitchFamily="34" charset="0"/>
               </a:rPr>
-              <a:t>визначення Парето-оптимальних рішень;</a:t>
+              <a:t>визначення Парето-оптимальних альтернатив;</a:t>
             </a:r>
             <a:endParaRPr lang="uk-UA" noProof="0" dirty="0">
               <a:latin typeface="Open Sans" panose="020B0606030504020204" pitchFamily="34" charset="0"/>
@@ -31667,7 +31939,7 @@
                 <a:ea typeface="Open Sans" panose="020B0606030504020204" pitchFamily="34" charset="0"/>
                 <a:cs typeface="Open Sans" panose="020B0606030504020204" pitchFamily="34" charset="0"/>
               </a:rPr>
-              <a:t>нормалізація критеріїв за шкалами;</a:t>
+              <a:t>нормалізація оцінок альтернатив за критеріями;</a:t>
             </a:r>
           </a:p>
           <a:p>
@@ -31860,8 +32132,8 @@
           </a:p>
         </p:txBody>
       </p:sp>
-      <mc:AlternateContent xmlns:mc="http://schemas.openxmlformats.org/markup-compatibility/2006">
-        <mc:Choice xmlns:a14="http://schemas.microsoft.com/office/drawing/2010/main" Requires="a14">
+      <mc:AlternateContent xmlns:mc="http://schemas.openxmlformats.org/markup-compatibility/2006" xmlns:a14="http://schemas.microsoft.com/office/drawing/2010/main">
+        <mc:Choice Requires="a14">
           <p:sp>
             <p:nvSpPr>
               <p:cNvPr id="3" name="Google Shape;121;p21">
@@ -32339,7 +32611,7 @@
             </p:txBody>
           </p:sp>
         </mc:Choice>
-        <mc:Fallback>
+        <mc:Fallback xmlns="">
           <p:sp>
             <p:nvSpPr>
               <p:cNvPr id="3" name="Google Shape;121;p21">
